--- a/AA22_rpt14/PPT/ppt.pptx
+++ b/AA22_rpt14/PPT/ppt.pptx
@@ -13,31 +13,27 @@
     <p:sldId id="269" r:id="rId7"/>
     <p:sldId id="268" r:id="rId8"/>
     <p:sldId id="270" r:id="rId9"/>
-    <p:sldId id="257" r:id="rId10"/>
-    <p:sldId id="260" r:id="rId11"/>
-    <p:sldId id="261" r:id="rId12"/>
-    <p:sldId id="262" r:id="rId13"/>
-    <p:sldId id="256" r:id="rId14"/>
+    <p:sldId id="256" r:id="rId10"/>
   </p:sldIdLst>
   <p:sldSz cx="12192000" cy="6858000"/>
   <p:notesSz cx="6858000" cy="9144000"/>
   <p:embeddedFontLst>
     <p:embeddedFont>
-      <p:font typeface="나눔스퀘어 Bold" panose="020B0600000101010101" pitchFamily="50" charset="-127"/>
-      <p:bold r:id="rId15"/>
+      <p:font typeface="나눔스퀘어 ExtraBold" panose="020B0600000101010101" pitchFamily="50" charset="-127"/>
+      <p:bold r:id="rId11"/>
     </p:embeddedFont>
     <p:embeddedFont>
       <p:font typeface="나눔스퀘어" panose="020B0600000101010101" pitchFamily="50" charset="-127"/>
-      <p:regular r:id="rId16"/>
+      <p:regular r:id="rId12"/>
+    </p:embeddedFont>
+    <p:embeddedFont>
+      <p:font typeface="나눔스퀘어 Bold" panose="020B0600000101010101" pitchFamily="50" charset="-127"/>
+      <p:bold r:id="rId13"/>
     </p:embeddedFont>
     <p:embeddedFont>
       <p:font typeface="맑은 고딕" panose="020B0503020000020004" pitchFamily="50" charset="-127"/>
-      <p:regular r:id="rId17"/>
-      <p:bold r:id="rId18"/>
-    </p:embeddedFont>
-    <p:embeddedFont>
-      <p:font typeface="나눔스퀘어 ExtraBold" panose="020B0600000101010101" pitchFamily="50" charset="-127"/>
-      <p:bold r:id="rId19"/>
+      <p:regular r:id="rId14"/>
+      <p:bold r:id="rId15"/>
     </p:embeddedFont>
   </p:embeddedFontLst>
   <p:defaultTextStyle>
@@ -3584,4081 +3580,6 @@
 </p:sld>
 </file>
 
-<file path=ppt/slides/slide10.xml><?xml version="1.0" encoding="utf-8"?>
-<p:sld xmlns:a="http://schemas.openxmlformats.org/drawingml/2006/main" xmlns:r="http://schemas.openxmlformats.org/officeDocument/2006/relationships" xmlns:p="http://schemas.openxmlformats.org/presentationml/2006/main">
-  <p:cSld>
-    <p:bg>
-      <p:bgPr>
-        <a:solidFill>
-          <a:schemeClr val="bg1">
-            <a:lumMod val="85000"/>
-            <a:alpha val="46000"/>
-          </a:schemeClr>
-        </a:solidFill>
-        <a:effectLst/>
-      </p:bgPr>
-    </p:bg>
-    <p:spTree>
-      <p:nvGrpSpPr>
-        <p:cNvPr id="1" name=""/>
-        <p:cNvGrpSpPr/>
-        <p:nvPr/>
-      </p:nvGrpSpPr>
-      <p:grpSpPr>
-        <a:xfrm>
-          <a:off x="0" y="0"/>
-          <a:ext cx="0" cy="0"/>
-          <a:chOff x="0" y="0"/>
-          <a:chExt cx="0" cy="0"/>
-        </a:xfrm>
-      </p:grpSpPr>
-      <p:sp>
-        <p:nvSpPr>
-          <p:cNvPr id="2" name="직사각형 1">
-            <a:extLst>
-              <a:ext uri="{FF2B5EF4-FFF2-40B4-BE49-F238E27FC236}">
-                <a16:creationId xmlns:a16="http://schemas.microsoft.com/office/drawing/2014/main" id="{EE08F41B-3AD8-4201-97E2-9E6D06762241}"/>
-              </a:ext>
-            </a:extLst>
-          </p:cNvPr>
-          <p:cNvSpPr/>
-          <p:nvPr/>
-        </p:nvSpPr>
-        <p:spPr>
-          <a:xfrm>
-            <a:off x="0" y="0"/>
-            <a:ext cx="12192000" cy="1028700"/>
-          </a:xfrm>
-          <a:prstGeom prst="rect">
-            <a:avLst/>
-          </a:prstGeom>
-          <a:solidFill>
-            <a:srgbClr val="677787"/>
-          </a:solidFill>
-          <a:ln>
-            <a:noFill/>
-          </a:ln>
-        </p:spPr>
-        <p:style>
-          <a:lnRef idx="2">
-            <a:schemeClr val="accent1">
-              <a:shade val="50000"/>
-            </a:schemeClr>
-          </a:lnRef>
-          <a:fillRef idx="1">
-            <a:schemeClr val="accent1"/>
-          </a:fillRef>
-          <a:effectRef idx="0">
-            <a:schemeClr val="accent1"/>
-          </a:effectRef>
-          <a:fontRef idx="minor">
-            <a:schemeClr val="lt1"/>
-          </a:fontRef>
-        </p:style>
-        <p:txBody>
-          <a:bodyPr rtlCol="0" anchor="ctr"/>
-          <a:lstStyle/>
-          <a:p>
-            <a:pPr algn="ctr"/>
-            <a:endParaRPr lang="ko-KR" altLang="en-US"/>
-          </a:p>
-        </p:txBody>
-      </p:sp>
-      <p:sp>
-        <p:nvSpPr>
-          <p:cNvPr id="3" name="직사각형 2">
-            <a:extLst>
-              <a:ext uri="{FF2B5EF4-FFF2-40B4-BE49-F238E27FC236}">
-                <a16:creationId xmlns:a16="http://schemas.microsoft.com/office/drawing/2014/main" id="{644B0AF7-FB2B-4D07-B38A-B53750762396}"/>
-              </a:ext>
-            </a:extLst>
-          </p:cNvPr>
-          <p:cNvSpPr/>
-          <p:nvPr/>
-        </p:nvSpPr>
-        <p:spPr>
-          <a:xfrm>
-            <a:off x="147638" y="153579"/>
-            <a:ext cx="919162" cy="675097"/>
-          </a:xfrm>
-          <a:prstGeom prst="rect">
-            <a:avLst/>
-          </a:prstGeom>
-          <a:noFill/>
-          <a:ln w="19050">
-            <a:solidFill>
-              <a:schemeClr val="bg1"/>
-            </a:solidFill>
-          </a:ln>
-          <a:effectLst>
-            <a:outerShdw blurRad="50800" dist="38100" dir="2700000" algn="tl" rotWithShape="0">
-              <a:prstClr val="black">
-                <a:alpha val="40000"/>
-              </a:prstClr>
-            </a:outerShdw>
-          </a:effectLst>
-        </p:spPr>
-        <p:style>
-          <a:lnRef idx="2">
-            <a:schemeClr val="accent1">
-              <a:shade val="50000"/>
-            </a:schemeClr>
-          </a:lnRef>
-          <a:fillRef idx="1">
-            <a:schemeClr val="accent1"/>
-          </a:fillRef>
-          <a:effectRef idx="0">
-            <a:schemeClr val="accent1"/>
-          </a:effectRef>
-          <a:fontRef idx="minor">
-            <a:schemeClr val="lt1"/>
-          </a:fontRef>
-        </p:style>
-        <p:txBody>
-          <a:bodyPr rtlCol="0" anchor="ctr"/>
-          <a:lstStyle/>
-          <a:p>
-            <a:pPr algn="ctr"/>
-            <a:endParaRPr lang="ko-KR" altLang="en-US"/>
-          </a:p>
-        </p:txBody>
-      </p:sp>
-      <p:sp>
-        <p:nvSpPr>
-          <p:cNvPr id="4" name="TextBox 3">
-            <a:extLst>
-              <a:ext uri="{FF2B5EF4-FFF2-40B4-BE49-F238E27FC236}">
-                <a16:creationId xmlns:a16="http://schemas.microsoft.com/office/drawing/2014/main" id="{C3C89236-FE90-4DE7-8BC2-956EFF35CCF7}"/>
-              </a:ext>
-            </a:extLst>
-          </p:cNvPr>
-          <p:cNvSpPr txBox="1"/>
-          <p:nvPr/>
-        </p:nvSpPr>
-        <p:spPr>
-          <a:xfrm>
-            <a:off x="247345" y="153579"/>
-            <a:ext cx="819455" cy="707886"/>
-          </a:xfrm>
-          <a:prstGeom prst="rect">
-            <a:avLst/>
-          </a:prstGeom>
-          <a:noFill/>
-        </p:spPr>
-        <p:txBody>
-          <a:bodyPr wrap="none" rtlCol="0">
-            <a:spAutoFit/>
-          </a:bodyPr>
-          <a:lstStyle/>
-          <a:p>
-            <a:r>
-              <a:rPr lang="en-US" altLang="ko-KR" sz="4000">
-                <a:solidFill>
-                  <a:schemeClr val="bg1"/>
-                </a:solidFill>
-                <a:latin typeface="나눔스퀘어" panose="020B0600000101010101" pitchFamily="50" charset="-127"/>
-                <a:ea typeface="나눔스퀘어" panose="020B0600000101010101" pitchFamily="50" charset="-127"/>
-              </a:rPr>
-              <a:t>01</a:t>
-            </a:r>
-            <a:endParaRPr lang="ko-KR" altLang="en-US" sz="4000">
-              <a:solidFill>
-                <a:schemeClr val="bg1"/>
-              </a:solidFill>
-              <a:latin typeface="나눔스퀘어" panose="020B0600000101010101" pitchFamily="50" charset="-127"/>
-              <a:ea typeface="나눔스퀘어" panose="020B0600000101010101" pitchFamily="50" charset="-127"/>
-            </a:endParaRPr>
-          </a:p>
-        </p:txBody>
-      </p:sp>
-      <p:sp>
-        <p:nvSpPr>
-          <p:cNvPr id="5" name="TextBox 4">
-            <a:extLst>
-              <a:ext uri="{FF2B5EF4-FFF2-40B4-BE49-F238E27FC236}">
-                <a16:creationId xmlns:a16="http://schemas.microsoft.com/office/drawing/2014/main" id="{FFE3C59D-CA1A-40C0-820E-B3F77010BFDD}"/>
-              </a:ext>
-            </a:extLst>
-          </p:cNvPr>
-          <p:cNvSpPr txBox="1"/>
-          <p:nvPr/>
-        </p:nvSpPr>
-        <p:spPr>
-          <a:xfrm>
-            <a:off x="1166813" y="150882"/>
-            <a:ext cx="2315057" cy="707886"/>
-          </a:xfrm>
-          <a:prstGeom prst="rect">
-            <a:avLst/>
-          </a:prstGeom>
-          <a:noFill/>
-        </p:spPr>
-        <p:txBody>
-          <a:bodyPr wrap="none" rtlCol="0">
-            <a:spAutoFit/>
-          </a:bodyPr>
-          <a:lstStyle/>
-          <a:p>
-            <a:pPr algn="ctr"/>
-            <a:r>
-              <a:rPr lang="en-US" altLang="ko-KR" sz="2000">
-                <a:solidFill>
-                  <a:schemeClr val="bg1"/>
-                </a:solidFill>
-                <a:latin typeface="나눔스퀘어 ExtraBold" panose="020B0600000101010101" pitchFamily="50" charset="-127"/>
-                <a:ea typeface="나눔스퀘어 ExtraBold" panose="020B0600000101010101" pitchFamily="50" charset="-127"/>
-              </a:rPr>
-              <a:t>Instagram id</a:t>
-            </a:r>
-          </a:p>
-          <a:p>
-            <a:pPr algn="ctr"/>
-            <a:r>
-              <a:rPr lang="en-US" altLang="ko-KR" sz="2000">
-                <a:solidFill>
-                  <a:schemeClr val="bg1"/>
-                </a:solidFill>
-                <a:latin typeface="나눔스퀘어 ExtraBold" panose="020B0600000101010101" pitchFamily="50" charset="-127"/>
-                <a:ea typeface="나눔스퀘어 ExtraBold" panose="020B0600000101010101" pitchFamily="50" charset="-127"/>
-              </a:rPr>
-              <a:t>: jasaeng_official</a:t>
-            </a:r>
-            <a:endParaRPr lang="ko-KR" altLang="en-US" sz="2000">
-              <a:solidFill>
-                <a:schemeClr val="bg1"/>
-              </a:solidFill>
-              <a:latin typeface="나눔스퀘어 ExtraBold" panose="020B0600000101010101" pitchFamily="50" charset="-127"/>
-              <a:ea typeface="나눔스퀘어 ExtraBold" panose="020B0600000101010101" pitchFamily="50" charset="-127"/>
-            </a:endParaRPr>
-          </a:p>
-        </p:txBody>
-      </p:sp>
-      <p:sp>
-        <p:nvSpPr>
-          <p:cNvPr id="22" name="직사각형 21">
-            <a:extLst>
-              <a:ext uri="{FF2B5EF4-FFF2-40B4-BE49-F238E27FC236}">
-                <a16:creationId xmlns:a16="http://schemas.microsoft.com/office/drawing/2014/main" id="{78EF40B2-BE38-4963-8CF6-757F833A0AA7}"/>
-              </a:ext>
-            </a:extLst>
-          </p:cNvPr>
-          <p:cNvSpPr/>
-          <p:nvPr/>
-        </p:nvSpPr>
-        <p:spPr>
-          <a:xfrm>
-            <a:off x="847725" y="2599858"/>
-            <a:ext cx="2305050" cy="3153242"/>
-          </a:xfrm>
-          <a:prstGeom prst="rect">
-            <a:avLst/>
-          </a:prstGeom>
-          <a:noFill/>
-          <a:ln w="57150">
-            <a:solidFill>
-              <a:srgbClr val="677787"/>
-            </a:solidFill>
-          </a:ln>
-          <a:effectLst>
-            <a:outerShdw blurRad="50800" dist="38100" dir="2700000" algn="tl" rotWithShape="0">
-              <a:prstClr val="black">
-                <a:alpha val="40000"/>
-              </a:prstClr>
-            </a:outerShdw>
-          </a:effectLst>
-        </p:spPr>
-        <p:style>
-          <a:lnRef idx="2">
-            <a:schemeClr val="accent1">
-              <a:shade val="50000"/>
-            </a:schemeClr>
-          </a:lnRef>
-          <a:fillRef idx="1">
-            <a:schemeClr val="accent1"/>
-          </a:fillRef>
-          <a:effectRef idx="0">
-            <a:schemeClr val="accent1"/>
-          </a:effectRef>
-          <a:fontRef idx="minor">
-            <a:schemeClr val="lt1"/>
-          </a:fontRef>
-        </p:style>
-        <p:txBody>
-          <a:bodyPr rtlCol="0" anchor="ctr"/>
-          <a:lstStyle/>
-          <a:p>
-            <a:pPr algn="ctr"/>
-            <a:endParaRPr lang="ko-KR" altLang="en-US"/>
-          </a:p>
-        </p:txBody>
-      </p:sp>
-      <p:sp>
-        <p:nvSpPr>
-          <p:cNvPr id="23" name="TextBox 22">
-            <a:extLst>
-              <a:ext uri="{FF2B5EF4-FFF2-40B4-BE49-F238E27FC236}">
-                <a16:creationId xmlns:a16="http://schemas.microsoft.com/office/drawing/2014/main" id="{D1FC802B-3736-4E0B-8848-AA9DE2739E98}"/>
-              </a:ext>
-            </a:extLst>
-          </p:cNvPr>
-          <p:cNvSpPr txBox="1"/>
-          <p:nvPr/>
-        </p:nvSpPr>
-        <p:spPr>
-          <a:xfrm>
-            <a:off x="1590522" y="2837983"/>
-            <a:ext cx="819455" cy="707886"/>
-          </a:xfrm>
-          <a:prstGeom prst="rect">
-            <a:avLst/>
-          </a:prstGeom>
-          <a:noFill/>
-        </p:spPr>
-        <p:txBody>
-          <a:bodyPr wrap="none" rtlCol="0">
-            <a:spAutoFit/>
-          </a:bodyPr>
-          <a:lstStyle/>
-          <a:p>
-            <a:r>
-              <a:rPr lang="en-US" altLang="ko-KR" sz="4000">
-                <a:solidFill>
-                  <a:srgbClr val="677787"/>
-                </a:solidFill>
-                <a:latin typeface="나눔스퀘어 ExtraBold" panose="020B0600000101010101" pitchFamily="50" charset="-127"/>
-                <a:ea typeface="나눔스퀘어 ExtraBold" panose="020B0600000101010101" pitchFamily="50" charset="-127"/>
-              </a:rPr>
-              <a:t>01</a:t>
-            </a:r>
-            <a:endParaRPr lang="ko-KR" altLang="en-US" sz="4000">
-              <a:solidFill>
-                <a:srgbClr val="677787"/>
-              </a:solidFill>
-              <a:latin typeface="나눔스퀘어 ExtraBold" panose="020B0600000101010101" pitchFamily="50" charset="-127"/>
-              <a:ea typeface="나눔스퀘어 ExtraBold" panose="020B0600000101010101" pitchFamily="50" charset="-127"/>
-            </a:endParaRPr>
-          </a:p>
-        </p:txBody>
-      </p:sp>
-      <p:sp>
-        <p:nvSpPr>
-          <p:cNvPr id="24" name="TextBox 23">
-            <a:extLst>
-              <a:ext uri="{FF2B5EF4-FFF2-40B4-BE49-F238E27FC236}">
-                <a16:creationId xmlns:a16="http://schemas.microsoft.com/office/drawing/2014/main" id="{262D64F7-C4F0-444D-BB31-4D56C8612F91}"/>
-              </a:ext>
-            </a:extLst>
-          </p:cNvPr>
-          <p:cNvSpPr txBox="1"/>
-          <p:nvPr/>
-        </p:nvSpPr>
-        <p:spPr>
-          <a:xfrm>
-            <a:off x="1324423" y="3748865"/>
-            <a:ext cx="1351652" cy="861774"/>
-          </a:xfrm>
-          <a:prstGeom prst="rect">
-            <a:avLst/>
-          </a:prstGeom>
-          <a:noFill/>
-        </p:spPr>
-        <p:txBody>
-          <a:bodyPr wrap="none" rtlCol="0">
-            <a:spAutoFit/>
-          </a:bodyPr>
-          <a:lstStyle/>
-          <a:p>
-            <a:pPr algn="ctr"/>
-            <a:r>
-              <a:rPr lang="ko-KR" altLang="en-US" sz="2500">
-                <a:solidFill>
-                  <a:srgbClr val="677787"/>
-                </a:solidFill>
-                <a:latin typeface="나눔스퀘어 ExtraBold" panose="020B0600000101010101" pitchFamily="50" charset="-127"/>
-                <a:ea typeface="나눔스퀘어 ExtraBold" panose="020B0600000101010101" pitchFamily="50" charset="-127"/>
-              </a:rPr>
-              <a:t>내용을</a:t>
-            </a:r>
-            <a:endParaRPr lang="en-US" altLang="ko-KR" sz="2500">
-              <a:solidFill>
-                <a:srgbClr val="677787"/>
-              </a:solidFill>
-              <a:latin typeface="나눔스퀘어 ExtraBold" panose="020B0600000101010101" pitchFamily="50" charset="-127"/>
-              <a:ea typeface="나눔스퀘어 ExtraBold" panose="020B0600000101010101" pitchFamily="50" charset="-127"/>
-            </a:endParaRPr>
-          </a:p>
-          <a:p>
-            <a:pPr algn="ctr"/>
-            <a:r>
-              <a:rPr lang="ko-KR" altLang="en-US" sz="2500">
-                <a:solidFill>
-                  <a:srgbClr val="677787"/>
-                </a:solidFill>
-                <a:latin typeface="나눔스퀘어 ExtraBold" panose="020B0600000101010101" pitchFamily="50" charset="-127"/>
-                <a:ea typeface="나눔스퀘어 ExtraBold" panose="020B0600000101010101" pitchFamily="50" charset="-127"/>
-              </a:rPr>
-              <a:t>입력해요</a:t>
-            </a:r>
-          </a:p>
-        </p:txBody>
-      </p:sp>
-      <p:sp>
-        <p:nvSpPr>
-          <p:cNvPr id="25" name="TextBox 24">
-            <a:extLst>
-              <a:ext uri="{FF2B5EF4-FFF2-40B4-BE49-F238E27FC236}">
-                <a16:creationId xmlns:a16="http://schemas.microsoft.com/office/drawing/2014/main" id="{97D659F6-0EC4-4376-B400-B24C645CE83F}"/>
-              </a:ext>
-            </a:extLst>
-          </p:cNvPr>
-          <p:cNvSpPr txBox="1"/>
-          <p:nvPr/>
-        </p:nvSpPr>
-        <p:spPr>
-          <a:xfrm>
-            <a:off x="1102409" y="4807000"/>
-            <a:ext cx="1795684" cy="646331"/>
-          </a:xfrm>
-          <a:prstGeom prst="rect">
-            <a:avLst/>
-          </a:prstGeom>
-          <a:noFill/>
-        </p:spPr>
-        <p:txBody>
-          <a:bodyPr wrap="none" rtlCol="0">
-            <a:spAutoFit/>
-          </a:bodyPr>
-          <a:lstStyle/>
-          <a:p>
-            <a:pPr algn="ctr"/>
-            <a:r>
-              <a:rPr lang="ko-KR" altLang="en-US" sz="1200">
-                <a:ln>
-                  <a:solidFill>
-                    <a:srgbClr val="677787">
-                      <a:alpha val="15000"/>
-                    </a:srgbClr>
-                  </a:solidFill>
-                </a:ln>
-                <a:solidFill>
-                  <a:srgbClr val="677787"/>
-                </a:solidFill>
-                <a:latin typeface="나눔스퀘어" panose="020B0600000101010101" pitchFamily="50" charset="-127"/>
-                <a:ea typeface="나눔스퀘어" panose="020B0600000101010101" pitchFamily="50" charset="-127"/>
-              </a:rPr>
-              <a:t>여기에는 내용을 입력해요</a:t>
-            </a:r>
-            <a:endParaRPr lang="en-US" altLang="ko-KR" sz="1200">
-              <a:ln>
-                <a:solidFill>
-                  <a:srgbClr val="677787">
-                    <a:alpha val="15000"/>
-                  </a:srgbClr>
-                </a:solidFill>
-              </a:ln>
-              <a:solidFill>
-                <a:srgbClr val="677787"/>
-              </a:solidFill>
-              <a:latin typeface="나눔스퀘어" panose="020B0600000101010101" pitchFamily="50" charset="-127"/>
-              <a:ea typeface="나눔스퀘어" panose="020B0600000101010101" pitchFamily="50" charset="-127"/>
-            </a:endParaRPr>
-          </a:p>
-          <a:p>
-            <a:pPr algn="ctr"/>
-            <a:r>
-              <a:rPr lang="ko-KR" altLang="en-US" sz="1200">
-                <a:ln>
-                  <a:solidFill>
-                    <a:srgbClr val="677787">
-                      <a:alpha val="15000"/>
-                    </a:srgbClr>
-                  </a:solidFill>
-                </a:ln>
-                <a:solidFill>
-                  <a:srgbClr val="677787"/>
-                </a:solidFill>
-                <a:latin typeface="나눔스퀘어" panose="020B0600000101010101" pitchFamily="50" charset="-127"/>
-                <a:ea typeface="나눔스퀘어" panose="020B0600000101010101" pitchFamily="50" charset="-127"/>
-              </a:rPr>
-              <a:t>여기에는 내용을 입력해요</a:t>
-            </a:r>
-          </a:p>
-          <a:p>
-            <a:pPr algn="ctr"/>
-            <a:r>
-              <a:rPr lang="ko-KR" altLang="en-US" sz="1200">
-                <a:ln>
-                  <a:solidFill>
-                    <a:srgbClr val="677787">
-                      <a:alpha val="15000"/>
-                    </a:srgbClr>
-                  </a:solidFill>
-                </a:ln>
-                <a:solidFill>
-                  <a:srgbClr val="677787"/>
-                </a:solidFill>
-                <a:latin typeface="나눔스퀘어" panose="020B0600000101010101" pitchFamily="50" charset="-127"/>
-                <a:ea typeface="나눔스퀘어" panose="020B0600000101010101" pitchFamily="50" charset="-127"/>
-              </a:rPr>
-              <a:t>여기에는 내용을 입력해요</a:t>
-            </a:r>
-          </a:p>
-        </p:txBody>
-      </p:sp>
-      <p:sp>
-        <p:nvSpPr>
-          <p:cNvPr id="26" name="직사각형 25">
-            <a:extLst>
-              <a:ext uri="{FF2B5EF4-FFF2-40B4-BE49-F238E27FC236}">
-                <a16:creationId xmlns:a16="http://schemas.microsoft.com/office/drawing/2014/main" id="{3F8F2F6E-0C7A-41CB-980D-07FE4AFDA2FD}"/>
-              </a:ext>
-            </a:extLst>
-          </p:cNvPr>
-          <p:cNvSpPr/>
-          <p:nvPr/>
-        </p:nvSpPr>
-        <p:spPr>
-          <a:xfrm>
-            <a:off x="3604805" y="2599858"/>
-            <a:ext cx="2305050" cy="3153242"/>
-          </a:xfrm>
-          <a:prstGeom prst="rect">
-            <a:avLst/>
-          </a:prstGeom>
-          <a:noFill/>
-          <a:ln w="57150">
-            <a:solidFill>
-              <a:srgbClr val="677787"/>
-            </a:solidFill>
-          </a:ln>
-          <a:effectLst>
-            <a:outerShdw blurRad="50800" dist="38100" dir="2700000" algn="tl" rotWithShape="0">
-              <a:prstClr val="black">
-                <a:alpha val="40000"/>
-              </a:prstClr>
-            </a:outerShdw>
-          </a:effectLst>
-        </p:spPr>
-        <p:style>
-          <a:lnRef idx="2">
-            <a:schemeClr val="accent1">
-              <a:shade val="50000"/>
-            </a:schemeClr>
-          </a:lnRef>
-          <a:fillRef idx="1">
-            <a:schemeClr val="accent1"/>
-          </a:fillRef>
-          <a:effectRef idx="0">
-            <a:schemeClr val="accent1"/>
-          </a:effectRef>
-          <a:fontRef idx="minor">
-            <a:schemeClr val="lt1"/>
-          </a:fontRef>
-        </p:style>
-        <p:txBody>
-          <a:bodyPr rtlCol="0" anchor="ctr"/>
-          <a:lstStyle/>
-          <a:p>
-            <a:pPr algn="ctr"/>
-            <a:endParaRPr lang="ko-KR" altLang="en-US"/>
-          </a:p>
-        </p:txBody>
-      </p:sp>
-      <p:sp>
-        <p:nvSpPr>
-          <p:cNvPr id="27" name="TextBox 26">
-            <a:extLst>
-              <a:ext uri="{FF2B5EF4-FFF2-40B4-BE49-F238E27FC236}">
-                <a16:creationId xmlns:a16="http://schemas.microsoft.com/office/drawing/2014/main" id="{22611C99-F423-4A9D-BF7C-A7205994AB7C}"/>
-              </a:ext>
-            </a:extLst>
-          </p:cNvPr>
-          <p:cNvSpPr txBox="1"/>
-          <p:nvPr/>
-        </p:nvSpPr>
-        <p:spPr>
-          <a:xfrm>
-            <a:off x="4347602" y="2837983"/>
-            <a:ext cx="819455" cy="707886"/>
-          </a:xfrm>
-          <a:prstGeom prst="rect">
-            <a:avLst/>
-          </a:prstGeom>
-          <a:noFill/>
-        </p:spPr>
-        <p:txBody>
-          <a:bodyPr wrap="none" rtlCol="0">
-            <a:spAutoFit/>
-          </a:bodyPr>
-          <a:lstStyle/>
-          <a:p>
-            <a:r>
-              <a:rPr lang="en-US" altLang="ko-KR" sz="4000">
-                <a:solidFill>
-                  <a:srgbClr val="677787"/>
-                </a:solidFill>
-                <a:latin typeface="나눔스퀘어 ExtraBold" panose="020B0600000101010101" pitchFamily="50" charset="-127"/>
-                <a:ea typeface="나눔스퀘어 ExtraBold" panose="020B0600000101010101" pitchFamily="50" charset="-127"/>
-              </a:rPr>
-              <a:t>02</a:t>
-            </a:r>
-            <a:endParaRPr lang="ko-KR" altLang="en-US" sz="4000">
-              <a:solidFill>
-                <a:srgbClr val="677787"/>
-              </a:solidFill>
-              <a:latin typeface="나눔스퀘어 ExtraBold" panose="020B0600000101010101" pitchFamily="50" charset="-127"/>
-              <a:ea typeface="나눔스퀘어 ExtraBold" panose="020B0600000101010101" pitchFamily="50" charset="-127"/>
-            </a:endParaRPr>
-          </a:p>
-        </p:txBody>
-      </p:sp>
-      <p:sp>
-        <p:nvSpPr>
-          <p:cNvPr id="28" name="TextBox 27">
-            <a:extLst>
-              <a:ext uri="{FF2B5EF4-FFF2-40B4-BE49-F238E27FC236}">
-                <a16:creationId xmlns:a16="http://schemas.microsoft.com/office/drawing/2014/main" id="{64643CF4-170C-4B85-94B5-3C216F46D4DE}"/>
-              </a:ext>
-            </a:extLst>
-          </p:cNvPr>
-          <p:cNvSpPr txBox="1"/>
-          <p:nvPr/>
-        </p:nvSpPr>
-        <p:spPr>
-          <a:xfrm>
-            <a:off x="4081503" y="3748865"/>
-            <a:ext cx="1351652" cy="861774"/>
-          </a:xfrm>
-          <a:prstGeom prst="rect">
-            <a:avLst/>
-          </a:prstGeom>
-          <a:noFill/>
-        </p:spPr>
-        <p:txBody>
-          <a:bodyPr wrap="none" rtlCol="0">
-            <a:spAutoFit/>
-          </a:bodyPr>
-          <a:lstStyle/>
-          <a:p>
-            <a:pPr algn="ctr"/>
-            <a:r>
-              <a:rPr lang="ko-KR" altLang="en-US" sz="2500">
-                <a:solidFill>
-                  <a:srgbClr val="677787"/>
-                </a:solidFill>
-                <a:latin typeface="나눔스퀘어 ExtraBold" panose="020B0600000101010101" pitchFamily="50" charset="-127"/>
-                <a:ea typeface="나눔스퀘어 ExtraBold" panose="020B0600000101010101" pitchFamily="50" charset="-127"/>
-              </a:rPr>
-              <a:t>내용을</a:t>
-            </a:r>
-            <a:endParaRPr lang="en-US" altLang="ko-KR" sz="2500">
-              <a:solidFill>
-                <a:srgbClr val="677787"/>
-              </a:solidFill>
-              <a:latin typeface="나눔스퀘어 ExtraBold" panose="020B0600000101010101" pitchFamily="50" charset="-127"/>
-              <a:ea typeface="나눔스퀘어 ExtraBold" panose="020B0600000101010101" pitchFamily="50" charset="-127"/>
-            </a:endParaRPr>
-          </a:p>
-          <a:p>
-            <a:pPr algn="ctr"/>
-            <a:r>
-              <a:rPr lang="ko-KR" altLang="en-US" sz="2500">
-                <a:solidFill>
-                  <a:srgbClr val="677787"/>
-                </a:solidFill>
-                <a:latin typeface="나눔스퀘어 ExtraBold" panose="020B0600000101010101" pitchFamily="50" charset="-127"/>
-                <a:ea typeface="나눔스퀘어 ExtraBold" panose="020B0600000101010101" pitchFamily="50" charset="-127"/>
-              </a:rPr>
-              <a:t>입력해요</a:t>
-            </a:r>
-          </a:p>
-        </p:txBody>
-      </p:sp>
-      <p:sp>
-        <p:nvSpPr>
-          <p:cNvPr id="29" name="TextBox 28">
-            <a:extLst>
-              <a:ext uri="{FF2B5EF4-FFF2-40B4-BE49-F238E27FC236}">
-                <a16:creationId xmlns:a16="http://schemas.microsoft.com/office/drawing/2014/main" id="{81DF64D7-50A0-434A-B427-1D943BEC32B6}"/>
-              </a:ext>
-            </a:extLst>
-          </p:cNvPr>
-          <p:cNvSpPr txBox="1"/>
-          <p:nvPr/>
-        </p:nvSpPr>
-        <p:spPr>
-          <a:xfrm>
-            <a:off x="3859489" y="4807000"/>
-            <a:ext cx="1795684" cy="646331"/>
-          </a:xfrm>
-          <a:prstGeom prst="rect">
-            <a:avLst/>
-          </a:prstGeom>
-          <a:noFill/>
-        </p:spPr>
-        <p:txBody>
-          <a:bodyPr wrap="none" rtlCol="0">
-            <a:spAutoFit/>
-          </a:bodyPr>
-          <a:lstStyle/>
-          <a:p>
-            <a:pPr algn="ctr"/>
-            <a:r>
-              <a:rPr lang="ko-KR" altLang="en-US" sz="1200">
-                <a:ln>
-                  <a:solidFill>
-                    <a:srgbClr val="677787">
-                      <a:alpha val="15000"/>
-                    </a:srgbClr>
-                  </a:solidFill>
-                </a:ln>
-                <a:solidFill>
-                  <a:srgbClr val="677787"/>
-                </a:solidFill>
-                <a:latin typeface="나눔스퀘어" panose="020B0600000101010101" pitchFamily="50" charset="-127"/>
-                <a:ea typeface="나눔스퀘어" panose="020B0600000101010101" pitchFamily="50" charset="-127"/>
-              </a:rPr>
-              <a:t>여기에는 내용을 입력해요</a:t>
-            </a:r>
-            <a:endParaRPr lang="en-US" altLang="ko-KR" sz="1200">
-              <a:ln>
-                <a:solidFill>
-                  <a:srgbClr val="677787">
-                    <a:alpha val="15000"/>
-                  </a:srgbClr>
-                </a:solidFill>
-              </a:ln>
-              <a:solidFill>
-                <a:srgbClr val="677787"/>
-              </a:solidFill>
-              <a:latin typeface="나눔스퀘어" panose="020B0600000101010101" pitchFamily="50" charset="-127"/>
-              <a:ea typeface="나눔스퀘어" panose="020B0600000101010101" pitchFamily="50" charset="-127"/>
-            </a:endParaRPr>
-          </a:p>
-          <a:p>
-            <a:pPr algn="ctr"/>
-            <a:r>
-              <a:rPr lang="ko-KR" altLang="en-US" sz="1200">
-                <a:ln>
-                  <a:solidFill>
-                    <a:srgbClr val="677787">
-                      <a:alpha val="15000"/>
-                    </a:srgbClr>
-                  </a:solidFill>
-                </a:ln>
-                <a:solidFill>
-                  <a:srgbClr val="677787"/>
-                </a:solidFill>
-                <a:latin typeface="나눔스퀘어" panose="020B0600000101010101" pitchFamily="50" charset="-127"/>
-                <a:ea typeface="나눔스퀘어" panose="020B0600000101010101" pitchFamily="50" charset="-127"/>
-              </a:rPr>
-              <a:t>여기에는 내용을 입력해요</a:t>
-            </a:r>
-          </a:p>
-          <a:p>
-            <a:pPr algn="ctr"/>
-            <a:r>
-              <a:rPr lang="ko-KR" altLang="en-US" sz="1200">
-                <a:ln>
-                  <a:solidFill>
-                    <a:srgbClr val="677787">
-                      <a:alpha val="15000"/>
-                    </a:srgbClr>
-                  </a:solidFill>
-                </a:ln>
-                <a:solidFill>
-                  <a:srgbClr val="677787"/>
-                </a:solidFill>
-                <a:latin typeface="나눔스퀘어" panose="020B0600000101010101" pitchFamily="50" charset="-127"/>
-                <a:ea typeface="나눔스퀘어" panose="020B0600000101010101" pitchFamily="50" charset="-127"/>
-              </a:rPr>
-              <a:t>여기에는 내용을 입력해요</a:t>
-            </a:r>
-          </a:p>
-        </p:txBody>
-      </p:sp>
-      <p:sp>
-        <p:nvSpPr>
-          <p:cNvPr id="30" name="직사각형 29">
-            <a:extLst>
-              <a:ext uri="{FF2B5EF4-FFF2-40B4-BE49-F238E27FC236}">
-                <a16:creationId xmlns:a16="http://schemas.microsoft.com/office/drawing/2014/main" id="{0C6DE601-00E6-4576-8510-B170C4327A1D}"/>
-              </a:ext>
-            </a:extLst>
-          </p:cNvPr>
-          <p:cNvSpPr/>
-          <p:nvPr/>
-        </p:nvSpPr>
-        <p:spPr>
-          <a:xfrm>
-            <a:off x="6361885" y="2599858"/>
-            <a:ext cx="2305050" cy="3153242"/>
-          </a:xfrm>
-          <a:prstGeom prst="rect">
-            <a:avLst/>
-          </a:prstGeom>
-          <a:noFill/>
-          <a:ln w="57150">
-            <a:solidFill>
-              <a:srgbClr val="677787"/>
-            </a:solidFill>
-          </a:ln>
-          <a:effectLst>
-            <a:outerShdw blurRad="50800" dist="38100" dir="2700000" algn="tl" rotWithShape="0">
-              <a:prstClr val="black">
-                <a:alpha val="40000"/>
-              </a:prstClr>
-            </a:outerShdw>
-          </a:effectLst>
-        </p:spPr>
-        <p:style>
-          <a:lnRef idx="2">
-            <a:schemeClr val="accent1">
-              <a:shade val="50000"/>
-            </a:schemeClr>
-          </a:lnRef>
-          <a:fillRef idx="1">
-            <a:schemeClr val="accent1"/>
-          </a:fillRef>
-          <a:effectRef idx="0">
-            <a:schemeClr val="accent1"/>
-          </a:effectRef>
-          <a:fontRef idx="minor">
-            <a:schemeClr val="lt1"/>
-          </a:fontRef>
-        </p:style>
-        <p:txBody>
-          <a:bodyPr rtlCol="0" anchor="ctr"/>
-          <a:lstStyle/>
-          <a:p>
-            <a:pPr algn="ctr"/>
-            <a:endParaRPr lang="ko-KR" altLang="en-US"/>
-          </a:p>
-        </p:txBody>
-      </p:sp>
-      <p:sp>
-        <p:nvSpPr>
-          <p:cNvPr id="31" name="TextBox 30">
-            <a:extLst>
-              <a:ext uri="{FF2B5EF4-FFF2-40B4-BE49-F238E27FC236}">
-                <a16:creationId xmlns:a16="http://schemas.microsoft.com/office/drawing/2014/main" id="{E115E9E7-A7FC-4B8D-A663-C95C2F0B7B93}"/>
-              </a:ext>
-            </a:extLst>
-          </p:cNvPr>
-          <p:cNvSpPr txBox="1"/>
-          <p:nvPr/>
-        </p:nvSpPr>
-        <p:spPr>
-          <a:xfrm>
-            <a:off x="7104682" y="2837983"/>
-            <a:ext cx="819455" cy="707886"/>
-          </a:xfrm>
-          <a:prstGeom prst="rect">
-            <a:avLst/>
-          </a:prstGeom>
-          <a:noFill/>
-        </p:spPr>
-        <p:txBody>
-          <a:bodyPr wrap="none" rtlCol="0">
-            <a:spAutoFit/>
-          </a:bodyPr>
-          <a:lstStyle/>
-          <a:p>
-            <a:r>
-              <a:rPr lang="en-US" altLang="ko-KR" sz="4000">
-                <a:solidFill>
-                  <a:srgbClr val="677787"/>
-                </a:solidFill>
-                <a:latin typeface="나눔스퀘어 ExtraBold" panose="020B0600000101010101" pitchFamily="50" charset="-127"/>
-                <a:ea typeface="나눔스퀘어 ExtraBold" panose="020B0600000101010101" pitchFamily="50" charset="-127"/>
-              </a:rPr>
-              <a:t>03</a:t>
-            </a:r>
-            <a:endParaRPr lang="ko-KR" altLang="en-US" sz="4000">
-              <a:solidFill>
-                <a:srgbClr val="677787"/>
-              </a:solidFill>
-              <a:latin typeface="나눔스퀘어 ExtraBold" panose="020B0600000101010101" pitchFamily="50" charset="-127"/>
-              <a:ea typeface="나눔스퀘어 ExtraBold" panose="020B0600000101010101" pitchFamily="50" charset="-127"/>
-            </a:endParaRPr>
-          </a:p>
-        </p:txBody>
-      </p:sp>
-      <p:sp>
-        <p:nvSpPr>
-          <p:cNvPr id="32" name="TextBox 31">
-            <a:extLst>
-              <a:ext uri="{FF2B5EF4-FFF2-40B4-BE49-F238E27FC236}">
-                <a16:creationId xmlns:a16="http://schemas.microsoft.com/office/drawing/2014/main" id="{DEF717E1-28FA-4891-B4EB-1A0DE69647DE}"/>
-              </a:ext>
-            </a:extLst>
-          </p:cNvPr>
-          <p:cNvSpPr txBox="1"/>
-          <p:nvPr/>
-        </p:nvSpPr>
-        <p:spPr>
-          <a:xfrm>
-            <a:off x="6838583" y="3748865"/>
-            <a:ext cx="1351652" cy="861774"/>
-          </a:xfrm>
-          <a:prstGeom prst="rect">
-            <a:avLst/>
-          </a:prstGeom>
-          <a:noFill/>
-        </p:spPr>
-        <p:txBody>
-          <a:bodyPr wrap="none" rtlCol="0">
-            <a:spAutoFit/>
-          </a:bodyPr>
-          <a:lstStyle/>
-          <a:p>
-            <a:pPr algn="ctr"/>
-            <a:r>
-              <a:rPr lang="ko-KR" altLang="en-US" sz="2500">
-                <a:solidFill>
-                  <a:srgbClr val="677787"/>
-                </a:solidFill>
-                <a:latin typeface="나눔스퀘어 ExtraBold" panose="020B0600000101010101" pitchFamily="50" charset="-127"/>
-                <a:ea typeface="나눔스퀘어 ExtraBold" panose="020B0600000101010101" pitchFamily="50" charset="-127"/>
-              </a:rPr>
-              <a:t>내용을</a:t>
-            </a:r>
-            <a:endParaRPr lang="en-US" altLang="ko-KR" sz="2500">
-              <a:solidFill>
-                <a:srgbClr val="677787"/>
-              </a:solidFill>
-              <a:latin typeface="나눔스퀘어 ExtraBold" panose="020B0600000101010101" pitchFamily="50" charset="-127"/>
-              <a:ea typeface="나눔스퀘어 ExtraBold" panose="020B0600000101010101" pitchFamily="50" charset="-127"/>
-            </a:endParaRPr>
-          </a:p>
-          <a:p>
-            <a:pPr algn="ctr"/>
-            <a:r>
-              <a:rPr lang="ko-KR" altLang="en-US" sz="2500">
-                <a:solidFill>
-                  <a:srgbClr val="677787"/>
-                </a:solidFill>
-                <a:latin typeface="나눔스퀘어 ExtraBold" panose="020B0600000101010101" pitchFamily="50" charset="-127"/>
-                <a:ea typeface="나눔스퀘어 ExtraBold" panose="020B0600000101010101" pitchFamily="50" charset="-127"/>
-              </a:rPr>
-              <a:t>입력해요</a:t>
-            </a:r>
-          </a:p>
-        </p:txBody>
-      </p:sp>
-      <p:sp>
-        <p:nvSpPr>
-          <p:cNvPr id="33" name="TextBox 32">
-            <a:extLst>
-              <a:ext uri="{FF2B5EF4-FFF2-40B4-BE49-F238E27FC236}">
-                <a16:creationId xmlns:a16="http://schemas.microsoft.com/office/drawing/2014/main" id="{4C85C1DE-537E-48FB-B5F7-1AFEB54A607E}"/>
-              </a:ext>
-            </a:extLst>
-          </p:cNvPr>
-          <p:cNvSpPr txBox="1"/>
-          <p:nvPr/>
-        </p:nvSpPr>
-        <p:spPr>
-          <a:xfrm>
-            <a:off x="6616569" y="4807000"/>
-            <a:ext cx="1795684" cy="646331"/>
-          </a:xfrm>
-          <a:prstGeom prst="rect">
-            <a:avLst/>
-          </a:prstGeom>
-          <a:noFill/>
-        </p:spPr>
-        <p:txBody>
-          <a:bodyPr wrap="none" rtlCol="0">
-            <a:spAutoFit/>
-          </a:bodyPr>
-          <a:lstStyle/>
-          <a:p>
-            <a:pPr algn="ctr"/>
-            <a:r>
-              <a:rPr lang="ko-KR" altLang="en-US" sz="1200">
-                <a:ln>
-                  <a:solidFill>
-                    <a:srgbClr val="677787">
-                      <a:alpha val="15000"/>
-                    </a:srgbClr>
-                  </a:solidFill>
-                </a:ln>
-                <a:solidFill>
-                  <a:srgbClr val="677787"/>
-                </a:solidFill>
-                <a:latin typeface="나눔스퀘어" panose="020B0600000101010101" pitchFamily="50" charset="-127"/>
-                <a:ea typeface="나눔스퀘어" panose="020B0600000101010101" pitchFamily="50" charset="-127"/>
-              </a:rPr>
-              <a:t>여기에는 내용을 입력해요</a:t>
-            </a:r>
-            <a:endParaRPr lang="en-US" altLang="ko-KR" sz="1200">
-              <a:ln>
-                <a:solidFill>
-                  <a:srgbClr val="677787">
-                    <a:alpha val="15000"/>
-                  </a:srgbClr>
-                </a:solidFill>
-              </a:ln>
-              <a:solidFill>
-                <a:srgbClr val="677787"/>
-              </a:solidFill>
-              <a:latin typeface="나눔스퀘어" panose="020B0600000101010101" pitchFamily="50" charset="-127"/>
-              <a:ea typeface="나눔스퀘어" panose="020B0600000101010101" pitchFamily="50" charset="-127"/>
-            </a:endParaRPr>
-          </a:p>
-          <a:p>
-            <a:pPr algn="ctr"/>
-            <a:r>
-              <a:rPr lang="ko-KR" altLang="en-US" sz="1200">
-                <a:ln>
-                  <a:solidFill>
-                    <a:srgbClr val="677787">
-                      <a:alpha val="15000"/>
-                    </a:srgbClr>
-                  </a:solidFill>
-                </a:ln>
-                <a:solidFill>
-                  <a:srgbClr val="677787"/>
-                </a:solidFill>
-                <a:latin typeface="나눔스퀘어" panose="020B0600000101010101" pitchFamily="50" charset="-127"/>
-                <a:ea typeface="나눔스퀘어" panose="020B0600000101010101" pitchFamily="50" charset="-127"/>
-              </a:rPr>
-              <a:t>여기에는 내용을 입력해요</a:t>
-            </a:r>
-          </a:p>
-          <a:p>
-            <a:pPr algn="ctr"/>
-            <a:r>
-              <a:rPr lang="ko-KR" altLang="en-US" sz="1200">
-                <a:ln>
-                  <a:solidFill>
-                    <a:srgbClr val="677787">
-                      <a:alpha val="15000"/>
-                    </a:srgbClr>
-                  </a:solidFill>
-                </a:ln>
-                <a:solidFill>
-                  <a:srgbClr val="677787"/>
-                </a:solidFill>
-                <a:latin typeface="나눔스퀘어" panose="020B0600000101010101" pitchFamily="50" charset="-127"/>
-                <a:ea typeface="나눔스퀘어" panose="020B0600000101010101" pitchFamily="50" charset="-127"/>
-              </a:rPr>
-              <a:t>여기에는 내용을 입력해요</a:t>
-            </a:r>
-          </a:p>
-        </p:txBody>
-      </p:sp>
-      <p:sp>
-        <p:nvSpPr>
-          <p:cNvPr id="34" name="직사각형 33">
-            <a:extLst>
-              <a:ext uri="{FF2B5EF4-FFF2-40B4-BE49-F238E27FC236}">
-                <a16:creationId xmlns:a16="http://schemas.microsoft.com/office/drawing/2014/main" id="{CCC9BEB0-A505-4B7F-9F0C-94B1805B0C33}"/>
-              </a:ext>
-            </a:extLst>
-          </p:cNvPr>
-          <p:cNvSpPr/>
-          <p:nvPr/>
-        </p:nvSpPr>
-        <p:spPr>
-          <a:xfrm>
-            <a:off x="9118966" y="2599858"/>
-            <a:ext cx="2305050" cy="3153242"/>
-          </a:xfrm>
-          <a:prstGeom prst="rect">
-            <a:avLst/>
-          </a:prstGeom>
-          <a:solidFill>
-            <a:srgbClr val="677787"/>
-          </a:solidFill>
-          <a:ln w="57150">
-            <a:solidFill>
-              <a:srgbClr val="677787"/>
-            </a:solidFill>
-          </a:ln>
-          <a:effectLst>
-            <a:outerShdw blurRad="50800" dist="38100" dir="2700000" algn="tl" rotWithShape="0">
-              <a:prstClr val="black">
-                <a:alpha val="40000"/>
-              </a:prstClr>
-            </a:outerShdw>
-          </a:effectLst>
-        </p:spPr>
-        <p:style>
-          <a:lnRef idx="2">
-            <a:schemeClr val="accent1">
-              <a:shade val="50000"/>
-            </a:schemeClr>
-          </a:lnRef>
-          <a:fillRef idx="1">
-            <a:schemeClr val="accent1"/>
-          </a:fillRef>
-          <a:effectRef idx="0">
-            <a:schemeClr val="accent1"/>
-          </a:effectRef>
-          <a:fontRef idx="minor">
-            <a:schemeClr val="lt1"/>
-          </a:fontRef>
-        </p:style>
-        <p:txBody>
-          <a:bodyPr rtlCol="0" anchor="ctr"/>
-          <a:lstStyle/>
-          <a:p>
-            <a:pPr algn="ctr"/>
-            <a:endParaRPr lang="ko-KR" altLang="en-US"/>
-          </a:p>
-        </p:txBody>
-      </p:sp>
-      <p:sp>
-        <p:nvSpPr>
-          <p:cNvPr id="35" name="TextBox 34">
-            <a:extLst>
-              <a:ext uri="{FF2B5EF4-FFF2-40B4-BE49-F238E27FC236}">
-                <a16:creationId xmlns:a16="http://schemas.microsoft.com/office/drawing/2014/main" id="{3230F54D-06C7-45B7-A09C-5888223EB733}"/>
-              </a:ext>
-            </a:extLst>
-          </p:cNvPr>
-          <p:cNvSpPr txBox="1"/>
-          <p:nvPr/>
-        </p:nvSpPr>
-        <p:spPr>
-          <a:xfrm>
-            <a:off x="9861763" y="2837983"/>
-            <a:ext cx="819455" cy="707886"/>
-          </a:xfrm>
-          <a:prstGeom prst="rect">
-            <a:avLst/>
-          </a:prstGeom>
-          <a:noFill/>
-        </p:spPr>
-        <p:txBody>
-          <a:bodyPr wrap="none" rtlCol="0">
-            <a:spAutoFit/>
-          </a:bodyPr>
-          <a:lstStyle/>
-          <a:p>
-            <a:r>
-              <a:rPr lang="en-US" altLang="ko-KR" sz="4000">
-                <a:solidFill>
-                  <a:schemeClr val="bg1"/>
-                </a:solidFill>
-                <a:latin typeface="나눔스퀘어 ExtraBold" panose="020B0600000101010101" pitchFamily="50" charset="-127"/>
-                <a:ea typeface="나눔스퀘어 ExtraBold" panose="020B0600000101010101" pitchFamily="50" charset="-127"/>
-              </a:rPr>
-              <a:t>04</a:t>
-            </a:r>
-            <a:endParaRPr lang="ko-KR" altLang="en-US" sz="4000">
-              <a:solidFill>
-                <a:schemeClr val="bg1"/>
-              </a:solidFill>
-              <a:latin typeface="나눔스퀘어 ExtraBold" panose="020B0600000101010101" pitchFamily="50" charset="-127"/>
-              <a:ea typeface="나눔스퀘어 ExtraBold" panose="020B0600000101010101" pitchFamily="50" charset="-127"/>
-            </a:endParaRPr>
-          </a:p>
-        </p:txBody>
-      </p:sp>
-      <p:sp>
-        <p:nvSpPr>
-          <p:cNvPr id="36" name="TextBox 35">
-            <a:extLst>
-              <a:ext uri="{FF2B5EF4-FFF2-40B4-BE49-F238E27FC236}">
-                <a16:creationId xmlns:a16="http://schemas.microsoft.com/office/drawing/2014/main" id="{58B06FD9-ABA7-4A7A-9A7B-D28FF5577323}"/>
-              </a:ext>
-            </a:extLst>
-          </p:cNvPr>
-          <p:cNvSpPr txBox="1"/>
-          <p:nvPr/>
-        </p:nvSpPr>
-        <p:spPr>
-          <a:xfrm>
-            <a:off x="9595664" y="3748865"/>
-            <a:ext cx="1351652" cy="861774"/>
-          </a:xfrm>
-          <a:prstGeom prst="rect">
-            <a:avLst/>
-          </a:prstGeom>
-          <a:noFill/>
-        </p:spPr>
-        <p:txBody>
-          <a:bodyPr wrap="none" rtlCol="0">
-            <a:spAutoFit/>
-          </a:bodyPr>
-          <a:lstStyle/>
-          <a:p>
-            <a:pPr algn="ctr"/>
-            <a:r>
-              <a:rPr lang="ko-KR" altLang="en-US" sz="2500">
-                <a:solidFill>
-                  <a:schemeClr val="bg1"/>
-                </a:solidFill>
-                <a:latin typeface="나눔스퀘어 ExtraBold" panose="020B0600000101010101" pitchFamily="50" charset="-127"/>
-                <a:ea typeface="나눔스퀘어 ExtraBold" panose="020B0600000101010101" pitchFamily="50" charset="-127"/>
-              </a:rPr>
-              <a:t>내용을</a:t>
-            </a:r>
-            <a:endParaRPr lang="en-US" altLang="ko-KR" sz="2500">
-              <a:solidFill>
-                <a:schemeClr val="bg1"/>
-              </a:solidFill>
-              <a:latin typeface="나눔스퀘어 ExtraBold" panose="020B0600000101010101" pitchFamily="50" charset="-127"/>
-              <a:ea typeface="나눔스퀘어 ExtraBold" panose="020B0600000101010101" pitchFamily="50" charset="-127"/>
-            </a:endParaRPr>
-          </a:p>
-          <a:p>
-            <a:pPr algn="ctr"/>
-            <a:r>
-              <a:rPr lang="ko-KR" altLang="en-US" sz="2500">
-                <a:solidFill>
-                  <a:schemeClr val="bg1"/>
-                </a:solidFill>
-                <a:latin typeface="나눔스퀘어 ExtraBold" panose="020B0600000101010101" pitchFamily="50" charset="-127"/>
-                <a:ea typeface="나눔스퀘어 ExtraBold" panose="020B0600000101010101" pitchFamily="50" charset="-127"/>
-              </a:rPr>
-              <a:t>입력해요</a:t>
-            </a:r>
-          </a:p>
-        </p:txBody>
-      </p:sp>
-      <p:sp>
-        <p:nvSpPr>
-          <p:cNvPr id="37" name="TextBox 36">
-            <a:extLst>
-              <a:ext uri="{FF2B5EF4-FFF2-40B4-BE49-F238E27FC236}">
-                <a16:creationId xmlns:a16="http://schemas.microsoft.com/office/drawing/2014/main" id="{EB8C80C7-894E-4F6A-A518-9004A013402F}"/>
-              </a:ext>
-            </a:extLst>
-          </p:cNvPr>
-          <p:cNvSpPr txBox="1"/>
-          <p:nvPr/>
-        </p:nvSpPr>
-        <p:spPr>
-          <a:xfrm>
-            <a:off x="9373650" y="4807000"/>
-            <a:ext cx="1795684" cy="646331"/>
-          </a:xfrm>
-          <a:prstGeom prst="rect">
-            <a:avLst/>
-          </a:prstGeom>
-          <a:noFill/>
-        </p:spPr>
-        <p:txBody>
-          <a:bodyPr wrap="none" rtlCol="0">
-            <a:spAutoFit/>
-          </a:bodyPr>
-          <a:lstStyle/>
-          <a:p>
-            <a:pPr algn="ctr"/>
-            <a:r>
-              <a:rPr lang="ko-KR" altLang="en-US" sz="1200">
-                <a:ln>
-                  <a:solidFill>
-                    <a:srgbClr val="677787">
-                      <a:alpha val="15000"/>
-                    </a:srgbClr>
-                  </a:solidFill>
-                </a:ln>
-                <a:solidFill>
-                  <a:schemeClr val="bg1"/>
-                </a:solidFill>
-                <a:latin typeface="나눔스퀘어" panose="020B0600000101010101" pitchFamily="50" charset="-127"/>
-                <a:ea typeface="나눔스퀘어" panose="020B0600000101010101" pitchFamily="50" charset="-127"/>
-              </a:rPr>
-              <a:t>여기에는 내용을 입력해요</a:t>
-            </a:r>
-            <a:endParaRPr lang="en-US" altLang="ko-KR" sz="1200">
-              <a:ln>
-                <a:solidFill>
-                  <a:srgbClr val="677787">
-                    <a:alpha val="15000"/>
-                  </a:srgbClr>
-                </a:solidFill>
-              </a:ln>
-              <a:solidFill>
-                <a:schemeClr val="bg1"/>
-              </a:solidFill>
-              <a:latin typeface="나눔스퀘어" panose="020B0600000101010101" pitchFamily="50" charset="-127"/>
-              <a:ea typeface="나눔스퀘어" panose="020B0600000101010101" pitchFamily="50" charset="-127"/>
-            </a:endParaRPr>
-          </a:p>
-          <a:p>
-            <a:pPr algn="ctr"/>
-            <a:r>
-              <a:rPr lang="ko-KR" altLang="en-US" sz="1200">
-                <a:ln>
-                  <a:solidFill>
-                    <a:srgbClr val="677787">
-                      <a:alpha val="15000"/>
-                    </a:srgbClr>
-                  </a:solidFill>
-                </a:ln>
-                <a:solidFill>
-                  <a:schemeClr val="bg1"/>
-                </a:solidFill>
-                <a:latin typeface="나눔스퀘어" panose="020B0600000101010101" pitchFamily="50" charset="-127"/>
-                <a:ea typeface="나눔스퀘어" panose="020B0600000101010101" pitchFamily="50" charset="-127"/>
-              </a:rPr>
-              <a:t>여기에는 내용을 입력해요</a:t>
-            </a:r>
-          </a:p>
-          <a:p>
-            <a:pPr algn="ctr"/>
-            <a:r>
-              <a:rPr lang="ko-KR" altLang="en-US" sz="1200">
-                <a:ln>
-                  <a:solidFill>
-                    <a:srgbClr val="677787">
-                      <a:alpha val="15000"/>
-                    </a:srgbClr>
-                  </a:solidFill>
-                </a:ln>
-                <a:solidFill>
-                  <a:schemeClr val="bg1"/>
-                </a:solidFill>
-                <a:latin typeface="나눔스퀘어" panose="020B0600000101010101" pitchFamily="50" charset="-127"/>
-                <a:ea typeface="나눔스퀘어" panose="020B0600000101010101" pitchFamily="50" charset="-127"/>
-              </a:rPr>
-              <a:t>여기에는 내용을 입력해요</a:t>
-            </a:r>
-          </a:p>
-        </p:txBody>
-      </p:sp>
-      <p:sp>
-        <p:nvSpPr>
-          <p:cNvPr id="38" name="직사각형 37">
-            <a:extLst>
-              <a:ext uri="{FF2B5EF4-FFF2-40B4-BE49-F238E27FC236}">
-                <a16:creationId xmlns:a16="http://schemas.microsoft.com/office/drawing/2014/main" id="{60336DA1-B33A-4BC8-B3B2-415E14EEBDE9}"/>
-              </a:ext>
-            </a:extLst>
-          </p:cNvPr>
-          <p:cNvSpPr/>
-          <p:nvPr/>
-        </p:nvSpPr>
-        <p:spPr>
-          <a:xfrm>
-            <a:off x="847725" y="1676439"/>
-            <a:ext cx="2305050" cy="923419"/>
-          </a:xfrm>
-          <a:prstGeom prst="rect">
-            <a:avLst/>
-          </a:prstGeom>
-          <a:solidFill>
-            <a:srgbClr val="677787"/>
-          </a:solidFill>
-          <a:ln w="57150">
-            <a:solidFill>
-              <a:srgbClr val="677787"/>
-            </a:solidFill>
-          </a:ln>
-          <a:effectLst>
-            <a:outerShdw blurRad="50800" dist="38100" dir="2700000" algn="tl" rotWithShape="0">
-              <a:prstClr val="black">
-                <a:alpha val="40000"/>
-              </a:prstClr>
-            </a:outerShdw>
-          </a:effectLst>
-        </p:spPr>
-        <p:style>
-          <a:lnRef idx="2">
-            <a:schemeClr val="accent1">
-              <a:shade val="50000"/>
-            </a:schemeClr>
-          </a:lnRef>
-          <a:fillRef idx="1">
-            <a:schemeClr val="accent1"/>
-          </a:fillRef>
-          <a:effectRef idx="0">
-            <a:schemeClr val="accent1"/>
-          </a:effectRef>
-          <a:fontRef idx="minor">
-            <a:schemeClr val="lt1"/>
-          </a:fontRef>
-        </p:style>
-        <p:txBody>
-          <a:bodyPr rtlCol="0" anchor="ctr"/>
-          <a:lstStyle/>
-          <a:p>
-            <a:pPr algn="ctr"/>
-            <a:endParaRPr lang="ko-KR" altLang="en-US"/>
-          </a:p>
-        </p:txBody>
-      </p:sp>
-      <p:sp>
-        <p:nvSpPr>
-          <p:cNvPr id="39" name="TextBox 38">
-            <a:extLst>
-              <a:ext uri="{FF2B5EF4-FFF2-40B4-BE49-F238E27FC236}">
-                <a16:creationId xmlns:a16="http://schemas.microsoft.com/office/drawing/2014/main" id="{A018BC40-EA8B-44AC-BFC4-C382DF62E59E}"/>
-              </a:ext>
-            </a:extLst>
-          </p:cNvPr>
-          <p:cNvSpPr txBox="1"/>
-          <p:nvPr/>
-        </p:nvSpPr>
-        <p:spPr>
-          <a:xfrm>
-            <a:off x="1083611" y="1917714"/>
-            <a:ext cx="1887055" cy="400110"/>
-          </a:xfrm>
-          <a:prstGeom prst="rect">
-            <a:avLst/>
-          </a:prstGeom>
-          <a:noFill/>
-        </p:spPr>
-        <p:txBody>
-          <a:bodyPr wrap="none" rtlCol="0">
-            <a:spAutoFit/>
-          </a:bodyPr>
-          <a:lstStyle/>
-          <a:p>
-            <a:pPr algn="ctr"/>
-            <a:r>
-              <a:rPr lang="ko-KR" altLang="en-US" sz="2000">
-                <a:solidFill>
-                  <a:schemeClr val="bg1"/>
-                </a:solidFill>
-                <a:latin typeface="나눔스퀘어 ExtraBold" panose="020B0600000101010101" pitchFamily="50" charset="-127"/>
-                <a:ea typeface="나눔스퀘어 ExtraBold" panose="020B0600000101010101" pitchFamily="50" charset="-127"/>
-              </a:rPr>
-              <a:t>내용을</a:t>
-            </a:r>
-            <a:r>
-              <a:rPr lang="en-US" altLang="ko-KR" sz="2000">
-                <a:solidFill>
-                  <a:schemeClr val="bg1"/>
-                </a:solidFill>
-                <a:latin typeface="나눔스퀘어 ExtraBold" panose="020B0600000101010101" pitchFamily="50" charset="-127"/>
-                <a:ea typeface="나눔스퀘어 ExtraBold" panose="020B0600000101010101" pitchFamily="50" charset="-127"/>
-              </a:rPr>
-              <a:t> </a:t>
-            </a:r>
-            <a:r>
-              <a:rPr lang="ko-KR" altLang="en-US" sz="2000">
-                <a:solidFill>
-                  <a:schemeClr val="bg1"/>
-                </a:solidFill>
-                <a:latin typeface="나눔스퀘어 ExtraBold" panose="020B0600000101010101" pitchFamily="50" charset="-127"/>
-                <a:ea typeface="나눔스퀘어 ExtraBold" panose="020B0600000101010101" pitchFamily="50" charset="-127"/>
-              </a:rPr>
-              <a:t>입력해요</a:t>
-            </a:r>
-          </a:p>
-        </p:txBody>
-      </p:sp>
-      <p:sp>
-        <p:nvSpPr>
-          <p:cNvPr id="42" name="직사각형 41">
-            <a:extLst>
-              <a:ext uri="{FF2B5EF4-FFF2-40B4-BE49-F238E27FC236}">
-                <a16:creationId xmlns:a16="http://schemas.microsoft.com/office/drawing/2014/main" id="{B78B3A93-8161-45E9-8983-E22BE7F88C24}"/>
-              </a:ext>
-            </a:extLst>
-          </p:cNvPr>
-          <p:cNvSpPr/>
-          <p:nvPr/>
-        </p:nvSpPr>
-        <p:spPr>
-          <a:xfrm>
-            <a:off x="3604805" y="1676439"/>
-            <a:ext cx="2305050" cy="923419"/>
-          </a:xfrm>
-          <a:prstGeom prst="rect">
-            <a:avLst/>
-          </a:prstGeom>
-          <a:solidFill>
-            <a:srgbClr val="677787"/>
-          </a:solidFill>
-          <a:ln w="57150">
-            <a:solidFill>
-              <a:srgbClr val="677787"/>
-            </a:solidFill>
-          </a:ln>
-          <a:effectLst>
-            <a:outerShdw blurRad="50800" dist="38100" dir="2700000" algn="tl" rotWithShape="0">
-              <a:prstClr val="black">
-                <a:alpha val="40000"/>
-              </a:prstClr>
-            </a:outerShdw>
-          </a:effectLst>
-        </p:spPr>
-        <p:style>
-          <a:lnRef idx="2">
-            <a:schemeClr val="accent1">
-              <a:shade val="50000"/>
-            </a:schemeClr>
-          </a:lnRef>
-          <a:fillRef idx="1">
-            <a:schemeClr val="accent1"/>
-          </a:fillRef>
-          <a:effectRef idx="0">
-            <a:schemeClr val="accent1"/>
-          </a:effectRef>
-          <a:fontRef idx="minor">
-            <a:schemeClr val="lt1"/>
-          </a:fontRef>
-        </p:style>
-        <p:txBody>
-          <a:bodyPr rtlCol="0" anchor="ctr"/>
-          <a:lstStyle/>
-          <a:p>
-            <a:pPr algn="ctr"/>
-            <a:endParaRPr lang="ko-KR" altLang="en-US"/>
-          </a:p>
-        </p:txBody>
-      </p:sp>
-      <p:sp>
-        <p:nvSpPr>
-          <p:cNvPr id="43" name="TextBox 42">
-            <a:extLst>
-              <a:ext uri="{FF2B5EF4-FFF2-40B4-BE49-F238E27FC236}">
-                <a16:creationId xmlns:a16="http://schemas.microsoft.com/office/drawing/2014/main" id="{149CBD41-AB9F-430C-9EF1-200F613FAE90}"/>
-              </a:ext>
-            </a:extLst>
-          </p:cNvPr>
-          <p:cNvSpPr txBox="1"/>
-          <p:nvPr/>
-        </p:nvSpPr>
-        <p:spPr>
-          <a:xfrm>
-            <a:off x="3840691" y="1917714"/>
-            <a:ext cx="1887055" cy="400110"/>
-          </a:xfrm>
-          <a:prstGeom prst="rect">
-            <a:avLst/>
-          </a:prstGeom>
-          <a:noFill/>
-        </p:spPr>
-        <p:txBody>
-          <a:bodyPr wrap="none" rtlCol="0">
-            <a:spAutoFit/>
-          </a:bodyPr>
-          <a:lstStyle/>
-          <a:p>
-            <a:pPr algn="ctr"/>
-            <a:r>
-              <a:rPr lang="ko-KR" altLang="en-US" sz="2000">
-                <a:solidFill>
-                  <a:schemeClr val="bg1"/>
-                </a:solidFill>
-                <a:latin typeface="나눔스퀘어 ExtraBold" panose="020B0600000101010101" pitchFamily="50" charset="-127"/>
-                <a:ea typeface="나눔스퀘어 ExtraBold" panose="020B0600000101010101" pitchFamily="50" charset="-127"/>
-              </a:rPr>
-              <a:t>내용을</a:t>
-            </a:r>
-            <a:r>
-              <a:rPr lang="en-US" altLang="ko-KR" sz="2000">
-                <a:solidFill>
-                  <a:schemeClr val="bg1"/>
-                </a:solidFill>
-                <a:latin typeface="나눔스퀘어 ExtraBold" panose="020B0600000101010101" pitchFamily="50" charset="-127"/>
-                <a:ea typeface="나눔스퀘어 ExtraBold" panose="020B0600000101010101" pitchFamily="50" charset="-127"/>
-              </a:rPr>
-              <a:t> </a:t>
-            </a:r>
-            <a:r>
-              <a:rPr lang="ko-KR" altLang="en-US" sz="2000">
-                <a:solidFill>
-                  <a:schemeClr val="bg1"/>
-                </a:solidFill>
-                <a:latin typeface="나눔스퀘어 ExtraBold" panose="020B0600000101010101" pitchFamily="50" charset="-127"/>
-                <a:ea typeface="나눔스퀘어 ExtraBold" panose="020B0600000101010101" pitchFamily="50" charset="-127"/>
-              </a:rPr>
-              <a:t>입력해요</a:t>
-            </a:r>
-          </a:p>
-        </p:txBody>
-      </p:sp>
-      <p:sp>
-        <p:nvSpPr>
-          <p:cNvPr id="44" name="직사각형 43">
-            <a:extLst>
-              <a:ext uri="{FF2B5EF4-FFF2-40B4-BE49-F238E27FC236}">
-                <a16:creationId xmlns:a16="http://schemas.microsoft.com/office/drawing/2014/main" id="{BF3900AD-9F96-4921-9CE2-AA755E516A71}"/>
-              </a:ext>
-            </a:extLst>
-          </p:cNvPr>
-          <p:cNvSpPr/>
-          <p:nvPr/>
-        </p:nvSpPr>
-        <p:spPr>
-          <a:xfrm>
-            <a:off x="6361885" y="1676439"/>
-            <a:ext cx="2305050" cy="923419"/>
-          </a:xfrm>
-          <a:prstGeom prst="rect">
-            <a:avLst/>
-          </a:prstGeom>
-          <a:solidFill>
-            <a:srgbClr val="677787"/>
-          </a:solidFill>
-          <a:ln w="57150">
-            <a:solidFill>
-              <a:srgbClr val="677787"/>
-            </a:solidFill>
-          </a:ln>
-          <a:effectLst>
-            <a:outerShdw blurRad="50800" dist="38100" dir="2700000" algn="tl" rotWithShape="0">
-              <a:prstClr val="black">
-                <a:alpha val="40000"/>
-              </a:prstClr>
-            </a:outerShdw>
-          </a:effectLst>
-        </p:spPr>
-        <p:style>
-          <a:lnRef idx="2">
-            <a:schemeClr val="accent1">
-              <a:shade val="50000"/>
-            </a:schemeClr>
-          </a:lnRef>
-          <a:fillRef idx="1">
-            <a:schemeClr val="accent1"/>
-          </a:fillRef>
-          <a:effectRef idx="0">
-            <a:schemeClr val="accent1"/>
-          </a:effectRef>
-          <a:fontRef idx="minor">
-            <a:schemeClr val="lt1"/>
-          </a:fontRef>
-        </p:style>
-        <p:txBody>
-          <a:bodyPr rtlCol="0" anchor="ctr"/>
-          <a:lstStyle/>
-          <a:p>
-            <a:pPr algn="ctr"/>
-            <a:endParaRPr lang="ko-KR" altLang="en-US"/>
-          </a:p>
-        </p:txBody>
-      </p:sp>
-      <p:sp>
-        <p:nvSpPr>
-          <p:cNvPr id="45" name="TextBox 44">
-            <a:extLst>
-              <a:ext uri="{FF2B5EF4-FFF2-40B4-BE49-F238E27FC236}">
-                <a16:creationId xmlns:a16="http://schemas.microsoft.com/office/drawing/2014/main" id="{AB54B424-C4FF-42A4-8F33-0AECE1B60A18}"/>
-              </a:ext>
-            </a:extLst>
-          </p:cNvPr>
-          <p:cNvSpPr txBox="1"/>
-          <p:nvPr/>
-        </p:nvSpPr>
-        <p:spPr>
-          <a:xfrm>
-            <a:off x="6597771" y="1917714"/>
-            <a:ext cx="1887055" cy="400110"/>
-          </a:xfrm>
-          <a:prstGeom prst="rect">
-            <a:avLst/>
-          </a:prstGeom>
-          <a:noFill/>
-        </p:spPr>
-        <p:txBody>
-          <a:bodyPr wrap="none" rtlCol="0">
-            <a:spAutoFit/>
-          </a:bodyPr>
-          <a:lstStyle/>
-          <a:p>
-            <a:pPr algn="ctr"/>
-            <a:r>
-              <a:rPr lang="ko-KR" altLang="en-US" sz="2000">
-                <a:solidFill>
-                  <a:schemeClr val="bg1"/>
-                </a:solidFill>
-                <a:latin typeface="나눔스퀘어 ExtraBold" panose="020B0600000101010101" pitchFamily="50" charset="-127"/>
-                <a:ea typeface="나눔스퀘어 ExtraBold" panose="020B0600000101010101" pitchFamily="50" charset="-127"/>
-              </a:rPr>
-              <a:t>내용을</a:t>
-            </a:r>
-            <a:r>
-              <a:rPr lang="en-US" altLang="ko-KR" sz="2000">
-                <a:solidFill>
-                  <a:schemeClr val="bg1"/>
-                </a:solidFill>
-                <a:latin typeface="나눔스퀘어 ExtraBold" panose="020B0600000101010101" pitchFamily="50" charset="-127"/>
-                <a:ea typeface="나눔스퀘어 ExtraBold" panose="020B0600000101010101" pitchFamily="50" charset="-127"/>
-              </a:rPr>
-              <a:t> </a:t>
-            </a:r>
-            <a:r>
-              <a:rPr lang="ko-KR" altLang="en-US" sz="2000">
-                <a:solidFill>
-                  <a:schemeClr val="bg1"/>
-                </a:solidFill>
-                <a:latin typeface="나눔스퀘어 ExtraBold" panose="020B0600000101010101" pitchFamily="50" charset="-127"/>
-                <a:ea typeface="나눔스퀘어 ExtraBold" panose="020B0600000101010101" pitchFamily="50" charset="-127"/>
-              </a:rPr>
-              <a:t>입력해요</a:t>
-            </a:r>
-          </a:p>
-        </p:txBody>
-      </p:sp>
-      <p:sp>
-        <p:nvSpPr>
-          <p:cNvPr id="46" name="직사각형 45">
-            <a:extLst>
-              <a:ext uri="{FF2B5EF4-FFF2-40B4-BE49-F238E27FC236}">
-                <a16:creationId xmlns:a16="http://schemas.microsoft.com/office/drawing/2014/main" id="{DA3AE786-8123-4E19-AE3B-760DA1D3535E}"/>
-              </a:ext>
-            </a:extLst>
-          </p:cNvPr>
-          <p:cNvSpPr/>
-          <p:nvPr/>
-        </p:nvSpPr>
-        <p:spPr>
-          <a:xfrm>
-            <a:off x="9118965" y="1676439"/>
-            <a:ext cx="2305050" cy="923419"/>
-          </a:xfrm>
-          <a:prstGeom prst="rect">
-            <a:avLst/>
-          </a:prstGeom>
-          <a:solidFill>
-            <a:schemeClr val="bg1"/>
-          </a:solidFill>
-          <a:ln w="57150">
-            <a:solidFill>
-              <a:srgbClr val="677787"/>
-            </a:solidFill>
-          </a:ln>
-          <a:effectLst>
-            <a:outerShdw blurRad="50800" dist="38100" dir="2700000" algn="tl" rotWithShape="0">
-              <a:prstClr val="black">
-                <a:alpha val="40000"/>
-              </a:prstClr>
-            </a:outerShdw>
-          </a:effectLst>
-        </p:spPr>
-        <p:style>
-          <a:lnRef idx="2">
-            <a:schemeClr val="accent1">
-              <a:shade val="50000"/>
-            </a:schemeClr>
-          </a:lnRef>
-          <a:fillRef idx="1">
-            <a:schemeClr val="accent1"/>
-          </a:fillRef>
-          <a:effectRef idx="0">
-            <a:schemeClr val="accent1"/>
-          </a:effectRef>
-          <a:fontRef idx="minor">
-            <a:schemeClr val="lt1"/>
-          </a:fontRef>
-        </p:style>
-        <p:txBody>
-          <a:bodyPr rtlCol="0" anchor="ctr"/>
-          <a:lstStyle/>
-          <a:p>
-            <a:pPr algn="ctr"/>
-            <a:endParaRPr lang="ko-KR" altLang="en-US"/>
-          </a:p>
-        </p:txBody>
-      </p:sp>
-      <p:sp>
-        <p:nvSpPr>
-          <p:cNvPr id="47" name="TextBox 46">
-            <a:extLst>
-              <a:ext uri="{FF2B5EF4-FFF2-40B4-BE49-F238E27FC236}">
-                <a16:creationId xmlns:a16="http://schemas.microsoft.com/office/drawing/2014/main" id="{18E41DB0-617B-4CCB-A4FE-33708B6B0D91}"/>
-              </a:ext>
-            </a:extLst>
-          </p:cNvPr>
-          <p:cNvSpPr txBox="1"/>
-          <p:nvPr/>
-        </p:nvSpPr>
-        <p:spPr>
-          <a:xfrm>
-            <a:off x="9354851" y="1917714"/>
-            <a:ext cx="1887055" cy="400110"/>
-          </a:xfrm>
-          <a:prstGeom prst="rect">
-            <a:avLst/>
-          </a:prstGeom>
-          <a:noFill/>
-        </p:spPr>
-        <p:txBody>
-          <a:bodyPr wrap="none" rtlCol="0">
-            <a:spAutoFit/>
-          </a:bodyPr>
-          <a:lstStyle/>
-          <a:p>
-            <a:pPr algn="ctr"/>
-            <a:r>
-              <a:rPr lang="ko-KR" altLang="en-US" sz="2000">
-                <a:solidFill>
-                  <a:srgbClr val="677787"/>
-                </a:solidFill>
-                <a:latin typeface="나눔스퀘어 ExtraBold" panose="020B0600000101010101" pitchFamily="50" charset="-127"/>
-                <a:ea typeface="나눔스퀘어 ExtraBold" panose="020B0600000101010101" pitchFamily="50" charset="-127"/>
-              </a:rPr>
-              <a:t>내용을</a:t>
-            </a:r>
-            <a:r>
-              <a:rPr lang="en-US" altLang="ko-KR" sz="2000">
-                <a:solidFill>
-                  <a:srgbClr val="677787"/>
-                </a:solidFill>
-                <a:latin typeface="나눔스퀘어 ExtraBold" panose="020B0600000101010101" pitchFamily="50" charset="-127"/>
-                <a:ea typeface="나눔스퀘어 ExtraBold" panose="020B0600000101010101" pitchFamily="50" charset="-127"/>
-              </a:rPr>
-              <a:t> </a:t>
-            </a:r>
-            <a:r>
-              <a:rPr lang="ko-KR" altLang="en-US" sz="2000">
-                <a:solidFill>
-                  <a:srgbClr val="677787"/>
-                </a:solidFill>
-                <a:latin typeface="나눔스퀘어 ExtraBold" panose="020B0600000101010101" pitchFamily="50" charset="-127"/>
-                <a:ea typeface="나눔스퀘어 ExtraBold" panose="020B0600000101010101" pitchFamily="50" charset="-127"/>
-              </a:rPr>
-              <a:t>입력해요</a:t>
-            </a:r>
-          </a:p>
-        </p:txBody>
-      </p:sp>
-    </p:spTree>
-    <p:extLst>
-      <p:ext uri="{BB962C8B-B14F-4D97-AF65-F5344CB8AC3E}">
-        <p14:creationId xmlns:p14="http://schemas.microsoft.com/office/powerpoint/2010/main" val="2862708088"/>
-      </p:ext>
-    </p:extLst>
-  </p:cSld>
-  <p:clrMapOvr>
-    <a:overrideClrMapping bg1="lt1" tx1="dk1" bg2="lt2" tx2="dk2" accent1="accent1" accent2="accent2" accent3="accent3" accent4="accent4" accent5="accent5" accent6="accent6" hlink="hlink" folHlink="folHlink"/>
-  </p:clrMapOvr>
-  <p:timing>
-    <p:tnLst>
-      <p:par>
-        <p:cTn id="1" dur="indefinite" restart="never" nodeType="tmRoot"/>
-      </p:par>
-    </p:tnLst>
-  </p:timing>
-</p:sld>
-</file>
-
-<file path=ppt/slides/slide11.xml><?xml version="1.0" encoding="utf-8"?>
-<p:sld xmlns:a="http://schemas.openxmlformats.org/drawingml/2006/main" xmlns:r="http://schemas.openxmlformats.org/officeDocument/2006/relationships" xmlns:p="http://schemas.openxmlformats.org/presentationml/2006/main">
-  <p:cSld>
-    <p:bg>
-      <p:bgPr>
-        <a:solidFill>
-          <a:schemeClr val="bg1">
-            <a:lumMod val="85000"/>
-            <a:alpha val="46000"/>
-          </a:schemeClr>
-        </a:solidFill>
-        <a:effectLst/>
-      </p:bgPr>
-    </p:bg>
-    <p:spTree>
-      <p:nvGrpSpPr>
-        <p:cNvPr id="1" name=""/>
-        <p:cNvGrpSpPr/>
-        <p:nvPr/>
-      </p:nvGrpSpPr>
-      <p:grpSpPr>
-        <a:xfrm>
-          <a:off x="0" y="0"/>
-          <a:ext cx="0" cy="0"/>
-          <a:chOff x="0" y="0"/>
-          <a:chExt cx="0" cy="0"/>
-        </a:xfrm>
-      </p:grpSpPr>
-      <p:sp>
-        <p:nvSpPr>
-          <p:cNvPr id="2" name="직사각형 1">
-            <a:extLst>
-              <a:ext uri="{FF2B5EF4-FFF2-40B4-BE49-F238E27FC236}">
-                <a16:creationId xmlns:a16="http://schemas.microsoft.com/office/drawing/2014/main" id="{EE08F41B-3AD8-4201-97E2-9E6D06762241}"/>
-              </a:ext>
-            </a:extLst>
-          </p:cNvPr>
-          <p:cNvSpPr/>
-          <p:nvPr/>
-        </p:nvSpPr>
-        <p:spPr>
-          <a:xfrm>
-            <a:off x="0" y="0"/>
-            <a:ext cx="12192000" cy="1028700"/>
-          </a:xfrm>
-          <a:prstGeom prst="rect">
-            <a:avLst/>
-          </a:prstGeom>
-          <a:solidFill>
-            <a:srgbClr val="677787"/>
-          </a:solidFill>
-          <a:ln>
-            <a:noFill/>
-          </a:ln>
-        </p:spPr>
-        <p:style>
-          <a:lnRef idx="2">
-            <a:schemeClr val="accent1">
-              <a:shade val="50000"/>
-            </a:schemeClr>
-          </a:lnRef>
-          <a:fillRef idx="1">
-            <a:schemeClr val="accent1"/>
-          </a:fillRef>
-          <a:effectRef idx="0">
-            <a:schemeClr val="accent1"/>
-          </a:effectRef>
-          <a:fontRef idx="minor">
-            <a:schemeClr val="lt1"/>
-          </a:fontRef>
-        </p:style>
-        <p:txBody>
-          <a:bodyPr rtlCol="0" anchor="ctr"/>
-          <a:lstStyle/>
-          <a:p>
-            <a:pPr algn="ctr"/>
-            <a:endParaRPr lang="ko-KR" altLang="en-US"/>
-          </a:p>
-        </p:txBody>
-      </p:sp>
-      <p:sp>
-        <p:nvSpPr>
-          <p:cNvPr id="3" name="직사각형 2">
-            <a:extLst>
-              <a:ext uri="{FF2B5EF4-FFF2-40B4-BE49-F238E27FC236}">
-                <a16:creationId xmlns:a16="http://schemas.microsoft.com/office/drawing/2014/main" id="{644B0AF7-FB2B-4D07-B38A-B53750762396}"/>
-              </a:ext>
-            </a:extLst>
-          </p:cNvPr>
-          <p:cNvSpPr/>
-          <p:nvPr/>
-        </p:nvSpPr>
-        <p:spPr>
-          <a:xfrm>
-            <a:off x="147638" y="153579"/>
-            <a:ext cx="919162" cy="675097"/>
-          </a:xfrm>
-          <a:prstGeom prst="rect">
-            <a:avLst/>
-          </a:prstGeom>
-          <a:noFill/>
-          <a:ln w="19050">
-            <a:solidFill>
-              <a:schemeClr val="bg1"/>
-            </a:solidFill>
-          </a:ln>
-          <a:effectLst>
-            <a:outerShdw blurRad="50800" dist="38100" dir="2700000" algn="tl" rotWithShape="0">
-              <a:prstClr val="black">
-                <a:alpha val="40000"/>
-              </a:prstClr>
-            </a:outerShdw>
-          </a:effectLst>
-        </p:spPr>
-        <p:style>
-          <a:lnRef idx="2">
-            <a:schemeClr val="accent1">
-              <a:shade val="50000"/>
-            </a:schemeClr>
-          </a:lnRef>
-          <a:fillRef idx="1">
-            <a:schemeClr val="accent1"/>
-          </a:fillRef>
-          <a:effectRef idx="0">
-            <a:schemeClr val="accent1"/>
-          </a:effectRef>
-          <a:fontRef idx="minor">
-            <a:schemeClr val="lt1"/>
-          </a:fontRef>
-        </p:style>
-        <p:txBody>
-          <a:bodyPr rtlCol="0" anchor="ctr"/>
-          <a:lstStyle/>
-          <a:p>
-            <a:pPr algn="ctr"/>
-            <a:endParaRPr lang="ko-KR" altLang="en-US"/>
-          </a:p>
-        </p:txBody>
-      </p:sp>
-      <p:sp>
-        <p:nvSpPr>
-          <p:cNvPr id="4" name="TextBox 3">
-            <a:extLst>
-              <a:ext uri="{FF2B5EF4-FFF2-40B4-BE49-F238E27FC236}">
-                <a16:creationId xmlns:a16="http://schemas.microsoft.com/office/drawing/2014/main" id="{C3C89236-FE90-4DE7-8BC2-956EFF35CCF7}"/>
-              </a:ext>
-            </a:extLst>
-          </p:cNvPr>
-          <p:cNvSpPr txBox="1"/>
-          <p:nvPr/>
-        </p:nvSpPr>
-        <p:spPr>
-          <a:xfrm>
-            <a:off x="247345" y="153579"/>
-            <a:ext cx="819455" cy="707886"/>
-          </a:xfrm>
-          <a:prstGeom prst="rect">
-            <a:avLst/>
-          </a:prstGeom>
-          <a:noFill/>
-        </p:spPr>
-        <p:txBody>
-          <a:bodyPr wrap="none" rtlCol="0">
-            <a:spAutoFit/>
-          </a:bodyPr>
-          <a:lstStyle/>
-          <a:p>
-            <a:r>
-              <a:rPr lang="en-US" altLang="ko-KR" sz="4000">
-                <a:solidFill>
-                  <a:schemeClr val="bg1"/>
-                </a:solidFill>
-                <a:latin typeface="나눔스퀘어" panose="020B0600000101010101" pitchFamily="50" charset="-127"/>
-                <a:ea typeface="나눔스퀘어" panose="020B0600000101010101" pitchFamily="50" charset="-127"/>
-              </a:rPr>
-              <a:t>01</a:t>
-            </a:r>
-            <a:endParaRPr lang="ko-KR" altLang="en-US" sz="4000">
-              <a:solidFill>
-                <a:schemeClr val="bg1"/>
-              </a:solidFill>
-              <a:latin typeface="나눔스퀘어" panose="020B0600000101010101" pitchFamily="50" charset="-127"/>
-              <a:ea typeface="나눔스퀘어" panose="020B0600000101010101" pitchFamily="50" charset="-127"/>
-            </a:endParaRPr>
-          </a:p>
-        </p:txBody>
-      </p:sp>
-      <p:sp>
-        <p:nvSpPr>
-          <p:cNvPr id="5" name="TextBox 4">
-            <a:extLst>
-              <a:ext uri="{FF2B5EF4-FFF2-40B4-BE49-F238E27FC236}">
-                <a16:creationId xmlns:a16="http://schemas.microsoft.com/office/drawing/2014/main" id="{FFE3C59D-CA1A-40C0-820E-B3F77010BFDD}"/>
-              </a:ext>
-            </a:extLst>
-          </p:cNvPr>
-          <p:cNvSpPr txBox="1"/>
-          <p:nvPr/>
-        </p:nvSpPr>
-        <p:spPr>
-          <a:xfrm>
-            <a:off x="1166813" y="150882"/>
-            <a:ext cx="2315057" cy="707886"/>
-          </a:xfrm>
-          <a:prstGeom prst="rect">
-            <a:avLst/>
-          </a:prstGeom>
-          <a:noFill/>
-        </p:spPr>
-        <p:txBody>
-          <a:bodyPr wrap="none" rtlCol="0">
-            <a:spAutoFit/>
-          </a:bodyPr>
-          <a:lstStyle/>
-          <a:p>
-            <a:pPr algn="ctr"/>
-            <a:r>
-              <a:rPr lang="en-US" altLang="ko-KR" sz="2000">
-                <a:solidFill>
-                  <a:schemeClr val="bg1"/>
-                </a:solidFill>
-                <a:latin typeface="나눔스퀘어 ExtraBold" panose="020B0600000101010101" pitchFamily="50" charset="-127"/>
-                <a:ea typeface="나눔스퀘어 ExtraBold" panose="020B0600000101010101" pitchFamily="50" charset="-127"/>
-              </a:rPr>
-              <a:t>Instagram id</a:t>
-            </a:r>
-          </a:p>
-          <a:p>
-            <a:pPr algn="ctr"/>
-            <a:r>
-              <a:rPr lang="en-US" altLang="ko-KR" sz="2000">
-                <a:solidFill>
-                  <a:schemeClr val="bg1"/>
-                </a:solidFill>
-                <a:latin typeface="나눔스퀘어 ExtraBold" panose="020B0600000101010101" pitchFamily="50" charset="-127"/>
-                <a:ea typeface="나눔스퀘어 ExtraBold" panose="020B0600000101010101" pitchFamily="50" charset="-127"/>
-              </a:rPr>
-              <a:t>: jasaeng_official</a:t>
-            </a:r>
-            <a:endParaRPr lang="ko-KR" altLang="en-US" sz="2000">
-              <a:solidFill>
-                <a:schemeClr val="bg1"/>
-              </a:solidFill>
-              <a:latin typeface="나눔스퀘어 ExtraBold" panose="020B0600000101010101" pitchFamily="50" charset="-127"/>
-              <a:ea typeface="나눔스퀘어 ExtraBold" panose="020B0600000101010101" pitchFamily="50" charset="-127"/>
-            </a:endParaRPr>
-          </a:p>
-        </p:txBody>
-      </p:sp>
-      <p:pic>
-        <p:nvPicPr>
-          <p:cNvPr id="40" name="그림 39">
-            <a:extLst>
-              <a:ext uri="{FF2B5EF4-FFF2-40B4-BE49-F238E27FC236}">
-                <a16:creationId xmlns:a16="http://schemas.microsoft.com/office/drawing/2014/main" id="{5DF7DCA0-F6C6-4D4B-98A7-61DBE0C6A6E2}"/>
-              </a:ext>
-            </a:extLst>
-          </p:cNvPr>
-          <p:cNvPicPr>
-            <a:picLocks noChangeAspect="1"/>
-          </p:cNvPicPr>
-          <p:nvPr/>
-        </p:nvPicPr>
-        <p:blipFill>
-          <a:blip r:embed="rId3">
-            <a:extLst>
-              <a:ext uri="{BEBA8EAE-BF5A-486C-A8C5-ECC9F3942E4B}">
-                <a14:imgProps xmlns:a14="http://schemas.microsoft.com/office/drawing/2010/main">
-                  <a14:imgLayer r:embed="rId4">
-                    <a14:imgEffect>
-                      <a14:saturation sat="0"/>
-                    </a14:imgEffect>
-                  </a14:imgLayer>
-                </a14:imgProps>
-              </a:ext>
-              <a:ext uri="{28A0092B-C50C-407E-A947-70E740481C1C}">
-                <a14:useLocalDpi xmlns:a14="http://schemas.microsoft.com/office/drawing/2010/main" val="0"/>
-              </a:ext>
-            </a:extLst>
-          </a:blip>
-          <a:srcRect l="2747" t="2747" r="2747" b="2747"/>
-          <a:stretch>
-            <a:fillRect/>
-          </a:stretch>
-        </p:blipFill>
-        <p:spPr>
-          <a:xfrm>
-            <a:off x="1078706" y="2336005"/>
-            <a:ext cx="3276600" cy="3276600"/>
-          </a:xfrm>
-          <a:custGeom>
-            <a:avLst/>
-            <a:gdLst>
-              <a:gd name="connsiteX0" fmla="*/ 1638300 w 3276600"/>
-              <a:gd name="connsiteY0" fmla="*/ 0 h 3276600"/>
-              <a:gd name="connsiteX1" fmla="*/ 3276600 w 3276600"/>
-              <a:gd name="connsiteY1" fmla="*/ 1638300 h 3276600"/>
-              <a:gd name="connsiteX2" fmla="*/ 1638300 w 3276600"/>
-              <a:gd name="connsiteY2" fmla="*/ 3276600 h 3276600"/>
-              <a:gd name="connsiteX3" fmla="*/ 0 w 3276600"/>
-              <a:gd name="connsiteY3" fmla="*/ 1638300 h 3276600"/>
-              <a:gd name="connsiteX4" fmla="*/ 1638300 w 3276600"/>
-              <a:gd name="connsiteY4" fmla="*/ 0 h 3276600"/>
-            </a:gdLst>
-            <a:ahLst/>
-            <a:cxnLst>
-              <a:cxn ang="0">
-                <a:pos x="connsiteX0" y="connsiteY0"/>
-              </a:cxn>
-              <a:cxn ang="0">
-                <a:pos x="connsiteX1" y="connsiteY1"/>
-              </a:cxn>
-              <a:cxn ang="0">
-                <a:pos x="connsiteX2" y="connsiteY2"/>
-              </a:cxn>
-              <a:cxn ang="0">
-                <a:pos x="connsiteX3" y="connsiteY3"/>
-              </a:cxn>
-              <a:cxn ang="0">
-                <a:pos x="connsiteX4" y="connsiteY4"/>
-              </a:cxn>
-            </a:cxnLst>
-            <a:rect l="l" t="t" r="r" b="b"/>
-            <a:pathLst>
-              <a:path w="3276600" h="3276600">
-                <a:moveTo>
-                  <a:pt x="1638300" y="0"/>
-                </a:moveTo>
-                <a:cubicBezTo>
-                  <a:pt x="2543108" y="0"/>
-                  <a:pt x="3276600" y="733492"/>
-                  <a:pt x="3276600" y="1638300"/>
-                </a:cubicBezTo>
-                <a:cubicBezTo>
-                  <a:pt x="3276600" y="2543108"/>
-                  <a:pt x="2543108" y="3276600"/>
-                  <a:pt x="1638300" y="3276600"/>
-                </a:cubicBezTo>
-                <a:cubicBezTo>
-                  <a:pt x="733492" y="3276600"/>
-                  <a:pt x="0" y="2543108"/>
-                  <a:pt x="0" y="1638300"/>
-                </a:cubicBezTo>
-                <a:cubicBezTo>
-                  <a:pt x="0" y="733492"/>
-                  <a:pt x="733492" y="0"/>
-                  <a:pt x="1638300" y="0"/>
-                </a:cubicBezTo>
-                <a:close/>
-              </a:path>
-            </a:pathLst>
-          </a:custGeom>
-          <a:effectLst>
-            <a:outerShdw blurRad="50800" dist="38100" dir="2700000" algn="tl" rotWithShape="0">
-              <a:prstClr val="black">
-                <a:alpha val="40000"/>
-              </a:prstClr>
-            </a:outerShdw>
-          </a:effectLst>
-        </p:spPr>
-      </p:pic>
-      <p:sp>
-        <p:nvSpPr>
-          <p:cNvPr id="11" name="타원 10">
-            <a:extLst>
-              <a:ext uri="{FF2B5EF4-FFF2-40B4-BE49-F238E27FC236}">
-                <a16:creationId xmlns:a16="http://schemas.microsoft.com/office/drawing/2014/main" id="{5CB8A6C0-61D6-452C-942F-BD384BD5D69E}"/>
-              </a:ext>
-            </a:extLst>
-          </p:cNvPr>
-          <p:cNvSpPr/>
-          <p:nvPr/>
-        </p:nvSpPr>
-        <p:spPr>
-          <a:xfrm>
-            <a:off x="566737" y="1824036"/>
-            <a:ext cx="4300538" cy="4300538"/>
-          </a:xfrm>
-          <a:prstGeom prst="ellipse">
-            <a:avLst/>
-          </a:prstGeom>
-          <a:noFill/>
-          <a:ln w="12700">
-            <a:solidFill>
-              <a:srgbClr val="677787"/>
-            </a:solidFill>
-          </a:ln>
-        </p:spPr>
-        <p:style>
-          <a:lnRef idx="2">
-            <a:schemeClr val="accent1">
-              <a:shade val="50000"/>
-            </a:schemeClr>
-          </a:lnRef>
-          <a:fillRef idx="1">
-            <a:schemeClr val="accent1"/>
-          </a:fillRef>
-          <a:effectRef idx="0">
-            <a:schemeClr val="accent1"/>
-          </a:effectRef>
-          <a:fontRef idx="minor">
-            <a:schemeClr val="lt1"/>
-          </a:fontRef>
-        </p:style>
-        <p:txBody>
-          <a:bodyPr rtlCol="0" anchor="ctr"/>
-          <a:lstStyle/>
-          <a:p>
-            <a:pPr algn="ctr"/>
-            <a:endParaRPr lang="ko-KR" altLang="en-US"/>
-          </a:p>
-        </p:txBody>
-      </p:sp>
-      <p:sp>
-        <p:nvSpPr>
-          <p:cNvPr id="12" name="타원 11">
-            <a:extLst>
-              <a:ext uri="{FF2B5EF4-FFF2-40B4-BE49-F238E27FC236}">
-                <a16:creationId xmlns:a16="http://schemas.microsoft.com/office/drawing/2014/main" id="{CD3A9B90-C0BB-4A7C-8F1E-719FCCA8F65D}"/>
-              </a:ext>
-            </a:extLst>
-          </p:cNvPr>
-          <p:cNvSpPr/>
-          <p:nvPr/>
-        </p:nvSpPr>
-        <p:spPr>
-          <a:xfrm>
-            <a:off x="3734991" y="1897855"/>
-            <a:ext cx="876300" cy="876300"/>
-          </a:xfrm>
-          <a:prstGeom prst="ellipse">
-            <a:avLst/>
-          </a:prstGeom>
-          <a:solidFill>
-            <a:srgbClr val="677787"/>
-          </a:solidFill>
-          <a:ln>
-            <a:noFill/>
-          </a:ln>
-        </p:spPr>
-        <p:style>
-          <a:lnRef idx="2">
-            <a:schemeClr val="accent1">
-              <a:shade val="50000"/>
-            </a:schemeClr>
-          </a:lnRef>
-          <a:fillRef idx="1">
-            <a:schemeClr val="accent1"/>
-          </a:fillRef>
-          <a:effectRef idx="0">
-            <a:schemeClr val="accent1"/>
-          </a:effectRef>
-          <a:fontRef idx="minor">
-            <a:schemeClr val="lt1"/>
-          </a:fontRef>
-        </p:style>
-        <p:txBody>
-          <a:bodyPr rtlCol="0" anchor="ctr"/>
-          <a:lstStyle/>
-          <a:p>
-            <a:pPr algn="ctr"/>
-            <a:endParaRPr lang="ko-KR" altLang="en-US"/>
-          </a:p>
-        </p:txBody>
-      </p:sp>
-      <p:sp>
-        <p:nvSpPr>
-          <p:cNvPr id="41" name="타원 40">
-            <a:extLst>
-              <a:ext uri="{FF2B5EF4-FFF2-40B4-BE49-F238E27FC236}">
-                <a16:creationId xmlns:a16="http://schemas.microsoft.com/office/drawing/2014/main" id="{5289AA05-A9FD-47C2-B104-716899D52E14}"/>
-              </a:ext>
-            </a:extLst>
-          </p:cNvPr>
-          <p:cNvSpPr/>
-          <p:nvPr/>
-        </p:nvSpPr>
-        <p:spPr>
-          <a:xfrm>
-            <a:off x="4502944" y="3207546"/>
-            <a:ext cx="876300" cy="876300"/>
-          </a:xfrm>
-          <a:prstGeom prst="ellipse">
-            <a:avLst/>
-          </a:prstGeom>
-          <a:solidFill>
-            <a:srgbClr val="677787"/>
-          </a:solidFill>
-          <a:ln>
-            <a:noFill/>
-          </a:ln>
-        </p:spPr>
-        <p:style>
-          <a:lnRef idx="2">
-            <a:schemeClr val="accent1">
-              <a:shade val="50000"/>
-            </a:schemeClr>
-          </a:lnRef>
-          <a:fillRef idx="1">
-            <a:schemeClr val="accent1"/>
-          </a:fillRef>
-          <a:effectRef idx="0">
-            <a:schemeClr val="accent1"/>
-          </a:effectRef>
-          <a:fontRef idx="minor">
-            <a:schemeClr val="lt1"/>
-          </a:fontRef>
-        </p:style>
-        <p:txBody>
-          <a:bodyPr rtlCol="0" anchor="ctr"/>
-          <a:lstStyle/>
-          <a:p>
-            <a:pPr algn="ctr"/>
-            <a:endParaRPr lang="ko-KR" altLang="en-US"/>
-          </a:p>
-        </p:txBody>
-      </p:sp>
-      <p:sp>
-        <p:nvSpPr>
-          <p:cNvPr id="48" name="타원 47">
-            <a:extLst>
-              <a:ext uri="{FF2B5EF4-FFF2-40B4-BE49-F238E27FC236}">
-                <a16:creationId xmlns:a16="http://schemas.microsoft.com/office/drawing/2014/main" id="{24CC383A-33E7-4385-AC61-45C37C85B010}"/>
-              </a:ext>
-            </a:extLst>
-          </p:cNvPr>
-          <p:cNvSpPr/>
-          <p:nvPr/>
-        </p:nvSpPr>
-        <p:spPr>
-          <a:xfrm>
-            <a:off x="4064794" y="4879182"/>
-            <a:ext cx="876300" cy="876300"/>
-          </a:xfrm>
-          <a:prstGeom prst="ellipse">
-            <a:avLst/>
-          </a:prstGeom>
-          <a:solidFill>
-            <a:srgbClr val="677787"/>
-          </a:solidFill>
-          <a:ln>
-            <a:noFill/>
-          </a:ln>
-        </p:spPr>
-        <p:style>
-          <a:lnRef idx="2">
-            <a:schemeClr val="accent1">
-              <a:shade val="50000"/>
-            </a:schemeClr>
-          </a:lnRef>
-          <a:fillRef idx="1">
-            <a:schemeClr val="accent1"/>
-          </a:fillRef>
-          <a:effectRef idx="0">
-            <a:schemeClr val="accent1"/>
-          </a:effectRef>
-          <a:fontRef idx="minor">
-            <a:schemeClr val="lt1"/>
-          </a:fontRef>
-        </p:style>
-        <p:txBody>
-          <a:bodyPr rtlCol="0" anchor="ctr"/>
-          <a:lstStyle/>
-          <a:p>
-            <a:pPr algn="ctr"/>
-            <a:endParaRPr lang="ko-KR" altLang="en-US"/>
-          </a:p>
-        </p:txBody>
-      </p:sp>
-      <p:pic>
-        <p:nvPicPr>
-          <p:cNvPr id="14" name="그림 13">
-            <a:extLst>
-              <a:ext uri="{FF2B5EF4-FFF2-40B4-BE49-F238E27FC236}">
-                <a16:creationId xmlns:a16="http://schemas.microsoft.com/office/drawing/2014/main" id="{60CC0519-DE07-40C1-9630-8618B34DD569}"/>
-              </a:ext>
-            </a:extLst>
-          </p:cNvPr>
-          <p:cNvPicPr>
-            <a:picLocks noChangeAspect="1"/>
-          </p:cNvPicPr>
-          <p:nvPr/>
-        </p:nvPicPr>
-        <p:blipFill>
-          <a:blip r:embed="rId5" cstate="hqprint">
-            <a:extLst>
-              <a:ext uri="{28A0092B-C50C-407E-A947-70E740481C1C}">
-                <a14:useLocalDpi xmlns:a14="http://schemas.microsoft.com/office/drawing/2010/main" val="0"/>
-              </a:ext>
-            </a:extLst>
-          </a:blip>
-          <a:stretch>
-            <a:fillRect/>
-          </a:stretch>
-        </p:blipFill>
-        <p:spPr>
-          <a:xfrm>
-            <a:off x="3976397" y="2138216"/>
-            <a:ext cx="395578" cy="395578"/>
-          </a:xfrm>
-          <a:prstGeom prst="rect">
-            <a:avLst/>
-          </a:prstGeom>
-        </p:spPr>
-      </p:pic>
-      <p:pic>
-        <p:nvPicPr>
-          <p:cNvPr id="16" name="그림 15">
-            <a:extLst>
-              <a:ext uri="{FF2B5EF4-FFF2-40B4-BE49-F238E27FC236}">
-                <a16:creationId xmlns:a16="http://schemas.microsoft.com/office/drawing/2014/main" id="{10CF781A-AF68-424E-854B-7BDFA9FAEE79}"/>
-              </a:ext>
-            </a:extLst>
-          </p:cNvPr>
-          <p:cNvPicPr>
-            <a:picLocks noChangeAspect="1"/>
-          </p:cNvPicPr>
-          <p:nvPr/>
-        </p:nvPicPr>
-        <p:blipFill>
-          <a:blip r:embed="rId6" cstate="hqprint">
-            <a:extLst>
-              <a:ext uri="{28A0092B-C50C-407E-A947-70E740481C1C}">
-                <a14:useLocalDpi xmlns:a14="http://schemas.microsoft.com/office/drawing/2010/main" val="0"/>
-              </a:ext>
-            </a:extLst>
-          </a:blip>
-          <a:stretch>
-            <a:fillRect/>
-          </a:stretch>
-        </p:blipFill>
-        <p:spPr>
-          <a:xfrm>
-            <a:off x="4731406" y="3429000"/>
-            <a:ext cx="428320" cy="428320"/>
-          </a:xfrm>
-          <a:prstGeom prst="rect">
-            <a:avLst/>
-          </a:prstGeom>
-        </p:spPr>
-      </p:pic>
-      <p:pic>
-        <p:nvPicPr>
-          <p:cNvPr id="18" name="그림 17">
-            <a:extLst>
-              <a:ext uri="{FF2B5EF4-FFF2-40B4-BE49-F238E27FC236}">
-                <a16:creationId xmlns:a16="http://schemas.microsoft.com/office/drawing/2014/main" id="{4DF557D4-7960-4450-9250-6C86EE89C176}"/>
-              </a:ext>
-            </a:extLst>
-          </p:cNvPr>
-          <p:cNvPicPr>
-            <a:picLocks noChangeAspect="1"/>
-          </p:cNvPicPr>
-          <p:nvPr/>
-        </p:nvPicPr>
-        <p:blipFill>
-          <a:blip r:embed="rId7" cstate="hqprint">
-            <a:extLst>
-              <a:ext uri="{28A0092B-C50C-407E-A947-70E740481C1C}">
-                <a14:useLocalDpi xmlns:a14="http://schemas.microsoft.com/office/drawing/2010/main" val="0"/>
-              </a:ext>
-            </a:extLst>
-          </a:blip>
-          <a:stretch>
-            <a:fillRect/>
-          </a:stretch>
-        </p:blipFill>
-        <p:spPr>
-          <a:xfrm>
-            <a:off x="4219576" y="5051966"/>
-            <a:ext cx="566600" cy="566600"/>
-          </a:xfrm>
-          <a:prstGeom prst="rect">
-            <a:avLst/>
-          </a:prstGeom>
-        </p:spPr>
-      </p:pic>
-      <p:sp>
-        <p:nvSpPr>
-          <p:cNvPr id="19" name="TextBox 18">
-            <a:extLst>
-              <a:ext uri="{FF2B5EF4-FFF2-40B4-BE49-F238E27FC236}">
-                <a16:creationId xmlns:a16="http://schemas.microsoft.com/office/drawing/2014/main" id="{C3042327-D4B3-43A0-B481-8A650603D90A}"/>
-              </a:ext>
-            </a:extLst>
-          </p:cNvPr>
-          <p:cNvSpPr txBox="1"/>
-          <p:nvPr/>
-        </p:nvSpPr>
-        <p:spPr>
-          <a:xfrm>
-            <a:off x="4731406" y="1785701"/>
-            <a:ext cx="1292341" cy="369332"/>
-          </a:xfrm>
-          <a:prstGeom prst="rect">
-            <a:avLst/>
-          </a:prstGeom>
-          <a:noFill/>
-        </p:spPr>
-        <p:txBody>
-          <a:bodyPr wrap="none" rtlCol="0">
-            <a:spAutoFit/>
-          </a:bodyPr>
-          <a:lstStyle/>
-          <a:p>
-            <a:r>
-              <a:rPr lang="ko-KR" altLang="en-US">
-                <a:solidFill>
-                  <a:srgbClr val="677787"/>
-                </a:solidFill>
-                <a:latin typeface="나눔스퀘어 ExtraBold" panose="020B0600000101010101" pitchFamily="50" charset="-127"/>
-                <a:ea typeface="나눔스퀘어 ExtraBold" panose="020B0600000101010101" pitchFamily="50" charset="-127"/>
-              </a:rPr>
-              <a:t>인스타 계정</a:t>
-            </a:r>
-          </a:p>
-        </p:txBody>
-      </p:sp>
-      <p:sp>
-        <p:nvSpPr>
-          <p:cNvPr id="49" name="TextBox 48">
-            <a:extLst>
-              <a:ext uri="{FF2B5EF4-FFF2-40B4-BE49-F238E27FC236}">
-                <a16:creationId xmlns:a16="http://schemas.microsoft.com/office/drawing/2014/main" id="{3CB499C6-8631-4E17-9243-4686835AF515}"/>
-              </a:ext>
-            </a:extLst>
-          </p:cNvPr>
-          <p:cNvSpPr txBox="1"/>
-          <p:nvPr/>
-        </p:nvSpPr>
-        <p:spPr>
-          <a:xfrm>
-            <a:off x="5607706" y="3178971"/>
-            <a:ext cx="1292341" cy="369332"/>
-          </a:xfrm>
-          <a:prstGeom prst="rect">
-            <a:avLst/>
-          </a:prstGeom>
-          <a:noFill/>
-        </p:spPr>
-        <p:txBody>
-          <a:bodyPr wrap="none" rtlCol="0">
-            <a:spAutoFit/>
-          </a:bodyPr>
-          <a:lstStyle/>
-          <a:p>
-            <a:r>
-              <a:rPr lang="ko-KR" altLang="en-US">
-                <a:solidFill>
-                  <a:srgbClr val="677787"/>
-                </a:solidFill>
-                <a:latin typeface="나눔스퀘어 ExtraBold" panose="020B0600000101010101" pitchFamily="50" charset="-127"/>
-                <a:ea typeface="나눔스퀘어 ExtraBold" panose="020B0600000101010101" pitchFamily="50" charset="-127"/>
-              </a:rPr>
-              <a:t>콘텐츠 내용</a:t>
-            </a:r>
-          </a:p>
-        </p:txBody>
-      </p:sp>
-      <p:sp>
-        <p:nvSpPr>
-          <p:cNvPr id="50" name="TextBox 49">
-            <a:extLst>
-              <a:ext uri="{FF2B5EF4-FFF2-40B4-BE49-F238E27FC236}">
-                <a16:creationId xmlns:a16="http://schemas.microsoft.com/office/drawing/2014/main" id="{F6071BFD-B7B9-4131-B74B-19F1B9BB930A}"/>
-              </a:ext>
-            </a:extLst>
-          </p:cNvPr>
-          <p:cNvSpPr txBox="1"/>
-          <p:nvPr/>
-        </p:nvSpPr>
-        <p:spPr>
-          <a:xfrm>
-            <a:off x="5219259" y="4898238"/>
-            <a:ext cx="1234633" cy="369332"/>
-          </a:xfrm>
-          <a:prstGeom prst="rect">
-            <a:avLst/>
-          </a:prstGeom>
-          <a:noFill/>
-        </p:spPr>
-        <p:txBody>
-          <a:bodyPr wrap="none" rtlCol="0">
-            <a:spAutoFit/>
-          </a:bodyPr>
-          <a:lstStyle/>
-          <a:p>
-            <a:r>
-              <a:rPr lang="ko-KR" altLang="en-US">
-                <a:solidFill>
-                  <a:srgbClr val="677787"/>
-                </a:solidFill>
-                <a:latin typeface="나눔스퀘어 ExtraBold" panose="020B0600000101010101" pitchFamily="50" charset="-127"/>
-                <a:ea typeface="나눔스퀘어 ExtraBold" panose="020B0600000101010101" pitchFamily="50" charset="-127"/>
-              </a:rPr>
-              <a:t>팔로우해요</a:t>
-            </a:r>
-          </a:p>
-        </p:txBody>
-      </p:sp>
-      <p:sp>
-        <p:nvSpPr>
-          <p:cNvPr id="51" name="TextBox 50">
-            <a:extLst>
-              <a:ext uri="{FF2B5EF4-FFF2-40B4-BE49-F238E27FC236}">
-                <a16:creationId xmlns:a16="http://schemas.microsoft.com/office/drawing/2014/main" id="{90A66277-6516-4A7C-A223-A0F5D1D4A09C}"/>
-              </a:ext>
-            </a:extLst>
-          </p:cNvPr>
-          <p:cNvSpPr txBox="1"/>
-          <p:nvPr/>
-        </p:nvSpPr>
-        <p:spPr>
-          <a:xfrm>
-            <a:off x="4731406" y="2106714"/>
-            <a:ext cx="4022255" cy="553998"/>
-          </a:xfrm>
-          <a:prstGeom prst="rect">
-            <a:avLst/>
-          </a:prstGeom>
-          <a:noFill/>
-        </p:spPr>
-        <p:txBody>
-          <a:bodyPr wrap="none" rtlCol="0">
-            <a:spAutoFit/>
-          </a:bodyPr>
-          <a:lstStyle/>
-          <a:p>
-            <a:r>
-              <a:rPr lang="en-US" altLang="ko-KR" sz="1500">
-                <a:solidFill>
-                  <a:schemeClr val="tx1">
-                    <a:lumMod val="75000"/>
-                    <a:lumOff val="25000"/>
-                  </a:schemeClr>
-                </a:solidFill>
-                <a:latin typeface="나눔스퀘어 Bold" panose="020B0600000101010101" pitchFamily="50" charset="-127"/>
-                <a:ea typeface="나눔스퀘어 Bold" panose="020B0600000101010101" pitchFamily="50" charset="-127"/>
-              </a:rPr>
-              <a:t>jasaeng_official</a:t>
-            </a:r>
-          </a:p>
-          <a:p>
-            <a:r>
-              <a:rPr lang="ko-KR" altLang="en-US" sz="1500">
-                <a:solidFill>
-                  <a:schemeClr val="tx1">
-                    <a:lumMod val="75000"/>
-                    <a:lumOff val="25000"/>
-                  </a:schemeClr>
-                </a:solidFill>
-                <a:latin typeface="나눔스퀘어 Bold" panose="020B0600000101010101" pitchFamily="50" charset="-127"/>
-                <a:ea typeface="나눔스퀘어 Bold" panose="020B0600000101010101" pitchFamily="50" charset="-127"/>
-              </a:rPr>
-              <a:t>신규 계정 만들었습니다 팔로우해서 소통해요 </a:t>
-            </a:r>
-            <a:r>
-              <a:rPr lang="en-US" altLang="ko-KR" sz="1500">
-                <a:solidFill>
-                  <a:schemeClr val="tx1">
-                    <a:lumMod val="75000"/>
-                    <a:lumOff val="25000"/>
-                  </a:schemeClr>
-                </a:solidFill>
-                <a:latin typeface="나눔스퀘어 Bold" panose="020B0600000101010101" pitchFamily="50" charset="-127"/>
-                <a:ea typeface="나눔스퀘어 Bold" panose="020B0600000101010101" pitchFamily="50" charset="-127"/>
-                <a:sym typeface="Wingdings" panose="05000000000000000000" pitchFamily="2" charset="2"/>
-              </a:rPr>
-              <a:t></a:t>
-            </a:r>
-            <a:endParaRPr lang="ko-KR" altLang="en-US" sz="1500">
-              <a:solidFill>
-                <a:schemeClr val="tx1">
-                  <a:lumMod val="75000"/>
-                  <a:lumOff val="25000"/>
-                </a:schemeClr>
-              </a:solidFill>
-              <a:latin typeface="나눔스퀘어 Bold" panose="020B0600000101010101" pitchFamily="50" charset="-127"/>
-              <a:ea typeface="나눔스퀘어 Bold" panose="020B0600000101010101" pitchFamily="50" charset="-127"/>
-            </a:endParaRPr>
-          </a:p>
-        </p:txBody>
-      </p:sp>
-      <p:sp>
-        <p:nvSpPr>
-          <p:cNvPr id="52" name="TextBox 51">
-            <a:extLst>
-              <a:ext uri="{FF2B5EF4-FFF2-40B4-BE49-F238E27FC236}">
-                <a16:creationId xmlns:a16="http://schemas.microsoft.com/office/drawing/2014/main" id="{A204FA4A-5D71-46A2-A489-05EE42D88DE2}"/>
-              </a:ext>
-            </a:extLst>
-          </p:cNvPr>
-          <p:cNvSpPr txBox="1"/>
-          <p:nvPr/>
-        </p:nvSpPr>
-        <p:spPr>
-          <a:xfrm>
-            <a:off x="5629350" y="3548303"/>
-            <a:ext cx="5602816" cy="553998"/>
-          </a:xfrm>
-          <a:prstGeom prst="rect">
-            <a:avLst/>
-          </a:prstGeom>
-          <a:noFill/>
-        </p:spPr>
-        <p:txBody>
-          <a:bodyPr wrap="none" rtlCol="0">
-            <a:spAutoFit/>
-          </a:bodyPr>
-          <a:lstStyle/>
-          <a:p>
-            <a:r>
-              <a:rPr lang="ko-KR" altLang="en-US" sz="1500">
-                <a:solidFill>
-                  <a:schemeClr val="tx1">
-                    <a:lumMod val="75000"/>
-                    <a:lumOff val="25000"/>
-                  </a:schemeClr>
-                </a:solidFill>
-                <a:latin typeface="나눔스퀘어 Bold" panose="020B0600000101010101" pitchFamily="50" charset="-127"/>
-                <a:ea typeface="나눔스퀘어 Bold" panose="020B0600000101010101" pitchFamily="50" charset="-127"/>
-              </a:rPr>
-              <a:t>제 일상과</a:t>
-            </a:r>
-            <a:r>
-              <a:rPr lang="en-US" altLang="ko-KR" sz="1500">
-                <a:solidFill>
-                  <a:schemeClr val="tx1">
-                    <a:lumMod val="75000"/>
-                    <a:lumOff val="25000"/>
-                  </a:schemeClr>
-                </a:solidFill>
-                <a:latin typeface="나눔스퀘어 Bold" panose="020B0600000101010101" pitchFamily="50" charset="-127"/>
-                <a:ea typeface="나눔스퀘어 Bold" panose="020B0600000101010101" pitchFamily="50" charset="-127"/>
-              </a:rPr>
-              <a:t>, </a:t>
-            </a:r>
-            <a:r>
-              <a:rPr lang="ko-KR" altLang="en-US" sz="1500">
-                <a:solidFill>
-                  <a:schemeClr val="tx1">
-                    <a:lumMod val="75000"/>
-                    <a:lumOff val="25000"/>
-                  </a:schemeClr>
-                </a:solidFill>
-                <a:latin typeface="나눔스퀘어 Bold" panose="020B0600000101010101" pitchFamily="50" charset="-127"/>
-                <a:ea typeface="나눔스퀘어 Bold" panose="020B0600000101010101" pitchFamily="50" charset="-127"/>
-              </a:rPr>
-              <a:t>평소에 자주 읽는 책 리뷰</a:t>
-            </a:r>
-            <a:r>
-              <a:rPr lang="en-US" altLang="ko-KR" sz="1500">
-                <a:solidFill>
-                  <a:schemeClr val="tx1">
-                    <a:lumMod val="75000"/>
-                    <a:lumOff val="25000"/>
-                  </a:schemeClr>
-                </a:solidFill>
-                <a:latin typeface="나눔스퀘어 Bold" panose="020B0600000101010101" pitchFamily="50" charset="-127"/>
-                <a:ea typeface="나눔스퀘어 Bold" panose="020B0600000101010101" pitchFamily="50" charset="-127"/>
-              </a:rPr>
-              <a:t>,</a:t>
-            </a:r>
-          </a:p>
-          <a:p>
-            <a:r>
-              <a:rPr lang="ko-KR" altLang="en-US" sz="1500">
-                <a:solidFill>
-                  <a:schemeClr val="tx1">
-                    <a:lumMod val="75000"/>
-                    <a:lumOff val="25000"/>
-                  </a:schemeClr>
-                </a:solidFill>
-                <a:latin typeface="나눔스퀘어 Bold" panose="020B0600000101010101" pitchFamily="50" charset="-127"/>
-                <a:ea typeface="나눔스퀘어 Bold" panose="020B0600000101010101" pitchFamily="50" charset="-127"/>
-              </a:rPr>
-              <a:t>그리고 앞으로 있을 블로그</a:t>
-            </a:r>
-            <a:r>
-              <a:rPr lang="en-US" altLang="ko-KR" sz="1500">
-                <a:solidFill>
-                  <a:schemeClr val="tx1">
-                    <a:lumMod val="75000"/>
-                    <a:lumOff val="25000"/>
-                  </a:schemeClr>
-                </a:solidFill>
-                <a:latin typeface="나눔스퀘어 Bold" panose="020B0600000101010101" pitchFamily="50" charset="-127"/>
-                <a:ea typeface="나눔스퀘어 Bold" panose="020B0600000101010101" pitchFamily="50" charset="-127"/>
-              </a:rPr>
-              <a:t>/</a:t>
-            </a:r>
-            <a:r>
-              <a:rPr lang="ko-KR" altLang="en-US" sz="1500">
-                <a:solidFill>
-                  <a:schemeClr val="tx1">
-                    <a:lumMod val="75000"/>
-                    <a:lumOff val="25000"/>
-                  </a:schemeClr>
-                </a:solidFill>
-                <a:latin typeface="나눔스퀘어 Bold" panose="020B0600000101010101" pitchFamily="50" charset="-127"/>
-                <a:ea typeface="나눔스퀘어 Bold" panose="020B0600000101010101" pitchFamily="50" charset="-127"/>
-              </a:rPr>
-              <a:t>투잡 강의 오픈 일정을 안내할 예정입니다</a:t>
-            </a:r>
-            <a:r>
-              <a:rPr lang="en-US" altLang="ko-KR" sz="1500">
-                <a:solidFill>
-                  <a:schemeClr val="tx1">
-                    <a:lumMod val="75000"/>
-                    <a:lumOff val="25000"/>
-                  </a:schemeClr>
-                </a:solidFill>
-                <a:latin typeface="나눔스퀘어 Bold" panose="020B0600000101010101" pitchFamily="50" charset="-127"/>
-                <a:ea typeface="나눔스퀘어 Bold" panose="020B0600000101010101" pitchFamily="50" charset="-127"/>
-              </a:rPr>
-              <a:t>!</a:t>
-            </a:r>
-            <a:endParaRPr lang="ko-KR" altLang="en-US" sz="1500">
-              <a:solidFill>
-                <a:schemeClr val="tx1">
-                  <a:lumMod val="75000"/>
-                  <a:lumOff val="25000"/>
-                </a:schemeClr>
-              </a:solidFill>
-              <a:latin typeface="나눔스퀘어 Bold" panose="020B0600000101010101" pitchFamily="50" charset="-127"/>
-              <a:ea typeface="나눔스퀘어 Bold" panose="020B0600000101010101" pitchFamily="50" charset="-127"/>
-            </a:endParaRPr>
-          </a:p>
-        </p:txBody>
-      </p:sp>
-      <p:sp>
-        <p:nvSpPr>
-          <p:cNvPr id="53" name="TextBox 52">
-            <a:extLst>
-              <a:ext uri="{FF2B5EF4-FFF2-40B4-BE49-F238E27FC236}">
-                <a16:creationId xmlns:a16="http://schemas.microsoft.com/office/drawing/2014/main" id="{65529D87-9405-465F-A93B-0A6E85ABF698}"/>
-              </a:ext>
-            </a:extLst>
-          </p:cNvPr>
-          <p:cNvSpPr txBox="1"/>
-          <p:nvPr/>
-        </p:nvSpPr>
-        <p:spPr>
-          <a:xfrm>
-            <a:off x="5219259" y="5274716"/>
-            <a:ext cx="3631122" cy="553998"/>
-          </a:xfrm>
-          <a:prstGeom prst="rect">
-            <a:avLst/>
-          </a:prstGeom>
-          <a:noFill/>
-        </p:spPr>
-        <p:txBody>
-          <a:bodyPr wrap="none" rtlCol="0">
-            <a:spAutoFit/>
-          </a:bodyPr>
-          <a:lstStyle/>
-          <a:p>
-            <a:r>
-              <a:rPr lang="ko-KR" altLang="en-US" sz="1500">
-                <a:solidFill>
-                  <a:schemeClr val="tx1">
-                    <a:lumMod val="75000"/>
-                    <a:lumOff val="25000"/>
-                  </a:schemeClr>
-                </a:solidFill>
-                <a:latin typeface="나눔스퀘어 Bold" panose="020B0600000101010101" pitchFamily="50" charset="-127"/>
-                <a:ea typeface="나눔스퀘어 Bold" panose="020B0600000101010101" pitchFamily="50" charset="-127"/>
-              </a:rPr>
-              <a:t>단순히 소통하실 분들도 </a:t>
-            </a:r>
-            <a:r>
-              <a:rPr lang="en-US" altLang="ko-KR" sz="1500">
-                <a:solidFill>
-                  <a:schemeClr val="tx1">
-                    <a:lumMod val="75000"/>
-                    <a:lumOff val="25000"/>
-                  </a:schemeClr>
-                </a:solidFill>
-                <a:latin typeface="나눔스퀘어 Bold" panose="020B0600000101010101" pitchFamily="50" charset="-127"/>
-                <a:ea typeface="나눔스퀘어 Bold" panose="020B0600000101010101" pitchFamily="50" charset="-127"/>
-              </a:rPr>
-              <a:t>OK!</a:t>
-            </a:r>
-          </a:p>
-          <a:p>
-            <a:r>
-              <a:rPr lang="ko-KR" altLang="en-US" sz="1500">
-                <a:solidFill>
-                  <a:schemeClr val="tx1">
-                    <a:lumMod val="75000"/>
-                    <a:lumOff val="25000"/>
-                  </a:schemeClr>
-                </a:solidFill>
-                <a:latin typeface="나눔스퀘어 Bold" panose="020B0600000101010101" pitchFamily="50" charset="-127"/>
-                <a:ea typeface="나눔스퀘어 Bold" panose="020B0600000101010101" pitchFamily="50" charset="-127"/>
-              </a:rPr>
-              <a:t>팔로우하시고 </a:t>
-            </a:r>
-            <a:r>
-              <a:rPr lang="en-US" altLang="ko-KR" sz="1500">
-                <a:solidFill>
-                  <a:schemeClr val="tx1">
-                    <a:lumMod val="75000"/>
-                    <a:lumOff val="25000"/>
-                  </a:schemeClr>
-                </a:solidFill>
-                <a:latin typeface="나눔스퀘어 Bold" panose="020B0600000101010101" pitchFamily="50" charset="-127"/>
-                <a:ea typeface="나눔스퀘어 Bold" panose="020B0600000101010101" pitchFamily="50" charset="-127"/>
-              </a:rPr>
-              <a:t>DM</a:t>
-            </a:r>
-            <a:r>
-              <a:rPr lang="ko-KR" altLang="en-US" sz="1500">
-                <a:solidFill>
-                  <a:schemeClr val="tx1">
-                    <a:lumMod val="75000"/>
-                    <a:lumOff val="25000"/>
-                  </a:schemeClr>
-                </a:solidFill>
-                <a:latin typeface="나눔스퀘어 Bold" panose="020B0600000101010101" pitchFamily="50" charset="-127"/>
-                <a:ea typeface="나눔스퀘어 Bold" panose="020B0600000101010101" pitchFamily="50" charset="-127"/>
-              </a:rPr>
-              <a:t>주시면 맞팔하겠습니당 </a:t>
-            </a:r>
-            <a:r>
-              <a:rPr lang="en-US" altLang="ko-KR" sz="1500">
-                <a:solidFill>
-                  <a:schemeClr val="tx1">
-                    <a:lumMod val="75000"/>
-                    <a:lumOff val="25000"/>
-                  </a:schemeClr>
-                </a:solidFill>
-                <a:latin typeface="나눔스퀘어 Bold" panose="020B0600000101010101" pitchFamily="50" charset="-127"/>
-                <a:ea typeface="나눔스퀘어 Bold" panose="020B0600000101010101" pitchFamily="50" charset="-127"/>
-                <a:sym typeface="Wingdings" panose="05000000000000000000" pitchFamily="2" charset="2"/>
-              </a:rPr>
-              <a:t> </a:t>
-            </a:r>
-            <a:endParaRPr lang="ko-KR" altLang="en-US" sz="1500">
-              <a:solidFill>
-                <a:schemeClr val="tx1">
-                  <a:lumMod val="75000"/>
-                  <a:lumOff val="25000"/>
-                </a:schemeClr>
-              </a:solidFill>
-              <a:latin typeface="나눔스퀘어 Bold" panose="020B0600000101010101" pitchFamily="50" charset="-127"/>
-              <a:ea typeface="나눔스퀘어 Bold" panose="020B0600000101010101" pitchFamily="50" charset="-127"/>
-            </a:endParaRPr>
-          </a:p>
-        </p:txBody>
-      </p:sp>
-    </p:spTree>
-    <p:extLst>
-      <p:ext uri="{BB962C8B-B14F-4D97-AF65-F5344CB8AC3E}">
-        <p14:creationId xmlns:p14="http://schemas.microsoft.com/office/powerpoint/2010/main" val="1883519988"/>
-      </p:ext>
-    </p:extLst>
-  </p:cSld>
-  <p:clrMapOvr>
-    <a:overrideClrMapping bg1="lt1" tx1="dk1" bg2="lt2" tx2="dk2" accent1="accent1" accent2="accent2" accent3="accent3" accent4="accent4" accent5="accent5" accent6="accent6" hlink="hlink" folHlink="folHlink"/>
-  </p:clrMapOvr>
-</p:sld>
-</file>
-
-<file path=ppt/slides/slide12.xml><?xml version="1.0" encoding="utf-8"?>
-<p:sld xmlns:a="http://schemas.openxmlformats.org/drawingml/2006/main" xmlns:r="http://schemas.openxmlformats.org/officeDocument/2006/relationships" xmlns:p="http://schemas.openxmlformats.org/presentationml/2006/main">
-  <p:cSld>
-    <p:bg>
-      <p:bgPr>
-        <a:solidFill>
-          <a:schemeClr val="bg1">
-            <a:lumMod val="85000"/>
-            <a:alpha val="46000"/>
-          </a:schemeClr>
-        </a:solidFill>
-        <a:effectLst/>
-      </p:bgPr>
-    </p:bg>
-    <p:spTree>
-      <p:nvGrpSpPr>
-        <p:cNvPr id="1" name=""/>
-        <p:cNvGrpSpPr/>
-        <p:nvPr/>
-      </p:nvGrpSpPr>
-      <p:grpSpPr>
-        <a:xfrm>
-          <a:off x="0" y="0"/>
-          <a:ext cx="0" cy="0"/>
-          <a:chOff x="0" y="0"/>
-          <a:chExt cx="0" cy="0"/>
-        </a:xfrm>
-      </p:grpSpPr>
-      <p:sp>
-        <p:nvSpPr>
-          <p:cNvPr id="2" name="직사각형 1">
-            <a:extLst>
-              <a:ext uri="{FF2B5EF4-FFF2-40B4-BE49-F238E27FC236}">
-                <a16:creationId xmlns:a16="http://schemas.microsoft.com/office/drawing/2014/main" id="{EE08F41B-3AD8-4201-97E2-9E6D06762241}"/>
-              </a:ext>
-            </a:extLst>
-          </p:cNvPr>
-          <p:cNvSpPr/>
-          <p:nvPr/>
-        </p:nvSpPr>
-        <p:spPr>
-          <a:xfrm>
-            <a:off x="0" y="0"/>
-            <a:ext cx="12192000" cy="1028700"/>
-          </a:xfrm>
-          <a:prstGeom prst="rect">
-            <a:avLst/>
-          </a:prstGeom>
-          <a:solidFill>
-            <a:srgbClr val="677787"/>
-          </a:solidFill>
-          <a:ln>
-            <a:noFill/>
-          </a:ln>
-        </p:spPr>
-        <p:style>
-          <a:lnRef idx="2">
-            <a:schemeClr val="accent1">
-              <a:shade val="50000"/>
-            </a:schemeClr>
-          </a:lnRef>
-          <a:fillRef idx="1">
-            <a:schemeClr val="accent1"/>
-          </a:fillRef>
-          <a:effectRef idx="0">
-            <a:schemeClr val="accent1"/>
-          </a:effectRef>
-          <a:fontRef idx="minor">
-            <a:schemeClr val="lt1"/>
-          </a:fontRef>
-        </p:style>
-        <p:txBody>
-          <a:bodyPr rtlCol="0" anchor="ctr"/>
-          <a:lstStyle/>
-          <a:p>
-            <a:pPr algn="ctr"/>
-            <a:endParaRPr lang="ko-KR" altLang="en-US"/>
-          </a:p>
-        </p:txBody>
-      </p:sp>
-      <p:sp>
-        <p:nvSpPr>
-          <p:cNvPr id="3" name="직사각형 2">
-            <a:extLst>
-              <a:ext uri="{FF2B5EF4-FFF2-40B4-BE49-F238E27FC236}">
-                <a16:creationId xmlns:a16="http://schemas.microsoft.com/office/drawing/2014/main" id="{644B0AF7-FB2B-4D07-B38A-B53750762396}"/>
-              </a:ext>
-            </a:extLst>
-          </p:cNvPr>
-          <p:cNvSpPr/>
-          <p:nvPr/>
-        </p:nvSpPr>
-        <p:spPr>
-          <a:xfrm>
-            <a:off x="147638" y="153579"/>
-            <a:ext cx="919162" cy="675097"/>
-          </a:xfrm>
-          <a:prstGeom prst="rect">
-            <a:avLst/>
-          </a:prstGeom>
-          <a:noFill/>
-          <a:ln w="19050">
-            <a:solidFill>
-              <a:schemeClr val="bg1"/>
-            </a:solidFill>
-          </a:ln>
-          <a:effectLst>
-            <a:outerShdw blurRad="50800" dist="38100" dir="2700000" algn="tl" rotWithShape="0">
-              <a:prstClr val="black">
-                <a:alpha val="40000"/>
-              </a:prstClr>
-            </a:outerShdw>
-          </a:effectLst>
-        </p:spPr>
-        <p:style>
-          <a:lnRef idx="2">
-            <a:schemeClr val="accent1">
-              <a:shade val="50000"/>
-            </a:schemeClr>
-          </a:lnRef>
-          <a:fillRef idx="1">
-            <a:schemeClr val="accent1"/>
-          </a:fillRef>
-          <a:effectRef idx="0">
-            <a:schemeClr val="accent1"/>
-          </a:effectRef>
-          <a:fontRef idx="minor">
-            <a:schemeClr val="lt1"/>
-          </a:fontRef>
-        </p:style>
-        <p:txBody>
-          <a:bodyPr rtlCol="0" anchor="ctr"/>
-          <a:lstStyle/>
-          <a:p>
-            <a:pPr algn="ctr"/>
-            <a:endParaRPr lang="ko-KR" altLang="en-US"/>
-          </a:p>
-        </p:txBody>
-      </p:sp>
-      <p:sp>
-        <p:nvSpPr>
-          <p:cNvPr id="4" name="TextBox 3">
-            <a:extLst>
-              <a:ext uri="{FF2B5EF4-FFF2-40B4-BE49-F238E27FC236}">
-                <a16:creationId xmlns:a16="http://schemas.microsoft.com/office/drawing/2014/main" id="{C3C89236-FE90-4DE7-8BC2-956EFF35CCF7}"/>
-              </a:ext>
-            </a:extLst>
-          </p:cNvPr>
-          <p:cNvSpPr txBox="1"/>
-          <p:nvPr/>
-        </p:nvSpPr>
-        <p:spPr>
-          <a:xfrm>
-            <a:off x="247345" y="153579"/>
-            <a:ext cx="819455" cy="707886"/>
-          </a:xfrm>
-          <a:prstGeom prst="rect">
-            <a:avLst/>
-          </a:prstGeom>
-          <a:noFill/>
-        </p:spPr>
-        <p:txBody>
-          <a:bodyPr wrap="none" rtlCol="0">
-            <a:spAutoFit/>
-          </a:bodyPr>
-          <a:lstStyle/>
-          <a:p>
-            <a:r>
-              <a:rPr lang="en-US" altLang="ko-KR" sz="4000">
-                <a:solidFill>
-                  <a:schemeClr val="bg1"/>
-                </a:solidFill>
-                <a:latin typeface="나눔스퀘어" panose="020B0600000101010101" pitchFamily="50" charset="-127"/>
-                <a:ea typeface="나눔스퀘어" panose="020B0600000101010101" pitchFamily="50" charset="-127"/>
-              </a:rPr>
-              <a:t>01</a:t>
-            </a:r>
-            <a:endParaRPr lang="ko-KR" altLang="en-US" sz="4000">
-              <a:solidFill>
-                <a:schemeClr val="bg1"/>
-              </a:solidFill>
-              <a:latin typeface="나눔스퀘어" panose="020B0600000101010101" pitchFamily="50" charset="-127"/>
-              <a:ea typeface="나눔스퀘어" panose="020B0600000101010101" pitchFamily="50" charset="-127"/>
-            </a:endParaRPr>
-          </a:p>
-        </p:txBody>
-      </p:sp>
-      <p:sp>
-        <p:nvSpPr>
-          <p:cNvPr id="5" name="TextBox 4">
-            <a:extLst>
-              <a:ext uri="{FF2B5EF4-FFF2-40B4-BE49-F238E27FC236}">
-                <a16:creationId xmlns:a16="http://schemas.microsoft.com/office/drawing/2014/main" id="{FFE3C59D-CA1A-40C0-820E-B3F77010BFDD}"/>
-              </a:ext>
-            </a:extLst>
-          </p:cNvPr>
-          <p:cNvSpPr txBox="1"/>
-          <p:nvPr/>
-        </p:nvSpPr>
-        <p:spPr>
-          <a:xfrm>
-            <a:off x="1166813" y="150882"/>
-            <a:ext cx="2315057" cy="707886"/>
-          </a:xfrm>
-          <a:prstGeom prst="rect">
-            <a:avLst/>
-          </a:prstGeom>
-          <a:noFill/>
-        </p:spPr>
-        <p:txBody>
-          <a:bodyPr wrap="none" rtlCol="0">
-            <a:spAutoFit/>
-          </a:bodyPr>
-          <a:lstStyle/>
-          <a:p>
-            <a:pPr algn="ctr"/>
-            <a:r>
-              <a:rPr lang="en-US" altLang="ko-KR" sz="2000">
-                <a:solidFill>
-                  <a:schemeClr val="bg1"/>
-                </a:solidFill>
-                <a:latin typeface="나눔스퀘어 ExtraBold" panose="020B0600000101010101" pitchFamily="50" charset="-127"/>
-                <a:ea typeface="나눔스퀘어 ExtraBold" panose="020B0600000101010101" pitchFamily="50" charset="-127"/>
-              </a:rPr>
-              <a:t>Instagram id</a:t>
-            </a:r>
-          </a:p>
-          <a:p>
-            <a:pPr algn="ctr"/>
-            <a:r>
-              <a:rPr lang="en-US" altLang="ko-KR" sz="2000">
-                <a:solidFill>
-                  <a:schemeClr val="bg1"/>
-                </a:solidFill>
-                <a:latin typeface="나눔스퀘어 ExtraBold" panose="020B0600000101010101" pitchFamily="50" charset="-127"/>
-                <a:ea typeface="나눔스퀘어 ExtraBold" panose="020B0600000101010101" pitchFamily="50" charset="-127"/>
-              </a:rPr>
-              <a:t>: jasaeng_official</a:t>
-            </a:r>
-            <a:endParaRPr lang="ko-KR" altLang="en-US" sz="2000">
-              <a:solidFill>
-                <a:schemeClr val="bg1"/>
-              </a:solidFill>
-              <a:latin typeface="나눔스퀘어 ExtraBold" panose="020B0600000101010101" pitchFamily="50" charset="-127"/>
-              <a:ea typeface="나눔스퀘어 ExtraBold" panose="020B0600000101010101" pitchFamily="50" charset="-127"/>
-            </a:endParaRPr>
-          </a:p>
-        </p:txBody>
-      </p:sp>
-      <p:pic>
-        <p:nvPicPr>
-          <p:cNvPr id="7" name="그림 6">
-            <a:extLst>
-              <a:ext uri="{FF2B5EF4-FFF2-40B4-BE49-F238E27FC236}">
-                <a16:creationId xmlns:a16="http://schemas.microsoft.com/office/drawing/2014/main" id="{6B885F65-0EAD-4C87-AB88-ABE86108AD9C}"/>
-              </a:ext>
-            </a:extLst>
-          </p:cNvPr>
-          <p:cNvPicPr>
-            <a:picLocks noChangeAspect="1"/>
-          </p:cNvPicPr>
-          <p:nvPr/>
-        </p:nvPicPr>
-        <p:blipFill>
-          <a:blip r:embed="rId3">
-            <a:extLst>
-              <a:ext uri="{BEBA8EAE-BF5A-486C-A8C5-ECC9F3942E4B}">
-                <a14:imgProps xmlns:a14="http://schemas.microsoft.com/office/drawing/2010/main">
-                  <a14:imgLayer r:embed="rId4">
-                    <a14:imgEffect>
-                      <a14:saturation sat="0"/>
-                    </a14:imgEffect>
-                  </a14:imgLayer>
-                </a14:imgProps>
-              </a:ext>
-              <a:ext uri="{28A0092B-C50C-407E-A947-70E740481C1C}">
-                <a14:useLocalDpi xmlns:a14="http://schemas.microsoft.com/office/drawing/2010/main" val="0"/>
-              </a:ext>
-            </a:extLst>
-          </a:blip>
-          <a:stretch>
-            <a:fillRect/>
-          </a:stretch>
-        </p:blipFill>
-        <p:spPr>
-          <a:xfrm>
-            <a:off x="885826" y="2047875"/>
-            <a:ext cx="3952874" cy="3952874"/>
-          </a:xfrm>
-          <a:prstGeom prst="rect">
-            <a:avLst/>
-          </a:prstGeom>
-          <a:effectLst>
-            <a:outerShdw blurRad="50800" dist="38100" dir="2700000" algn="tl" rotWithShape="0">
-              <a:prstClr val="black">
-                <a:alpha val="40000"/>
-              </a:prstClr>
-            </a:outerShdw>
-          </a:effectLst>
-        </p:spPr>
-      </p:pic>
-      <p:sp>
-        <p:nvSpPr>
-          <p:cNvPr id="8" name="직사각형 7">
-            <a:extLst>
-              <a:ext uri="{FF2B5EF4-FFF2-40B4-BE49-F238E27FC236}">
-                <a16:creationId xmlns:a16="http://schemas.microsoft.com/office/drawing/2014/main" id="{380A78AD-3F00-45A5-8BAD-908BDE8FCE1E}"/>
-              </a:ext>
-            </a:extLst>
-          </p:cNvPr>
-          <p:cNvSpPr/>
-          <p:nvPr/>
-        </p:nvSpPr>
-        <p:spPr>
-          <a:xfrm>
-            <a:off x="723900" y="1895475"/>
-            <a:ext cx="4276725" cy="4276725"/>
-          </a:xfrm>
-          <a:prstGeom prst="rect">
-            <a:avLst/>
-          </a:prstGeom>
-          <a:noFill/>
-          <a:ln>
-            <a:solidFill>
-              <a:srgbClr val="677787"/>
-            </a:solidFill>
-          </a:ln>
-        </p:spPr>
-        <p:style>
-          <a:lnRef idx="2">
-            <a:schemeClr val="accent1">
-              <a:shade val="50000"/>
-            </a:schemeClr>
-          </a:lnRef>
-          <a:fillRef idx="1">
-            <a:schemeClr val="accent1"/>
-          </a:fillRef>
-          <a:effectRef idx="0">
-            <a:schemeClr val="accent1"/>
-          </a:effectRef>
-          <a:fontRef idx="minor">
-            <a:schemeClr val="lt1"/>
-          </a:fontRef>
-        </p:style>
-        <p:txBody>
-          <a:bodyPr rtlCol="0" anchor="ctr"/>
-          <a:lstStyle/>
-          <a:p>
-            <a:pPr algn="ctr"/>
-            <a:endParaRPr lang="ko-KR" altLang="en-US"/>
-          </a:p>
-        </p:txBody>
-      </p:sp>
-      <p:sp>
-        <p:nvSpPr>
-          <p:cNvPr id="23" name="TextBox 22">
-            <a:extLst>
-              <a:ext uri="{FF2B5EF4-FFF2-40B4-BE49-F238E27FC236}">
-                <a16:creationId xmlns:a16="http://schemas.microsoft.com/office/drawing/2014/main" id="{A4CFC041-DC3B-4BE2-922B-C5A3641B0E69}"/>
-              </a:ext>
-            </a:extLst>
-          </p:cNvPr>
-          <p:cNvSpPr txBox="1"/>
-          <p:nvPr/>
-        </p:nvSpPr>
-        <p:spPr>
-          <a:xfrm>
-            <a:off x="6096000" y="2047875"/>
-            <a:ext cx="4902304" cy="677108"/>
-          </a:xfrm>
-          <a:prstGeom prst="rect">
-            <a:avLst/>
-          </a:prstGeom>
-          <a:noFill/>
-        </p:spPr>
-        <p:txBody>
-          <a:bodyPr wrap="none" rtlCol="0">
-            <a:spAutoFit/>
-          </a:bodyPr>
-          <a:lstStyle/>
-          <a:p>
-            <a:r>
-              <a:rPr lang="ko-KR" altLang="en-US" sz="3800">
-                <a:solidFill>
-                  <a:srgbClr val="677787"/>
-                </a:solidFill>
-                <a:latin typeface="나눔스퀘어 ExtraBold" panose="020B0600000101010101" pitchFamily="50" charset="-127"/>
-                <a:ea typeface="나눔스퀘어 ExtraBold" panose="020B0600000101010101" pitchFamily="50" charset="-127"/>
-              </a:rPr>
-              <a:t>여기에는 내용입력해요</a:t>
-            </a:r>
-            <a:r>
-              <a:rPr lang="en-US" altLang="ko-KR" sz="3800">
-                <a:solidFill>
-                  <a:srgbClr val="677787"/>
-                </a:solidFill>
-                <a:latin typeface="나눔스퀘어 ExtraBold" panose="020B0600000101010101" pitchFamily="50" charset="-127"/>
-                <a:ea typeface="나눔스퀘어 ExtraBold" panose="020B0600000101010101" pitchFamily="50" charset="-127"/>
-              </a:rPr>
-              <a:t>!</a:t>
-            </a:r>
-            <a:endParaRPr lang="ko-KR" altLang="en-US" sz="3800">
-              <a:solidFill>
-                <a:srgbClr val="677787"/>
-              </a:solidFill>
-              <a:latin typeface="나눔스퀘어 ExtraBold" panose="020B0600000101010101" pitchFamily="50" charset="-127"/>
-              <a:ea typeface="나눔스퀘어 ExtraBold" panose="020B0600000101010101" pitchFamily="50" charset="-127"/>
-            </a:endParaRPr>
-          </a:p>
-        </p:txBody>
-      </p:sp>
-      <p:sp>
-        <p:nvSpPr>
-          <p:cNvPr id="24" name="TextBox 23">
-            <a:extLst>
-              <a:ext uri="{FF2B5EF4-FFF2-40B4-BE49-F238E27FC236}">
-                <a16:creationId xmlns:a16="http://schemas.microsoft.com/office/drawing/2014/main" id="{4909A046-B56C-4A7C-A5CC-53E3EA47CF86}"/>
-              </a:ext>
-            </a:extLst>
-          </p:cNvPr>
-          <p:cNvSpPr txBox="1"/>
-          <p:nvPr/>
-        </p:nvSpPr>
-        <p:spPr>
-          <a:xfrm>
-            <a:off x="6412593" y="2880099"/>
-            <a:ext cx="4269117" cy="1097801"/>
-          </a:xfrm>
-          <a:prstGeom prst="rect">
-            <a:avLst/>
-          </a:prstGeom>
-          <a:noFill/>
-        </p:spPr>
-        <p:txBody>
-          <a:bodyPr wrap="none" rtlCol="0">
-            <a:spAutoFit/>
-          </a:bodyPr>
-          <a:lstStyle/>
-          <a:p>
-            <a:pPr>
-              <a:lnSpc>
-                <a:spcPct val="150000"/>
-              </a:lnSpc>
-            </a:pPr>
-            <a:r>
-              <a:rPr lang="ko-KR" altLang="en-US" sz="1500">
-                <a:solidFill>
-                  <a:schemeClr val="tx1">
-                    <a:lumMod val="75000"/>
-                    <a:lumOff val="25000"/>
-                  </a:schemeClr>
-                </a:solidFill>
-                <a:latin typeface="나눔스퀘어 Bold" panose="020B0600000101010101" pitchFamily="50" charset="-127"/>
-                <a:ea typeface="나눔스퀘어 Bold" panose="020B0600000101010101" pitchFamily="50" charset="-127"/>
-              </a:rPr>
-              <a:t>여기에는 내용을 입력해요 여기에는 내용을 입력해요</a:t>
-            </a:r>
-            <a:endParaRPr lang="en-US" altLang="ko-KR" sz="1500">
-              <a:solidFill>
-                <a:schemeClr val="tx1">
-                  <a:lumMod val="75000"/>
-                  <a:lumOff val="25000"/>
-                </a:schemeClr>
-              </a:solidFill>
-              <a:latin typeface="나눔스퀘어 Bold" panose="020B0600000101010101" pitchFamily="50" charset="-127"/>
-              <a:ea typeface="나눔스퀘어 Bold" panose="020B0600000101010101" pitchFamily="50" charset="-127"/>
-            </a:endParaRPr>
-          </a:p>
-          <a:p>
-            <a:pPr>
-              <a:lnSpc>
-                <a:spcPct val="150000"/>
-              </a:lnSpc>
-            </a:pPr>
-            <a:r>
-              <a:rPr lang="ko-KR" altLang="en-US" sz="1500">
-                <a:solidFill>
-                  <a:schemeClr val="tx1">
-                    <a:lumMod val="75000"/>
-                    <a:lumOff val="25000"/>
-                  </a:schemeClr>
-                </a:solidFill>
-                <a:latin typeface="나눔스퀘어 Bold" panose="020B0600000101010101" pitchFamily="50" charset="-127"/>
-                <a:ea typeface="나눔스퀘어 Bold" panose="020B0600000101010101" pitchFamily="50" charset="-127"/>
-              </a:rPr>
-              <a:t>여기에는 내용을 입력해요 여기에는 내용을 입력해요</a:t>
-            </a:r>
-          </a:p>
-          <a:p>
-            <a:pPr>
-              <a:lnSpc>
-                <a:spcPct val="150000"/>
-              </a:lnSpc>
-            </a:pPr>
-            <a:r>
-              <a:rPr lang="ko-KR" altLang="en-US" sz="1500">
-                <a:solidFill>
-                  <a:schemeClr val="tx1">
-                    <a:lumMod val="75000"/>
-                    <a:lumOff val="25000"/>
-                  </a:schemeClr>
-                </a:solidFill>
-                <a:latin typeface="나눔스퀘어 Bold" panose="020B0600000101010101" pitchFamily="50" charset="-127"/>
-                <a:ea typeface="나눔스퀘어 Bold" panose="020B0600000101010101" pitchFamily="50" charset="-127"/>
-              </a:rPr>
-              <a:t>여기에는 내용을 입력해요 여기에는 내용을 입력해요</a:t>
-            </a:r>
-            <a:endParaRPr lang="en-US" altLang="ko-KR" sz="1500">
-              <a:solidFill>
-                <a:schemeClr val="tx1">
-                  <a:lumMod val="75000"/>
-                  <a:lumOff val="25000"/>
-                </a:schemeClr>
-              </a:solidFill>
-              <a:latin typeface="나눔스퀘어 Bold" panose="020B0600000101010101" pitchFamily="50" charset="-127"/>
-              <a:ea typeface="나눔스퀘어 Bold" panose="020B0600000101010101" pitchFamily="50" charset="-127"/>
-            </a:endParaRPr>
-          </a:p>
-        </p:txBody>
-      </p:sp>
-      <p:sp>
-        <p:nvSpPr>
-          <p:cNvPr id="25" name="타원 24">
-            <a:extLst>
-              <a:ext uri="{FF2B5EF4-FFF2-40B4-BE49-F238E27FC236}">
-                <a16:creationId xmlns:a16="http://schemas.microsoft.com/office/drawing/2014/main" id="{67A9F06B-28DC-45C2-A5A4-F4662227D158}"/>
-              </a:ext>
-            </a:extLst>
-          </p:cNvPr>
-          <p:cNvSpPr/>
-          <p:nvPr/>
-        </p:nvSpPr>
-        <p:spPr>
-          <a:xfrm>
-            <a:off x="6476763" y="4300539"/>
-            <a:ext cx="876300" cy="876300"/>
-          </a:xfrm>
-          <a:prstGeom prst="ellipse">
-            <a:avLst/>
-          </a:prstGeom>
-          <a:solidFill>
-            <a:srgbClr val="677787"/>
-          </a:solidFill>
-          <a:ln>
-            <a:noFill/>
-          </a:ln>
-        </p:spPr>
-        <p:style>
-          <a:lnRef idx="2">
-            <a:schemeClr val="accent1">
-              <a:shade val="50000"/>
-            </a:schemeClr>
-          </a:lnRef>
-          <a:fillRef idx="1">
-            <a:schemeClr val="accent1"/>
-          </a:fillRef>
-          <a:effectRef idx="0">
-            <a:schemeClr val="accent1"/>
-          </a:effectRef>
-          <a:fontRef idx="minor">
-            <a:schemeClr val="lt1"/>
-          </a:fontRef>
-        </p:style>
-        <p:txBody>
-          <a:bodyPr rtlCol="0" anchor="ctr"/>
-          <a:lstStyle/>
-          <a:p>
-            <a:pPr algn="ctr"/>
-            <a:endParaRPr lang="ko-KR" altLang="en-US"/>
-          </a:p>
-        </p:txBody>
-      </p:sp>
-      <p:pic>
-        <p:nvPicPr>
-          <p:cNvPr id="28" name="그림 27">
-            <a:extLst>
-              <a:ext uri="{FF2B5EF4-FFF2-40B4-BE49-F238E27FC236}">
-                <a16:creationId xmlns:a16="http://schemas.microsoft.com/office/drawing/2014/main" id="{D3F4E1A8-0217-415D-94DE-96E1E4D3B1A8}"/>
-              </a:ext>
-            </a:extLst>
-          </p:cNvPr>
-          <p:cNvPicPr>
-            <a:picLocks noChangeAspect="1"/>
-          </p:cNvPicPr>
-          <p:nvPr/>
-        </p:nvPicPr>
-        <p:blipFill>
-          <a:blip r:embed="rId5" cstate="hqprint">
-            <a:extLst>
-              <a:ext uri="{28A0092B-C50C-407E-A947-70E740481C1C}">
-                <a14:useLocalDpi xmlns:a14="http://schemas.microsoft.com/office/drawing/2010/main" val="0"/>
-              </a:ext>
-            </a:extLst>
-          </a:blip>
-          <a:stretch>
-            <a:fillRect/>
-          </a:stretch>
-        </p:blipFill>
-        <p:spPr>
-          <a:xfrm>
-            <a:off x="6717124" y="4540900"/>
-            <a:ext cx="395578" cy="395578"/>
-          </a:xfrm>
-          <a:prstGeom prst="rect">
-            <a:avLst/>
-          </a:prstGeom>
-        </p:spPr>
-      </p:pic>
-      <p:sp>
-        <p:nvSpPr>
-          <p:cNvPr id="26" name="타원 25">
-            <a:extLst>
-              <a:ext uri="{FF2B5EF4-FFF2-40B4-BE49-F238E27FC236}">
-                <a16:creationId xmlns:a16="http://schemas.microsoft.com/office/drawing/2014/main" id="{CD278698-2FD4-4BC0-8FE4-9437C53F2885}"/>
-              </a:ext>
-            </a:extLst>
-          </p:cNvPr>
-          <p:cNvSpPr/>
-          <p:nvPr/>
-        </p:nvSpPr>
-        <p:spPr>
-          <a:xfrm>
-            <a:off x="8029337" y="4259533"/>
-            <a:ext cx="876300" cy="876300"/>
-          </a:xfrm>
-          <a:prstGeom prst="ellipse">
-            <a:avLst/>
-          </a:prstGeom>
-          <a:solidFill>
-            <a:srgbClr val="677787"/>
-          </a:solidFill>
-          <a:ln>
-            <a:noFill/>
-          </a:ln>
-        </p:spPr>
-        <p:style>
-          <a:lnRef idx="2">
-            <a:schemeClr val="accent1">
-              <a:shade val="50000"/>
-            </a:schemeClr>
-          </a:lnRef>
-          <a:fillRef idx="1">
-            <a:schemeClr val="accent1"/>
-          </a:fillRef>
-          <a:effectRef idx="0">
-            <a:schemeClr val="accent1"/>
-          </a:effectRef>
-          <a:fontRef idx="minor">
-            <a:schemeClr val="lt1"/>
-          </a:fontRef>
-        </p:style>
-        <p:txBody>
-          <a:bodyPr rtlCol="0" anchor="ctr"/>
-          <a:lstStyle/>
-          <a:p>
-            <a:pPr algn="ctr"/>
-            <a:endParaRPr lang="ko-KR" altLang="en-US"/>
-          </a:p>
-        </p:txBody>
-      </p:sp>
-      <p:pic>
-        <p:nvPicPr>
-          <p:cNvPr id="29" name="그림 28">
-            <a:extLst>
-              <a:ext uri="{FF2B5EF4-FFF2-40B4-BE49-F238E27FC236}">
-                <a16:creationId xmlns:a16="http://schemas.microsoft.com/office/drawing/2014/main" id="{98178F09-A482-4561-A261-5C4696790FEC}"/>
-              </a:ext>
-            </a:extLst>
-          </p:cNvPr>
-          <p:cNvPicPr>
-            <a:picLocks noChangeAspect="1"/>
-          </p:cNvPicPr>
-          <p:nvPr/>
-        </p:nvPicPr>
-        <p:blipFill>
-          <a:blip r:embed="rId6" cstate="hqprint">
-            <a:extLst>
-              <a:ext uri="{28A0092B-C50C-407E-A947-70E740481C1C}">
-                <a14:useLocalDpi xmlns:a14="http://schemas.microsoft.com/office/drawing/2010/main" val="0"/>
-              </a:ext>
-            </a:extLst>
-          </a:blip>
-          <a:stretch>
-            <a:fillRect/>
-          </a:stretch>
-        </p:blipFill>
-        <p:spPr>
-          <a:xfrm>
-            <a:off x="8253327" y="4480987"/>
-            <a:ext cx="428320" cy="428320"/>
-          </a:xfrm>
-          <a:prstGeom prst="rect">
-            <a:avLst/>
-          </a:prstGeom>
-        </p:spPr>
-      </p:pic>
-      <p:sp>
-        <p:nvSpPr>
-          <p:cNvPr id="27" name="타원 26">
-            <a:extLst>
-              <a:ext uri="{FF2B5EF4-FFF2-40B4-BE49-F238E27FC236}">
-                <a16:creationId xmlns:a16="http://schemas.microsoft.com/office/drawing/2014/main" id="{17C7A173-62E1-4ED3-9049-E5DF4B3D303A}"/>
-              </a:ext>
-            </a:extLst>
-          </p:cNvPr>
-          <p:cNvSpPr/>
-          <p:nvPr/>
-        </p:nvSpPr>
-        <p:spPr>
-          <a:xfrm>
-            <a:off x="9629469" y="4256997"/>
-            <a:ext cx="876300" cy="876300"/>
-          </a:xfrm>
-          <a:prstGeom prst="ellipse">
-            <a:avLst/>
-          </a:prstGeom>
-          <a:solidFill>
-            <a:srgbClr val="677787"/>
-          </a:solidFill>
-          <a:ln>
-            <a:noFill/>
-          </a:ln>
-        </p:spPr>
-        <p:style>
-          <a:lnRef idx="2">
-            <a:schemeClr val="accent1">
-              <a:shade val="50000"/>
-            </a:schemeClr>
-          </a:lnRef>
-          <a:fillRef idx="1">
-            <a:schemeClr val="accent1"/>
-          </a:fillRef>
-          <a:effectRef idx="0">
-            <a:schemeClr val="accent1"/>
-          </a:effectRef>
-          <a:fontRef idx="minor">
-            <a:schemeClr val="lt1"/>
-          </a:fontRef>
-        </p:style>
-        <p:txBody>
-          <a:bodyPr rtlCol="0" anchor="ctr"/>
-          <a:lstStyle/>
-          <a:p>
-            <a:pPr algn="ctr"/>
-            <a:endParaRPr lang="ko-KR" altLang="en-US"/>
-          </a:p>
-        </p:txBody>
-      </p:sp>
-      <p:pic>
-        <p:nvPicPr>
-          <p:cNvPr id="30" name="그림 29">
-            <a:extLst>
-              <a:ext uri="{FF2B5EF4-FFF2-40B4-BE49-F238E27FC236}">
-                <a16:creationId xmlns:a16="http://schemas.microsoft.com/office/drawing/2014/main" id="{BEE1A512-324C-48EB-B67B-F1CDBDABED5B}"/>
-              </a:ext>
-            </a:extLst>
-          </p:cNvPr>
-          <p:cNvPicPr>
-            <a:picLocks noChangeAspect="1"/>
-          </p:cNvPicPr>
-          <p:nvPr/>
-        </p:nvPicPr>
-        <p:blipFill>
-          <a:blip r:embed="rId7" cstate="hqprint">
-            <a:extLst>
-              <a:ext uri="{28A0092B-C50C-407E-A947-70E740481C1C}">
-                <a14:useLocalDpi xmlns:a14="http://schemas.microsoft.com/office/drawing/2010/main" val="0"/>
-              </a:ext>
-            </a:extLst>
-          </a:blip>
-          <a:stretch>
-            <a:fillRect/>
-          </a:stretch>
-        </p:blipFill>
-        <p:spPr>
-          <a:xfrm>
-            <a:off x="9784319" y="4429781"/>
-            <a:ext cx="566600" cy="566600"/>
-          </a:xfrm>
-          <a:prstGeom prst="rect">
-            <a:avLst/>
-          </a:prstGeom>
-        </p:spPr>
-      </p:pic>
-      <p:sp>
-        <p:nvSpPr>
-          <p:cNvPr id="33" name="TextBox 32">
-            <a:extLst>
-              <a:ext uri="{FF2B5EF4-FFF2-40B4-BE49-F238E27FC236}">
-                <a16:creationId xmlns:a16="http://schemas.microsoft.com/office/drawing/2014/main" id="{5FE9EBB9-C556-4114-A8E7-3320165F9F96}"/>
-              </a:ext>
-            </a:extLst>
-          </p:cNvPr>
-          <p:cNvSpPr txBox="1"/>
-          <p:nvPr/>
-        </p:nvSpPr>
-        <p:spPr>
-          <a:xfrm>
-            <a:off x="6268743" y="5280553"/>
-            <a:ext cx="1292341" cy="369332"/>
-          </a:xfrm>
-          <a:prstGeom prst="rect">
-            <a:avLst/>
-          </a:prstGeom>
-          <a:noFill/>
-        </p:spPr>
-        <p:txBody>
-          <a:bodyPr wrap="none" rtlCol="0">
-            <a:spAutoFit/>
-          </a:bodyPr>
-          <a:lstStyle/>
-          <a:p>
-            <a:r>
-              <a:rPr lang="ko-KR" altLang="en-US">
-                <a:solidFill>
-                  <a:srgbClr val="677787"/>
-                </a:solidFill>
-                <a:latin typeface="나눔스퀘어 ExtraBold" panose="020B0600000101010101" pitchFamily="50" charset="-127"/>
-                <a:ea typeface="나눔스퀘어 ExtraBold" panose="020B0600000101010101" pitchFamily="50" charset="-127"/>
-              </a:rPr>
-              <a:t>인스타 계정</a:t>
-            </a:r>
-          </a:p>
-        </p:txBody>
-      </p:sp>
-      <p:sp>
-        <p:nvSpPr>
-          <p:cNvPr id="34" name="TextBox 33">
-            <a:extLst>
-              <a:ext uri="{FF2B5EF4-FFF2-40B4-BE49-F238E27FC236}">
-                <a16:creationId xmlns:a16="http://schemas.microsoft.com/office/drawing/2014/main" id="{E2285D23-A6A8-4E93-8408-9B75E90E9FD9}"/>
-              </a:ext>
-            </a:extLst>
-          </p:cNvPr>
-          <p:cNvSpPr txBox="1"/>
-          <p:nvPr/>
-        </p:nvSpPr>
-        <p:spPr>
-          <a:xfrm>
-            <a:off x="7821317" y="5280553"/>
-            <a:ext cx="1292341" cy="369332"/>
-          </a:xfrm>
-          <a:prstGeom prst="rect">
-            <a:avLst/>
-          </a:prstGeom>
-          <a:noFill/>
-        </p:spPr>
-        <p:txBody>
-          <a:bodyPr wrap="none" rtlCol="0">
-            <a:spAutoFit/>
-          </a:bodyPr>
-          <a:lstStyle/>
-          <a:p>
-            <a:r>
-              <a:rPr lang="ko-KR" altLang="en-US">
-                <a:solidFill>
-                  <a:srgbClr val="677787"/>
-                </a:solidFill>
-                <a:latin typeface="나눔스퀘어 ExtraBold" panose="020B0600000101010101" pitchFamily="50" charset="-127"/>
-                <a:ea typeface="나눔스퀘어 ExtraBold" panose="020B0600000101010101" pitchFamily="50" charset="-127"/>
-              </a:rPr>
-              <a:t>콘텐츠 내용</a:t>
-            </a:r>
-          </a:p>
-        </p:txBody>
-      </p:sp>
-      <p:sp>
-        <p:nvSpPr>
-          <p:cNvPr id="35" name="TextBox 34">
-            <a:extLst>
-              <a:ext uri="{FF2B5EF4-FFF2-40B4-BE49-F238E27FC236}">
-                <a16:creationId xmlns:a16="http://schemas.microsoft.com/office/drawing/2014/main" id="{FF8B063F-0A53-4ABB-8785-19AE6B1766B0}"/>
-              </a:ext>
-            </a:extLst>
-          </p:cNvPr>
-          <p:cNvSpPr txBox="1"/>
-          <p:nvPr/>
-        </p:nvSpPr>
-        <p:spPr>
-          <a:xfrm>
-            <a:off x="9450303" y="5306081"/>
-            <a:ext cx="1234633" cy="369332"/>
-          </a:xfrm>
-          <a:prstGeom prst="rect">
-            <a:avLst/>
-          </a:prstGeom>
-          <a:noFill/>
-        </p:spPr>
-        <p:txBody>
-          <a:bodyPr wrap="none" rtlCol="0">
-            <a:spAutoFit/>
-          </a:bodyPr>
-          <a:lstStyle/>
-          <a:p>
-            <a:r>
-              <a:rPr lang="ko-KR" altLang="en-US">
-                <a:solidFill>
-                  <a:srgbClr val="677787"/>
-                </a:solidFill>
-                <a:latin typeface="나눔스퀘어 ExtraBold" panose="020B0600000101010101" pitchFamily="50" charset="-127"/>
-                <a:ea typeface="나눔스퀘어 ExtraBold" panose="020B0600000101010101" pitchFamily="50" charset="-127"/>
-              </a:rPr>
-              <a:t>팔로우해요</a:t>
-            </a:r>
-          </a:p>
-        </p:txBody>
-      </p:sp>
-    </p:spTree>
-    <p:extLst>
-      <p:ext uri="{BB962C8B-B14F-4D97-AF65-F5344CB8AC3E}">
-        <p14:creationId xmlns:p14="http://schemas.microsoft.com/office/powerpoint/2010/main" val="2085949796"/>
-      </p:ext>
-    </p:extLst>
-  </p:cSld>
-  <p:clrMapOvr>
-    <a:overrideClrMapping bg1="lt1" tx1="dk1" bg2="lt2" tx2="dk2" accent1="accent1" accent2="accent2" accent3="accent3" accent4="accent4" accent5="accent5" accent6="accent6" hlink="hlink" folHlink="folHlink"/>
-  </p:clrMapOvr>
-</p:sld>
-</file>
-
-<file path=ppt/slides/slide13.xml><?xml version="1.0" encoding="utf-8"?>
-<p:sld xmlns:a="http://schemas.openxmlformats.org/drawingml/2006/main" xmlns:r="http://schemas.openxmlformats.org/officeDocument/2006/relationships" xmlns:p="http://schemas.openxmlformats.org/presentationml/2006/main">
-  <p:cSld>
-    <p:bg>
-      <p:bgPr>
-        <a:solidFill>
-          <a:srgbClr val="677787"/>
-        </a:solidFill>
-        <a:effectLst/>
-      </p:bgPr>
-    </p:bg>
-    <p:spTree>
-      <p:nvGrpSpPr>
-        <p:cNvPr id="1" name=""/>
-        <p:cNvGrpSpPr/>
-        <p:nvPr/>
-      </p:nvGrpSpPr>
-      <p:grpSpPr>
-        <a:xfrm>
-          <a:off x="0" y="0"/>
-          <a:ext cx="0" cy="0"/>
-          <a:chOff x="0" y="0"/>
-          <a:chExt cx="0" cy="0"/>
-        </a:xfrm>
-      </p:grpSpPr>
-      <p:sp>
-        <p:nvSpPr>
-          <p:cNvPr id="11" name="직사각형 10">
-            <a:extLst>
-              <a:ext uri="{FF2B5EF4-FFF2-40B4-BE49-F238E27FC236}">
-                <a16:creationId xmlns:a16="http://schemas.microsoft.com/office/drawing/2014/main" id="{55F3F8B0-E0C6-4C18-B2DB-30C9531556E3}"/>
-              </a:ext>
-            </a:extLst>
-          </p:cNvPr>
-          <p:cNvSpPr/>
-          <p:nvPr/>
-        </p:nvSpPr>
-        <p:spPr>
-          <a:xfrm>
-            <a:off x="3309938" y="1476375"/>
-            <a:ext cx="5572125" cy="3905250"/>
-          </a:xfrm>
-          <a:prstGeom prst="rect">
-            <a:avLst/>
-          </a:prstGeom>
-          <a:noFill/>
-          <a:ln w="130175">
-            <a:solidFill>
-              <a:schemeClr val="bg1"/>
-            </a:solidFill>
-          </a:ln>
-          <a:effectLst>
-            <a:outerShdw blurRad="50800" dist="38100" dir="2700000" algn="tl" rotWithShape="0">
-              <a:prstClr val="black">
-                <a:alpha val="40000"/>
-              </a:prstClr>
-            </a:outerShdw>
-          </a:effectLst>
-        </p:spPr>
-        <p:style>
-          <a:lnRef idx="2">
-            <a:schemeClr val="accent1">
-              <a:shade val="50000"/>
-            </a:schemeClr>
-          </a:lnRef>
-          <a:fillRef idx="1">
-            <a:schemeClr val="accent1"/>
-          </a:fillRef>
-          <a:effectRef idx="0">
-            <a:schemeClr val="accent1"/>
-          </a:effectRef>
-          <a:fontRef idx="minor">
-            <a:schemeClr val="lt1"/>
-          </a:fontRef>
-        </p:style>
-        <p:txBody>
-          <a:bodyPr rtlCol="0" anchor="ctr"/>
-          <a:lstStyle/>
-          <a:p>
-            <a:pPr algn="ctr"/>
-            <a:endParaRPr lang="ko-KR" altLang="en-US"/>
-          </a:p>
-        </p:txBody>
-      </p:sp>
-      <p:sp>
-        <p:nvSpPr>
-          <p:cNvPr id="12" name="TextBox 11">
-            <a:extLst>
-              <a:ext uri="{FF2B5EF4-FFF2-40B4-BE49-F238E27FC236}">
-                <a16:creationId xmlns:a16="http://schemas.microsoft.com/office/drawing/2014/main" id="{48373C0B-F427-4675-BA89-CFB9B987AA21}"/>
-              </a:ext>
-            </a:extLst>
-          </p:cNvPr>
-          <p:cNvSpPr txBox="1"/>
-          <p:nvPr/>
-        </p:nvSpPr>
-        <p:spPr>
-          <a:xfrm>
-            <a:off x="4428717" y="2967335"/>
-            <a:ext cx="3334567" cy="923330"/>
-          </a:xfrm>
-          <a:prstGeom prst="rect">
-            <a:avLst/>
-          </a:prstGeom>
-          <a:noFill/>
-        </p:spPr>
-        <p:txBody>
-          <a:bodyPr wrap="none" rtlCol="0">
-            <a:spAutoFit/>
-          </a:bodyPr>
-          <a:lstStyle/>
-          <a:p>
-            <a:pPr algn="ctr"/>
-            <a:r>
-              <a:rPr lang="ko-KR" altLang="en-US" sz="5400">
-                <a:solidFill>
-                  <a:schemeClr val="bg1"/>
-                </a:solidFill>
-                <a:latin typeface="나눔스퀘어 ExtraBold" panose="020B0600000101010101" pitchFamily="50" charset="-127"/>
-                <a:ea typeface="나눔스퀘어 ExtraBold" panose="020B0600000101010101" pitchFamily="50" charset="-127"/>
-              </a:rPr>
-              <a:t>감사합니다</a:t>
-            </a:r>
-          </a:p>
-        </p:txBody>
-      </p:sp>
-    </p:spTree>
-    <p:extLst>
-      <p:ext uri="{BB962C8B-B14F-4D97-AF65-F5344CB8AC3E}">
-        <p14:creationId xmlns:p14="http://schemas.microsoft.com/office/powerpoint/2010/main" val="2269681033"/>
-      </p:ext>
-    </p:extLst>
-  </p:cSld>
-  <p:clrMapOvr>
-    <a:overrideClrMapping bg1="lt1" tx1="dk1" bg2="lt2" tx2="dk2" accent1="accent1" accent2="accent2" accent3="accent3" accent4="accent4" accent5="accent5" accent6="accent6" hlink="hlink" folHlink="folHlink"/>
-  </p:clrMapOvr>
-</p:sld>
-</file>
-
 <file path=ppt/slides/slide2.xml><?xml version="1.0" encoding="utf-8"?>
 <p:sld xmlns:a="http://schemas.openxmlformats.org/drawingml/2006/main" xmlns:r="http://schemas.openxmlformats.org/officeDocument/2006/relationships" xmlns:p="http://schemas.openxmlformats.org/presentationml/2006/main">
   <p:cSld>
@@ -8920,6 +4841,51 @@
                       </p:childTnLst>
                     </p:cTn>
                   </p:par>
+                  <p:par>
+                    <p:cTn id="7" fill="hold">
+                      <p:stCondLst>
+                        <p:cond delay="indefinite"/>
+                      </p:stCondLst>
+                      <p:childTnLst>
+                        <p:par>
+                          <p:cTn id="8" fill="hold">
+                            <p:stCondLst>
+                              <p:cond delay="0"/>
+                            </p:stCondLst>
+                            <p:childTnLst>
+                              <p:par>
+                                <p:cTn id="9" presetID="1" presetClass="entr" presetSubtype="0" fill="hold" nodeType="clickEffect">
+                                  <p:stCondLst>
+                                    <p:cond delay="0"/>
+                                  </p:stCondLst>
+                                  <p:childTnLst>
+                                    <p:set>
+                                      <p:cBhvr>
+                                        <p:cTn id="10" dur="1" fill="hold">
+                                          <p:stCondLst>
+                                            <p:cond delay="0"/>
+                                          </p:stCondLst>
+                                        </p:cTn>
+                                        <p:tgtEl>
+                                          <p:spTgt spid="12"/>
+                                        </p:tgtEl>
+                                        <p:attrNameLst>
+                                          <p:attrName>style.visibility</p:attrName>
+                                        </p:attrNameLst>
+                                      </p:cBhvr>
+                                      <p:to>
+                                        <p:strVal val="visible"/>
+                                      </p:to>
+                                    </p:set>
+                                  </p:childTnLst>
+                                </p:cTn>
+                              </p:par>
+                            </p:childTnLst>
+                          </p:cTn>
+                        </p:par>
+                      </p:childTnLst>
+                    </p:cTn>
+                  </p:par>
                 </p:childTnLst>
               </p:cTn>
               <p:prevCondLst>
@@ -9227,7 +5193,75 @@
   <p:timing>
     <p:tnLst>
       <p:par>
-        <p:cTn id="1" dur="indefinite" restart="never" nodeType="tmRoot"/>
+        <p:cTn id="1" dur="indefinite" restart="never" nodeType="tmRoot">
+          <p:childTnLst>
+            <p:seq concurrent="1" nextAc="seek">
+              <p:cTn id="2" dur="indefinite" nodeType="mainSeq">
+                <p:childTnLst>
+                  <p:par>
+                    <p:cTn id="3" fill="hold">
+                      <p:stCondLst>
+                        <p:cond delay="indefinite"/>
+                      </p:stCondLst>
+                      <p:childTnLst>
+                        <p:par>
+                          <p:cTn id="4" fill="hold">
+                            <p:stCondLst>
+                              <p:cond delay="0"/>
+                            </p:stCondLst>
+                            <p:childTnLst>
+                              <p:par>
+                                <p:cTn id="5" presetID="1" presetClass="entr" presetSubtype="0" fill="hold" nodeType="clickEffect">
+                                  <p:stCondLst>
+                                    <p:cond delay="0"/>
+                                  </p:stCondLst>
+                                  <p:childTnLst>
+                                    <p:set>
+                                      <p:cBhvr>
+                                        <p:cTn id="6" dur="1" fill="hold">
+                                          <p:stCondLst>
+                                            <p:cond delay="0"/>
+                                          </p:stCondLst>
+                                        </p:cTn>
+                                        <p:tgtEl>
+                                          <p:spTgt spid="6"/>
+                                        </p:tgtEl>
+                                        <p:attrNameLst>
+                                          <p:attrName>style.visibility</p:attrName>
+                                        </p:attrNameLst>
+                                      </p:cBhvr>
+                                      <p:to>
+                                        <p:strVal val="visible"/>
+                                      </p:to>
+                                    </p:set>
+                                  </p:childTnLst>
+                                </p:cTn>
+                              </p:par>
+                            </p:childTnLst>
+                          </p:cTn>
+                        </p:par>
+                      </p:childTnLst>
+                    </p:cTn>
+                  </p:par>
+                </p:childTnLst>
+              </p:cTn>
+              <p:prevCondLst>
+                <p:cond evt="onPrev" delay="0">
+                  <p:tgtEl>
+                    <p:sldTgt/>
+                  </p:tgtEl>
+                </p:cond>
+              </p:prevCondLst>
+              <p:nextCondLst>
+                <p:cond evt="onNext" delay="0">
+                  <p:tgtEl>
+                    <p:sldTgt/>
+                  </p:tgtEl>
+                </p:cond>
+              </p:nextCondLst>
+            </p:seq>
+          </p:childTnLst>
+        </p:cTn>
       </p:par>
     </p:tnLst>
   </p:timing>
@@ -9482,6 +5516,29 @@
       </p:sp>
       <p:pic>
         <p:nvPicPr>
+          <p:cNvPr id="9" name="그림 8"/>
+          <p:cNvPicPr>
+            <a:picLocks noChangeAspect="1"/>
+          </p:cNvPicPr>
+          <p:nvPr/>
+        </p:nvPicPr>
+        <p:blipFill rotWithShape="1">
+          <a:blip r:embed="rId3"/>
+          <a:srcRect l="-1399" t="-36215" r="1399" b="36215"/>
+          <a:stretch/>
+        </p:blipFill>
+        <p:spPr>
+          <a:xfrm>
+            <a:off x="247345" y="-1253145"/>
+            <a:ext cx="6537836" cy="6847609"/>
+          </a:xfrm>
+          <a:prstGeom prst="rect">
+            <a:avLst/>
+          </a:prstGeom>
+        </p:spPr>
+      </p:pic>
+      <p:pic>
+        <p:nvPicPr>
           <p:cNvPr id="8" name="그림 7"/>
           <p:cNvPicPr>
             <a:picLocks noChangeAspect="1"/>
@@ -9497,29 +5554,6 @@
           <a:xfrm>
             <a:off x="3338240" y="3183775"/>
             <a:ext cx="8722286" cy="3308464"/>
-          </a:xfrm>
-          <a:prstGeom prst="rect">
-            <a:avLst/>
-          </a:prstGeom>
-        </p:spPr>
-      </p:pic>
-      <p:pic>
-        <p:nvPicPr>
-          <p:cNvPr id="9" name="그림 8"/>
-          <p:cNvPicPr>
-            <a:picLocks noChangeAspect="1"/>
-          </p:cNvPicPr>
-          <p:nvPr/>
-        </p:nvPicPr>
-        <p:blipFill rotWithShape="1">
-          <a:blip r:embed="rId3"/>
-          <a:srcRect l="-1399" t="-36215" r="1399" b="36215"/>
-          <a:stretch/>
-        </p:blipFill>
-        <p:spPr>
-          <a:xfrm>
-            <a:off x="247345" y="-1253145"/>
-            <a:ext cx="6537836" cy="6847609"/>
           </a:xfrm>
           <a:prstGeom prst="rect">
             <a:avLst/>
@@ -9570,7 +5604,7 @@
                                           </p:stCondLst>
                                         </p:cTn>
                                         <p:tgtEl>
-                                          <p:spTgt spid="8"/>
+                                          <p:spTgt spid="9"/>
                                         </p:tgtEl>
                                         <p:attrNameLst>
                                           <p:attrName>style.visibility</p:attrName>
@@ -9615,7 +5649,7 @@
                                           </p:stCondLst>
                                         </p:cTn>
                                         <p:tgtEl>
-                                          <p:spTgt spid="9"/>
+                                          <p:spTgt spid="8"/>
                                         </p:tgtEl>
                                         <p:attrNameLst>
                                           <p:attrName>style.visibility</p:attrName>
@@ -9941,7 +5975,75 @@
   <p:timing>
     <p:tnLst>
       <p:par>
-        <p:cTn id="1" dur="indefinite" restart="never" nodeType="tmRoot"/>
+        <p:cTn id="1" dur="indefinite" restart="never" nodeType="tmRoot">
+          <p:childTnLst>
+            <p:seq concurrent="1" nextAc="seek">
+              <p:cTn id="2" dur="indefinite" nodeType="mainSeq">
+                <p:childTnLst>
+                  <p:par>
+                    <p:cTn id="3" fill="hold">
+                      <p:stCondLst>
+                        <p:cond delay="indefinite"/>
+                      </p:stCondLst>
+                      <p:childTnLst>
+                        <p:par>
+                          <p:cTn id="4" fill="hold">
+                            <p:stCondLst>
+                              <p:cond delay="0"/>
+                            </p:stCondLst>
+                            <p:childTnLst>
+                              <p:par>
+                                <p:cTn id="5" presetID="1" presetClass="entr" presetSubtype="0" fill="hold" nodeType="clickEffect">
+                                  <p:stCondLst>
+                                    <p:cond delay="0"/>
+                                  </p:stCondLst>
+                                  <p:childTnLst>
+                                    <p:set>
+                                      <p:cBhvr>
+                                        <p:cTn id="6" dur="1" fill="hold">
+                                          <p:stCondLst>
+                                            <p:cond delay="0"/>
+                                          </p:stCondLst>
+                                        </p:cTn>
+                                        <p:tgtEl>
+                                          <p:spTgt spid="7"/>
+                                        </p:tgtEl>
+                                        <p:attrNameLst>
+                                          <p:attrName>style.visibility</p:attrName>
+                                        </p:attrNameLst>
+                                      </p:cBhvr>
+                                      <p:to>
+                                        <p:strVal val="visible"/>
+                                      </p:to>
+                                    </p:set>
+                                  </p:childTnLst>
+                                </p:cTn>
+                              </p:par>
+                            </p:childTnLst>
+                          </p:cTn>
+                        </p:par>
+                      </p:childTnLst>
+                    </p:cTn>
+                  </p:par>
+                </p:childTnLst>
+              </p:cTn>
+              <p:prevCondLst>
+                <p:cond evt="onPrev" delay="0">
+                  <p:tgtEl>
+                    <p:sldTgt/>
+                  </p:tgtEl>
+                </p:cond>
+              </p:prevCondLst>
+              <p:nextCondLst>
+                <p:cond evt="onNext" delay="0">
+                  <p:tgtEl>
+                    <p:sldTgt/>
+                  </p:tgtEl>
+                </p:cond>
+              </p:nextCondLst>
+            </p:seq>
+          </p:childTnLst>
+        </p:cTn>
       </p:par>
     </p:tnLst>
   </p:timing>
@@ -10942,10 +7044,7 @@
     <p:bg>
       <p:bgPr>
         <a:solidFill>
-          <a:schemeClr val="bg1">
-            <a:lumMod val="85000"/>
-            <a:alpha val="46000"/>
-          </a:schemeClr>
+          <a:srgbClr val="677787"/>
         </a:solidFill>
         <a:effectLst/>
       </p:bgPr>
@@ -10966,10 +7065,10 @@
       </p:grpSpPr>
       <p:sp>
         <p:nvSpPr>
-          <p:cNvPr id="2" name="직사각형 1">
-            <a:extLst>
-              <a:ext uri="{FF2B5EF4-FFF2-40B4-BE49-F238E27FC236}">
-                <a16:creationId xmlns:a16="http://schemas.microsoft.com/office/drawing/2014/main" id="{EE08F41B-3AD8-4201-97E2-9E6D06762241}"/>
+          <p:cNvPr id="11" name="직사각형 10">
+            <a:extLst>
+              <a:ext uri="{FF2B5EF4-FFF2-40B4-BE49-F238E27FC236}">
+                <a16:creationId xmlns:a16="http://schemas.microsoft.com/office/drawing/2014/main" id="{55F3F8B0-E0C6-4C18-B2DB-30C9531556E3}"/>
               </a:ext>
             </a:extLst>
           </p:cNvPr>
@@ -10978,66 +7077,14 @@
         </p:nvSpPr>
         <p:spPr>
           <a:xfrm>
-            <a:off x="0" y="0"/>
-            <a:ext cx="12192000" cy="1028700"/>
-          </a:xfrm>
-          <a:prstGeom prst="rect">
-            <a:avLst/>
-          </a:prstGeom>
-          <a:solidFill>
-            <a:srgbClr val="677787"/>
-          </a:solidFill>
-          <a:ln>
-            <a:noFill/>
-          </a:ln>
-        </p:spPr>
-        <p:style>
-          <a:lnRef idx="2">
-            <a:schemeClr val="accent1">
-              <a:shade val="50000"/>
-            </a:schemeClr>
-          </a:lnRef>
-          <a:fillRef idx="1">
-            <a:schemeClr val="accent1"/>
-          </a:fillRef>
-          <a:effectRef idx="0">
-            <a:schemeClr val="accent1"/>
-          </a:effectRef>
-          <a:fontRef idx="minor">
-            <a:schemeClr val="lt1"/>
-          </a:fontRef>
-        </p:style>
-        <p:txBody>
-          <a:bodyPr rtlCol="0" anchor="ctr"/>
-          <a:lstStyle/>
-          <a:p>
-            <a:pPr algn="ctr"/>
-            <a:endParaRPr lang="ko-KR" altLang="en-US"/>
-          </a:p>
-        </p:txBody>
-      </p:sp>
-      <p:sp>
-        <p:nvSpPr>
-          <p:cNvPr id="3" name="직사각형 2">
-            <a:extLst>
-              <a:ext uri="{FF2B5EF4-FFF2-40B4-BE49-F238E27FC236}">
-                <a16:creationId xmlns:a16="http://schemas.microsoft.com/office/drawing/2014/main" id="{644B0AF7-FB2B-4D07-B38A-B53750762396}"/>
-              </a:ext>
-            </a:extLst>
-          </p:cNvPr>
-          <p:cNvSpPr/>
-          <p:nvPr/>
-        </p:nvSpPr>
-        <p:spPr>
-          <a:xfrm>
-            <a:off x="147638" y="153579"/>
-            <a:ext cx="919162" cy="675097"/>
+            <a:off x="3309938" y="1476375"/>
+            <a:ext cx="5572125" cy="3905250"/>
           </a:xfrm>
           <a:prstGeom prst="rect">
             <a:avLst/>
           </a:prstGeom>
           <a:noFill/>
-          <a:ln w="19050">
+          <a:ln w="130175">
             <a:solidFill>
               <a:schemeClr val="bg1"/>
             </a:solidFill>
@@ -11077,10 +7124,10 @@
       </p:sp>
       <p:sp>
         <p:nvSpPr>
-          <p:cNvPr id="4" name="TextBox 3">
-            <a:extLst>
-              <a:ext uri="{FF2B5EF4-FFF2-40B4-BE49-F238E27FC236}">
-                <a16:creationId xmlns:a16="http://schemas.microsoft.com/office/drawing/2014/main" id="{C3C89236-FE90-4DE7-8BC2-956EFF35CCF7}"/>
+          <p:cNvPr id="12" name="TextBox 11">
+            <a:extLst>
+              <a:ext uri="{FF2B5EF4-FFF2-40B4-BE49-F238E27FC236}">
+                <a16:creationId xmlns:a16="http://schemas.microsoft.com/office/drawing/2014/main" id="{48373C0B-F427-4675-BA89-CFB9B987AA21}"/>
               </a:ext>
             </a:extLst>
           </p:cNvPr>
@@ -11089,8 +7136,8 @@
         </p:nvSpPr>
         <p:spPr>
           <a:xfrm>
-            <a:off x="247345" y="153579"/>
-            <a:ext cx="819455" cy="707886"/>
+            <a:off x="4428717" y="2967335"/>
+            <a:ext cx="3334567" cy="923330"/>
           </a:xfrm>
           <a:prstGeom prst="rect">
             <a:avLst/>
@@ -11103,1174 +7150,16 @@
           </a:bodyPr>
           <a:lstStyle/>
           <a:p>
-            <a:r>
-              <a:rPr lang="en-US" altLang="ko-KR" sz="4000">
-                <a:solidFill>
-                  <a:schemeClr val="bg1"/>
-                </a:solidFill>
-                <a:latin typeface="나눔스퀘어" panose="020B0600000101010101" pitchFamily="50" charset="-127"/>
-                <a:ea typeface="나눔스퀘어" panose="020B0600000101010101" pitchFamily="50" charset="-127"/>
-              </a:rPr>
-              <a:t>01</a:t>
-            </a:r>
-            <a:endParaRPr lang="ko-KR" altLang="en-US" sz="4000">
-              <a:solidFill>
-                <a:schemeClr val="bg1"/>
-              </a:solidFill>
-              <a:latin typeface="나눔스퀘어" panose="020B0600000101010101" pitchFamily="50" charset="-127"/>
-              <a:ea typeface="나눔스퀘어" panose="020B0600000101010101" pitchFamily="50" charset="-127"/>
-            </a:endParaRPr>
-          </a:p>
-        </p:txBody>
-      </p:sp>
-      <p:sp>
-        <p:nvSpPr>
-          <p:cNvPr id="5" name="TextBox 4">
-            <a:extLst>
-              <a:ext uri="{FF2B5EF4-FFF2-40B4-BE49-F238E27FC236}">
-                <a16:creationId xmlns:a16="http://schemas.microsoft.com/office/drawing/2014/main" id="{FFE3C59D-CA1A-40C0-820E-B3F77010BFDD}"/>
-              </a:ext>
-            </a:extLst>
-          </p:cNvPr>
-          <p:cNvSpPr txBox="1"/>
-          <p:nvPr/>
-        </p:nvSpPr>
-        <p:spPr>
-          <a:xfrm>
-            <a:off x="1166813" y="150882"/>
-            <a:ext cx="2315057" cy="707886"/>
-          </a:xfrm>
-          <a:prstGeom prst="rect">
-            <a:avLst/>
-          </a:prstGeom>
-          <a:noFill/>
-        </p:spPr>
-        <p:txBody>
-          <a:bodyPr wrap="none" rtlCol="0">
-            <a:spAutoFit/>
-          </a:bodyPr>
-          <a:lstStyle/>
-          <a:p>
             <a:pPr algn="ctr"/>
             <a:r>
-              <a:rPr lang="en-US" altLang="ko-KR" sz="2000">
+              <a:rPr lang="ko-KR" altLang="en-US" sz="5400">
                 <a:solidFill>
                   <a:schemeClr val="bg1"/>
                 </a:solidFill>
                 <a:latin typeface="나눔스퀘어 ExtraBold" panose="020B0600000101010101" pitchFamily="50" charset="-127"/>
                 <a:ea typeface="나눔스퀘어 ExtraBold" panose="020B0600000101010101" pitchFamily="50" charset="-127"/>
               </a:rPr>
-              <a:t>Instagram id</a:t>
-            </a:r>
-          </a:p>
-          <a:p>
-            <a:pPr algn="ctr"/>
-            <a:r>
-              <a:rPr lang="en-US" altLang="ko-KR" sz="2000">
-                <a:solidFill>
-                  <a:schemeClr val="bg1"/>
-                </a:solidFill>
-                <a:latin typeface="나눔스퀘어 ExtraBold" panose="020B0600000101010101" pitchFamily="50" charset="-127"/>
-                <a:ea typeface="나눔스퀘어 ExtraBold" panose="020B0600000101010101" pitchFamily="50" charset="-127"/>
-              </a:rPr>
-              <a:t>: jasaeng_official</a:t>
-            </a:r>
-            <a:endParaRPr lang="ko-KR" altLang="en-US" sz="2000">
-              <a:solidFill>
-                <a:schemeClr val="bg1"/>
-              </a:solidFill>
-              <a:latin typeface="나눔스퀘어 ExtraBold" panose="020B0600000101010101" pitchFamily="50" charset="-127"/>
-              <a:ea typeface="나눔스퀘어 ExtraBold" panose="020B0600000101010101" pitchFamily="50" charset="-127"/>
-            </a:endParaRPr>
-          </a:p>
-        </p:txBody>
-      </p:sp>
-      <p:sp>
-        <p:nvSpPr>
-          <p:cNvPr id="6" name="직사각형 5">
-            <a:extLst>
-              <a:ext uri="{FF2B5EF4-FFF2-40B4-BE49-F238E27FC236}">
-                <a16:creationId xmlns:a16="http://schemas.microsoft.com/office/drawing/2014/main" id="{E551C85D-9B22-49F3-897C-387544C67A87}"/>
-              </a:ext>
-            </a:extLst>
-          </p:cNvPr>
-          <p:cNvSpPr/>
-          <p:nvPr/>
-        </p:nvSpPr>
-        <p:spPr>
-          <a:xfrm>
-            <a:off x="847725" y="1895475"/>
-            <a:ext cx="2305050" cy="3857625"/>
-          </a:xfrm>
-          <a:prstGeom prst="rect">
-            <a:avLst/>
-          </a:prstGeom>
-          <a:noFill/>
-          <a:ln w="57150">
-            <a:solidFill>
-              <a:srgbClr val="677787"/>
-            </a:solidFill>
-          </a:ln>
-          <a:effectLst>
-            <a:outerShdw blurRad="50800" dist="38100" dir="2700000" algn="tl" rotWithShape="0">
-              <a:prstClr val="black">
-                <a:alpha val="40000"/>
-              </a:prstClr>
-            </a:outerShdw>
-          </a:effectLst>
-        </p:spPr>
-        <p:style>
-          <a:lnRef idx="2">
-            <a:schemeClr val="accent1">
-              <a:shade val="50000"/>
-            </a:schemeClr>
-          </a:lnRef>
-          <a:fillRef idx="1">
-            <a:schemeClr val="accent1"/>
-          </a:fillRef>
-          <a:effectRef idx="0">
-            <a:schemeClr val="accent1"/>
-          </a:effectRef>
-          <a:fontRef idx="minor">
-            <a:schemeClr val="lt1"/>
-          </a:fontRef>
-        </p:style>
-        <p:txBody>
-          <a:bodyPr rtlCol="0" anchor="ctr"/>
-          <a:lstStyle/>
-          <a:p>
-            <a:pPr algn="ctr"/>
-            <a:endParaRPr lang="ko-KR" altLang="en-US"/>
-          </a:p>
-        </p:txBody>
-      </p:sp>
-      <p:sp>
-        <p:nvSpPr>
-          <p:cNvPr id="7" name="TextBox 6">
-            <a:extLst>
-              <a:ext uri="{FF2B5EF4-FFF2-40B4-BE49-F238E27FC236}">
-                <a16:creationId xmlns:a16="http://schemas.microsoft.com/office/drawing/2014/main" id="{3626CCF6-3DCC-4272-8656-1C4E56A15564}"/>
-              </a:ext>
-            </a:extLst>
-          </p:cNvPr>
-          <p:cNvSpPr txBox="1"/>
-          <p:nvPr/>
-        </p:nvSpPr>
-        <p:spPr>
-          <a:xfrm>
-            <a:off x="1590522" y="2295058"/>
-            <a:ext cx="819455" cy="707886"/>
-          </a:xfrm>
-          <a:prstGeom prst="rect">
-            <a:avLst/>
-          </a:prstGeom>
-          <a:noFill/>
-        </p:spPr>
-        <p:txBody>
-          <a:bodyPr wrap="none" rtlCol="0">
-            <a:spAutoFit/>
-          </a:bodyPr>
-          <a:lstStyle/>
-          <a:p>
-            <a:r>
-              <a:rPr lang="en-US" altLang="ko-KR" sz="4000">
-                <a:solidFill>
-                  <a:srgbClr val="677787"/>
-                </a:solidFill>
-                <a:latin typeface="나눔스퀘어 ExtraBold" panose="020B0600000101010101" pitchFamily="50" charset="-127"/>
-                <a:ea typeface="나눔스퀘어 ExtraBold" panose="020B0600000101010101" pitchFamily="50" charset="-127"/>
-              </a:rPr>
-              <a:t>01</a:t>
-            </a:r>
-            <a:endParaRPr lang="ko-KR" altLang="en-US" sz="4000">
-              <a:solidFill>
-                <a:srgbClr val="677787"/>
-              </a:solidFill>
-              <a:latin typeface="나눔스퀘어 ExtraBold" panose="020B0600000101010101" pitchFamily="50" charset="-127"/>
-              <a:ea typeface="나눔스퀘어 ExtraBold" panose="020B0600000101010101" pitchFamily="50" charset="-127"/>
-            </a:endParaRPr>
-          </a:p>
-        </p:txBody>
-      </p:sp>
-      <p:sp>
-        <p:nvSpPr>
-          <p:cNvPr id="8" name="TextBox 7">
-            <a:extLst>
-              <a:ext uri="{FF2B5EF4-FFF2-40B4-BE49-F238E27FC236}">
-                <a16:creationId xmlns:a16="http://schemas.microsoft.com/office/drawing/2014/main" id="{9996D752-2851-436F-9F99-24202E55344A}"/>
-              </a:ext>
-            </a:extLst>
-          </p:cNvPr>
-          <p:cNvSpPr txBox="1"/>
-          <p:nvPr/>
-        </p:nvSpPr>
-        <p:spPr>
-          <a:xfrm>
-            <a:off x="1324423" y="3205940"/>
-            <a:ext cx="1351652" cy="861774"/>
-          </a:xfrm>
-          <a:prstGeom prst="rect">
-            <a:avLst/>
-          </a:prstGeom>
-          <a:noFill/>
-        </p:spPr>
-        <p:txBody>
-          <a:bodyPr wrap="none" rtlCol="0">
-            <a:spAutoFit/>
-          </a:bodyPr>
-          <a:lstStyle/>
-          <a:p>
-            <a:pPr algn="ctr"/>
-            <a:r>
-              <a:rPr lang="ko-KR" altLang="en-US" sz="2500">
-                <a:solidFill>
-                  <a:srgbClr val="677787"/>
-                </a:solidFill>
-                <a:latin typeface="나눔스퀘어 ExtraBold" panose="020B0600000101010101" pitchFamily="50" charset="-127"/>
-                <a:ea typeface="나눔스퀘어 ExtraBold" panose="020B0600000101010101" pitchFamily="50" charset="-127"/>
-              </a:rPr>
-              <a:t>내용을</a:t>
-            </a:r>
-            <a:endParaRPr lang="en-US" altLang="ko-KR" sz="2500">
-              <a:solidFill>
-                <a:srgbClr val="677787"/>
-              </a:solidFill>
-              <a:latin typeface="나눔스퀘어 ExtraBold" panose="020B0600000101010101" pitchFamily="50" charset="-127"/>
-              <a:ea typeface="나눔스퀘어 ExtraBold" panose="020B0600000101010101" pitchFamily="50" charset="-127"/>
-            </a:endParaRPr>
-          </a:p>
-          <a:p>
-            <a:pPr algn="ctr"/>
-            <a:r>
-              <a:rPr lang="ko-KR" altLang="en-US" sz="2500">
-                <a:solidFill>
-                  <a:srgbClr val="677787"/>
-                </a:solidFill>
-                <a:latin typeface="나눔스퀘어 ExtraBold" panose="020B0600000101010101" pitchFamily="50" charset="-127"/>
-                <a:ea typeface="나눔스퀘어 ExtraBold" panose="020B0600000101010101" pitchFamily="50" charset="-127"/>
-              </a:rPr>
-              <a:t>입력해요</a:t>
-            </a:r>
-          </a:p>
-        </p:txBody>
-      </p:sp>
-      <p:sp>
-        <p:nvSpPr>
-          <p:cNvPr id="9" name="TextBox 8">
-            <a:extLst>
-              <a:ext uri="{FF2B5EF4-FFF2-40B4-BE49-F238E27FC236}">
-                <a16:creationId xmlns:a16="http://schemas.microsoft.com/office/drawing/2014/main" id="{DAECEF3A-9E0D-4098-8851-811C3232F8AC}"/>
-              </a:ext>
-            </a:extLst>
-          </p:cNvPr>
-          <p:cNvSpPr txBox="1"/>
-          <p:nvPr/>
-        </p:nvSpPr>
-        <p:spPr>
-          <a:xfrm>
-            <a:off x="1102409" y="4264075"/>
-            <a:ext cx="1795684" cy="646331"/>
-          </a:xfrm>
-          <a:prstGeom prst="rect">
-            <a:avLst/>
-          </a:prstGeom>
-          <a:noFill/>
-        </p:spPr>
-        <p:txBody>
-          <a:bodyPr wrap="none" rtlCol="0">
-            <a:spAutoFit/>
-          </a:bodyPr>
-          <a:lstStyle/>
-          <a:p>
-            <a:pPr algn="ctr"/>
-            <a:r>
-              <a:rPr lang="ko-KR" altLang="en-US" sz="1200">
-                <a:ln>
-                  <a:solidFill>
-                    <a:srgbClr val="677787">
-                      <a:alpha val="15000"/>
-                    </a:srgbClr>
-                  </a:solidFill>
-                </a:ln>
-                <a:solidFill>
-                  <a:srgbClr val="677787"/>
-                </a:solidFill>
-                <a:latin typeface="나눔스퀘어" panose="020B0600000101010101" pitchFamily="50" charset="-127"/>
-                <a:ea typeface="나눔스퀘어" panose="020B0600000101010101" pitchFamily="50" charset="-127"/>
-              </a:rPr>
-              <a:t>여기에는 내용을 입력해요</a:t>
-            </a:r>
-            <a:endParaRPr lang="en-US" altLang="ko-KR" sz="1200">
-              <a:ln>
-                <a:solidFill>
-                  <a:srgbClr val="677787">
-                    <a:alpha val="15000"/>
-                  </a:srgbClr>
-                </a:solidFill>
-              </a:ln>
-              <a:solidFill>
-                <a:srgbClr val="677787"/>
-              </a:solidFill>
-              <a:latin typeface="나눔스퀘어" panose="020B0600000101010101" pitchFamily="50" charset="-127"/>
-              <a:ea typeface="나눔스퀘어" panose="020B0600000101010101" pitchFamily="50" charset="-127"/>
-            </a:endParaRPr>
-          </a:p>
-          <a:p>
-            <a:pPr algn="ctr"/>
-            <a:r>
-              <a:rPr lang="ko-KR" altLang="en-US" sz="1200">
-                <a:ln>
-                  <a:solidFill>
-                    <a:srgbClr val="677787">
-                      <a:alpha val="15000"/>
-                    </a:srgbClr>
-                  </a:solidFill>
-                </a:ln>
-                <a:solidFill>
-                  <a:srgbClr val="677787"/>
-                </a:solidFill>
-                <a:latin typeface="나눔스퀘어" panose="020B0600000101010101" pitchFamily="50" charset="-127"/>
-                <a:ea typeface="나눔스퀘어" panose="020B0600000101010101" pitchFamily="50" charset="-127"/>
-              </a:rPr>
-              <a:t>여기에는 내용을 입력해요</a:t>
-            </a:r>
-          </a:p>
-          <a:p>
-            <a:pPr algn="ctr"/>
-            <a:r>
-              <a:rPr lang="ko-KR" altLang="en-US" sz="1200">
-                <a:ln>
-                  <a:solidFill>
-                    <a:srgbClr val="677787">
-                      <a:alpha val="15000"/>
-                    </a:srgbClr>
-                  </a:solidFill>
-                </a:ln>
-                <a:solidFill>
-                  <a:srgbClr val="677787"/>
-                </a:solidFill>
-                <a:latin typeface="나눔스퀘어" panose="020B0600000101010101" pitchFamily="50" charset="-127"/>
-                <a:ea typeface="나눔스퀘어" panose="020B0600000101010101" pitchFamily="50" charset="-127"/>
-              </a:rPr>
-              <a:t>여기에는 내용을 입력해요</a:t>
-            </a:r>
-          </a:p>
-        </p:txBody>
-      </p:sp>
-      <p:sp>
-        <p:nvSpPr>
-          <p:cNvPr id="10" name="직사각형 9">
-            <a:extLst>
-              <a:ext uri="{FF2B5EF4-FFF2-40B4-BE49-F238E27FC236}">
-                <a16:creationId xmlns:a16="http://schemas.microsoft.com/office/drawing/2014/main" id="{DA29CE1C-7950-493A-9235-B19F89B0065B}"/>
-              </a:ext>
-            </a:extLst>
-          </p:cNvPr>
-          <p:cNvSpPr/>
-          <p:nvPr/>
-        </p:nvSpPr>
-        <p:spPr>
-          <a:xfrm>
-            <a:off x="3604805" y="1895475"/>
-            <a:ext cx="2305050" cy="3857625"/>
-          </a:xfrm>
-          <a:prstGeom prst="rect">
-            <a:avLst/>
-          </a:prstGeom>
-          <a:noFill/>
-          <a:ln w="57150">
-            <a:solidFill>
-              <a:srgbClr val="677787"/>
-            </a:solidFill>
-          </a:ln>
-          <a:effectLst>
-            <a:outerShdw blurRad="50800" dist="38100" dir="2700000" algn="tl" rotWithShape="0">
-              <a:prstClr val="black">
-                <a:alpha val="40000"/>
-              </a:prstClr>
-            </a:outerShdw>
-          </a:effectLst>
-        </p:spPr>
-        <p:style>
-          <a:lnRef idx="2">
-            <a:schemeClr val="accent1">
-              <a:shade val="50000"/>
-            </a:schemeClr>
-          </a:lnRef>
-          <a:fillRef idx="1">
-            <a:schemeClr val="accent1"/>
-          </a:fillRef>
-          <a:effectRef idx="0">
-            <a:schemeClr val="accent1"/>
-          </a:effectRef>
-          <a:fontRef idx="minor">
-            <a:schemeClr val="lt1"/>
-          </a:fontRef>
-        </p:style>
-        <p:txBody>
-          <a:bodyPr rtlCol="0" anchor="ctr"/>
-          <a:lstStyle/>
-          <a:p>
-            <a:pPr algn="ctr"/>
-            <a:endParaRPr lang="ko-KR" altLang="en-US"/>
-          </a:p>
-        </p:txBody>
-      </p:sp>
-      <p:sp>
-        <p:nvSpPr>
-          <p:cNvPr id="11" name="TextBox 10">
-            <a:extLst>
-              <a:ext uri="{FF2B5EF4-FFF2-40B4-BE49-F238E27FC236}">
-                <a16:creationId xmlns:a16="http://schemas.microsoft.com/office/drawing/2014/main" id="{82787F6C-61F1-4395-A5E9-8107033C4E29}"/>
-              </a:ext>
-            </a:extLst>
-          </p:cNvPr>
-          <p:cNvSpPr txBox="1"/>
-          <p:nvPr/>
-        </p:nvSpPr>
-        <p:spPr>
-          <a:xfrm>
-            <a:off x="4347602" y="2295058"/>
-            <a:ext cx="819455" cy="707886"/>
-          </a:xfrm>
-          <a:prstGeom prst="rect">
-            <a:avLst/>
-          </a:prstGeom>
-          <a:noFill/>
-        </p:spPr>
-        <p:txBody>
-          <a:bodyPr wrap="none" rtlCol="0">
-            <a:spAutoFit/>
-          </a:bodyPr>
-          <a:lstStyle/>
-          <a:p>
-            <a:r>
-              <a:rPr lang="en-US" altLang="ko-KR" sz="4000">
-                <a:solidFill>
-                  <a:srgbClr val="677787"/>
-                </a:solidFill>
-                <a:latin typeface="나눔스퀘어 ExtraBold" panose="020B0600000101010101" pitchFamily="50" charset="-127"/>
-                <a:ea typeface="나눔스퀘어 ExtraBold" panose="020B0600000101010101" pitchFamily="50" charset="-127"/>
-              </a:rPr>
-              <a:t>02</a:t>
-            </a:r>
-            <a:endParaRPr lang="ko-KR" altLang="en-US" sz="4000">
-              <a:solidFill>
-                <a:srgbClr val="677787"/>
-              </a:solidFill>
-              <a:latin typeface="나눔스퀘어 ExtraBold" panose="020B0600000101010101" pitchFamily="50" charset="-127"/>
-              <a:ea typeface="나눔스퀘어 ExtraBold" panose="020B0600000101010101" pitchFamily="50" charset="-127"/>
-            </a:endParaRPr>
-          </a:p>
-        </p:txBody>
-      </p:sp>
-      <p:sp>
-        <p:nvSpPr>
-          <p:cNvPr id="12" name="TextBox 11">
-            <a:extLst>
-              <a:ext uri="{FF2B5EF4-FFF2-40B4-BE49-F238E27FC236}">
-                <a16:creationId xmlns:a16="http://schemas.microsoft.com/office/drawing/2014/main" id="{E76363ED-78BD-4BA9-9BC6-BFF6A39B2AAF}"/>
-              </a:ext>
-            </a:extLst>
-          </p:cNvPr>
-          <p:cNvSpPr txBox="1"/>
-          <p:nvPr/>
-        </p:nvSpPr>
-        <p:spPr>
-          <a:xfrm>
-            <a:off x="4081503" y="3205940"/>
-            <a:ext cx="1351652" cy="861774"/>
-          </a:xfrm>
-          <a:prstGeom prst="rect">
-            <a:avLst/>
-          </a:prstGeom>
-          <a:noFill/>
-        </p:spPr>
-        <p:txBody>
-          <a:bodyPr wrap="none" rtlCol="0">
-            <a:spAutoFit/>
-          </a:bodyPr>
-          <a:lstStyle/>
-          <a:p>
-            <a:pPr algn="ctr"/>
-            <a:r>
-              <a:rPr lang="ko-KR" altLang="en-US" sz="2500">
-                <a:solidFill>
-                  <a:srgbClr val="677787"/>
-                </a:solidFill>
-                <a:latin typeface="나눔스퀘어 ExtraBold" panose="020B0600000101010101" pitchFamily="50" charset="-127"/>
-                <a:ea typeface="나눔스퀘어 ExtraBold" panose="020B0600000101010101" pitchFamily="50" charset="-127"/>
-              </a:rPr>
-              <a:t>내용을</a:t>
-            </a:r>
-            <a:endParaRPr lang="en-US" altLang="ko-KR" sz="2500">
-              <a:solidFill>
-                <a:srgbClr val="677787"/>
-              </a:solidFill>
-              <a:latin typeface="나눔스퀘어 ExtraBold" panose="020B0600000101010101" pitchFamily="50" charset="-127"/>
-              <a:ea typeface="나눔스퀘어 ExtraBold" panose="020B0600000101010101" pitchFamily="50" charset="-127"/>
-            </a:endParaRPr>
-          </a:p>
-          <a:p>
-            <a:pPr algn="ctr"/>
-            <a:r>
-              <a:rPr lang="ko-KR" altLang="en-US" sz="2500">
-                <a:solidFill>
-                  <a:srgbClr val="677787"/>
-                </a:solidFill>
-                <a:latin typeface="나눔스퀘어 ExtraBold" panose="020B0600000101010101" pitchFamily="50" charset="-127"/>
-                <a:ea typeface="나눔스퀘어 ExtraBold" panose="020B0600000101010101" pitchFamily="50" charset="-127"/>
-              </a:rPr>
-              <a:t>입력해요</a:t>
-            </a:r>
-          </a:p>
-        </p:txBody>
-      </p:sp>
-      <p:sp>
-        <p:nvSpPr>
-          <p:cNvPr id="13" name="TextBox 12">
-            <a:extLst>
-              <a:ext uri="{FF2B5EF4-FFF2-40B4-BE49-F238E27FC236}">
-                <a16:creationId xmlns:a16="http://schemas.microsoft.com/office/drawing/2014/main" id="{B1850883-67AF-4662-9EA8-7C9C45DD21F5}"/>
-              </a:ext>
-            </a:extLst>
-          </p:cNvPr>
-          <p:cNvSpPr txBox="1"/>
-          <p:nvPr/>
-        </p:nvSpPr>
-        <p:spPr>
-          <a:xfrm>
-            <a:off x="3859489" y="4264075"/>
-            <a:ext cx="1795684" cy="646331"/>
-          </a:xfrm>
-          <a:prstGeom prst="rect">
-            <a:avLst/>
-          </a:prstGeom>
-          <a:noFill/>
-        </p:spPr>
-        <p:txBody>
-          <a:bodyPr wrap="none" rtlCol="0">
-            <a:spAutoFit/>
-          </a:bodyPr>
-          <a:lstStyle/>
-          <a:p>
-            <a:pPr algn="ctr"/>
-            <a:r>
-              <a:rPr lang="ko-KR" altLang="en-US" sz="1200">
-                <a:ln>
-                  <a:solidFill>
-                    <a:srgbClr val="677787">
-                      <a:alpha val="15000"/>
-                    </a:srgbClr>
-                  </a:solidFill>
-                </a:ln>
-                <a:solidFill>
-                  <a:srgbClr val="677787"/>
-                </a:solidFill>
-                <a:latin typeface="나눔스퀘어" panose="020B0600000101010101" pitchFamily="50" charset="-127"/>
-                <a:ea typeface="나눔스퀘어" panose="020B0600000101010101" pitchFamily="50" charset="-127"/>
-              </a:rPr>
-              <a:t>여기에는 내용을 입력해요</a:t>
-            </a:r>
-            <a:endParaRPr lang="en-US" altLang="ko-KR" sz="1200">
-              <a:ln>
-                <a:solidFill>
-                  <a:srgbClr val="677787">
-                    <a:alpha val="15000"/>
-                  </a:srgbClr>
-                </a:solidFill>
-              </a:ln>
-              <a:solidFill>
-                <a:srgbClr val="677787"/>
-              </a:solidFill>
-              <a:latin typeface="나눔스퀘어" panose="020B0600000101010101" pitchFamily="50" charset="-127"/>
-              <a:ea typeface="나눔스퀘어" panose="020B0600000101010101" pitchFamily="50" charset="-127"/>
-            </a:endParaRPr>
-          </a:p>
-          <a:p>
-            <a:pPr algn="ctr"/>
-            <a:r>
-              <a:rPr lang="ko-KR" altLang="en-US" sz="1200">
-                <a:ln>
-                  <a:solidFill>
-                    <a:srgbClr val="677787">
-                      <a:alpha val="15000"/>
-                    </a:srgbClr>
-                  </a:solidFill>
-                </a:ln>
-                <a:solidFill>
-                  <a:srgbClr val="677787"/>
-                </a:solidFill>
-                <a:latin typeface="나눔스퀘어" panose="020B0600000101010101" pitchFamily="50" charset="-127"/>
-                <a:ea typeface="나눔스퀘어" panose="020B0600000101010101" pitchFamily="50" charset="-127"/>
-              </a:rPr>
-              <a:t>여기에는 내용을 입력해요</a:t>
-            </a:r>
-          </a:p>
-          <a:p>
-            <a:pPr algn="ctr"/>
-            <a:r>
-              <a:rPr lang="ko-KR" altLang="en-US" sz="1200">
-                <a:ln>
-                  <a:solidFill>
-                    <a:srgbClr val="677787">
-                      <a:alpha val="15000"/>
-                    </a:srgbClr>
-                  </a:solidFill>
-                </a:ln>
-                <a:solidFill>
-                  <a:srgbClr val="677787"/>
-                </a:solidFill>
-                <a:latin typeface="나눔스퀘어" panose="020B0600000101010101" pitchFamily="50" charset="-127"/>
-                <a:ea typeface="나눔스퀘어" panose="020B0600000101010101" pitchFamily="50" charset="-127"/>
-              </a:rPr>
-              <a:t>여기에는 내용을 입력해요</a:t>
-            </a:r>
-          </a:p>
-        </p:txBody>
-      </p:sp>
-      <p:sp>
-        <p:nvSpPr>
-          <p:cNvPr id="14" name="직사각형 13">
-            <a:extLst>
-              <a:ext uri="{FF2B5EF4-FFF2-40B4-BE49-F238E27FC236}">
-                <a16:creationId xmlns:a16="http://schemas.microsoft.com/office/drawing/2014/main" id="{3267A66B-F101-4DBC-A547-FE3C7D156BA7}"/>
-              </a:ext>
-            </a:extLst>
-          </p:cNvPr>
-          <p:cNvSpPr/>
-          <p:nvPr/>
-        </p:nvSpPr>
-        <p:spPr>
-          <a:xfrm>
-            <a:off x="6361885" y="1895475"/>
-            <a:ext cx="2305050" cy="3857625"/>
-          </a:xfrm>
-          <a:prstGeom prst="rect">
-            <a:avLst/>
-          </a:prstGeom>
-          <a:noFill/>
-          <a:ln w="57150">
-            <a:solidFill>
-              <a:srgbClr val="677787"/>
-            </a:solidFill>
-          </a:ln>
-          <a:effectLst>
-            <a:outerShdw blurRad="50800" dist="38100" dir="2700000" algn="tl" rotWithShape="0">
-              <a:prstClr val="black">
-                <a:alpha val="40000"/>
-              </a:prstClr>
-            </a:outerShdw>
-          </a:effectLst>
-        </p:spPr>
-        <p:style>
-          <a:lnRef idx="2">
-            <a:schemeClr val="accent1">
-              <a:shade val="50000"/>
-            </a:schemeClr>
-          </a:lnRef>
-          <a:fillRef idx="1">
-            <a:schemeClr val="accent1"/>
-          </a:fillRef>
-          <a:effectRef idx="0">
-            <a:schemeClr val="accent1"/>
-          </a:effectRef>
-          <a:fontRef idx="minor">
-            <a:schemeClr val="lt1"/>
-          </a:fontRef>
-        </p:style>
-        <p:txBody>
-          <a:bodyPr rtlCol="0" anchor="ctr"/>
-          <a:lstStyle/>
-          <a:p>
-            <a:pPr algn="ctr"/>
-            <a:endParaRPr lang="ko-KR" altLang="en-US"/>
-          </a:p>
-        </p:txBody>
-      </p:sp>
-      <p:sp>
-        <p:nvSpPr>
-          <p:cNvPr id="15" name="TextBox 14">
-            <a:extLst>
-              <a:ext uri="{FF2B5EF4-FFF2-40B4-BE49-F238E27FC236}">
-                <a16:creationId xmlns:a16="http://schemas.microsoft.com/office/drawing/2014/main" id="{47F3738D-FD91-488B-932E-B56B3E8C4EC5}"/>
-              </a:ext>
-            </a:extLst>
-          </p:cNvPr>
-          <p:cNvSpPr txBox="1"/>
-          <p:nvPr/>
-        </p:nvSpPr>
-        <p:spPr>
-          <a:xfrm>
-            <a:off x="7104682" y="2295058"/>
-            <a:ext cx="819455" cy="707886"/>
-          </a:xfrm>
-          <a:prstGeom prst="rect">
-            <a:avLst/>
-          </a:prstGeom>
-          <a:noFill/>
-        </p:spPr>
-        <p:txBody>
-          <a:bodyPr wrap="none" rtlCol="0">
-            <a:spAutoFit/>
-          </a:bodyPr>
-          <a:lstStyle/>
-          <a:p>
-            <a:r>
-              <a:rPr lang="en-US" altLang="ko-KR" sz="4000">
-                <a:solidFill>
-                  <a:srgbClr val="677787"/>
-                </a:solidFill>
-                <a:latin typeface="나눔스퀘어 ExtraBold" panose="020B0600000101010101" pitchFamily="50" charset="-127"/>
-                <a:ea typeface="나눔스퀘어 ExtraBold" panose="020B0600000101010101" pitchFamily="50" charset="-127"/>
-              </a:rPr>
-              <a:t>03</a:t>
-            </a:r>
-            <a:endParaRPr lang="ko-KR" altLang="en-US" sz="4000">
-              <a:solidFill>
-                <a:srgbClr val="677787"/>
-              </a:solidFill>
-              <a:latin typeface="나눔스퀘어 ExtraBold" panose="020B0600000101010101" pitchFamily="50" charset="-127"/>
-              <a:ea typeface="나눔스퀘어 ExtraBold" panose="020B0600000101010101" pitchFamily="50" charset="-127"/>
-            </a:endParaRPr>
-          </a:p>
-        </p:txBody>
-      </p:sp>
-      <p:sp>
-        <p:nvSpPr>
-          <p:cNvPr id="16" name="TextBox 15">
-            <a:extLst>
-              <a:ext uri="{FF2B5EF4-FFF2-40B4-BE49-F238E27FC236}">
-                <a16:creationId xmlns:a16="http://schemas.microsoft.com/office/drawing/2014/main" id="{06D18FC6-FA28-4C0E-9616-E39DE497630B}"/>
-              </a:ext>
-            </a:extLst>
-          </p:cNvPr>
-          <p:cNvSpPr txBox="1"/>
-          <p:nvPr/>
-        </p:nvSpPr>
-        <p:spPr>
-          <a:xfrm>
-            <a:off x="6838583" y="3205940"/>
-            <a:ext cx="1351652" cy="861774"/>
-          </a:xfrm>
-          <a:prstGeom prst="rect">
-            <a:avLst/>
-          </a:prstGeom>
-          <a:noFill/>
-        </p:spPr>
-        <p:txBody>
-          <a:bodyPr wrap="none" rtlCol="0">
-            <a:spAutoFit/>
-          </a:bodyPr>
-          <a:lstStyle/>
-          <a:p>
-            <a:pPr algn="ctr"/>
-            <a:r>
-              <a:rPr lang="ko-KR" altLang="en-US" sz="2500">
-                <a:solidFill>
-                  <a:srgbClr val="677787"/>
-                </a:solidFill>
-                <a:latin typeface="나눔스퀘어 ExtraBold" panose="020B0600000101010101" pitchFamily="50" charset="-127"/>
-                <a:ea typeface="나눔스퀘어 ExtraBold" panose="020B0600000101010101" pitchFamily="50" charset="-127"/>
-              </a:rPr>
-              <a:t>내용을</a:t>
-            </a:r>
-            <a:endParaRPr lang="en-US" altLang="ko-KR" sz="2500">
-              <a:solidFill>
-                <a:srgbClr val="677787"/>
-              </a:solidFill>
-              <a:latin typeface="나눔스퀘어 ExtraBold" panose="020B0600000101010101" pitchFamily="50" charset="-127"/>
-              <a:ea typeface="나눔스퀘어 ExtraBold" panose="020B0600000101010101" pitchFamily="50" charset="-127"/>
-            </a:endParaRPr>
-          </a:p>
-          <a:p>
-            <a:pPr algn="ctr"/>
-            <a:r>
-              <a:rPr lang="ko-KR" altLang="en-US" sz="2500">
-                <a:solidFill>
-                  <a:srgbClr val="677787"/>
-                </a:solidFill>
-                <a:latin typeface="나눔스퀘어 ExtraBold" panose="020B0600000101010101" pitchFamily="50" charset="-127"/>
-                <a:ea typeface="나눔스퀘어 ExtraBold" panose="020B0600000101010101" pitchFamily="50" charset="-127"/>
-              </a:rPr>
-              <a:t>입력해요</a:t>
-            </a:r>
-          </a:p>
-        </p:txBody>
-      </p:sp>
-      <p:sp>
-        <p:nvSpPr>
-          <p:cNvPr id="17" name="TextBox 16">
-            <a:extLst>
-              <a:ext uri="{FF2B5EF4-FFF2-40B4-BE49-F238E27FC236}">
-                <a16:creationId xmlns:a16="http://schemas.microsoft.com/office/drawing/2014/main" id="{388D53E3-74E3-40A7-9DF5-65D911F76488}"/>
-              </a:ext>
-            </a:extLst>
-          </p:cNvPr>
-          <p:cNvSpPr txBox="1"/>
-          <p:nvPr/>
-        </p:nvSpPr>
-        <p:spPr>
-          <a:xfrm>
-            <a:off x="6616569" y="4264075"/>
-            <a:ext cx="1795684" cy="646331"/>
-          </a:xfrm>
-          <a:prstGeom prst="rect">
-            <a:avLst/>
-          </a:prstGeom>
-          <a:noFill/>
-        </p:spPr>
-        <p:txBody>
-          <a:bodyPr wrap="none" rtlCol="0">
-            <a:spAutoFit/>
-          </a:bodyPr>
-          <a:lstStyle/>
-          <a:p>
-            <a:pPr algn="ctr"/>
-            <a:r>
-              <a:rPr lang="ko-KR" altLang="en-US" sz="1200">
-                <a:ln>
-                  <a:solidFill>
-                    <a:srgbClr val="677787">
-                      <a:alpha val="15000"/>
-                    </a:srgbClr>
-                  </a:solidFill>
-                </a:ln>
-                <a:solidFill>
-                  <a:srgbClr val="677787"/>
-                </a:solidFill>
-                <a:latin typeface="나눔스퀘어" panose="020B0600000101010101" pitchFamily="50" charset="-127"/>
-                <a:ea typeface="나눔스퀘어" panose="020B0600000101010101" pitchFamily="50" charset="-127"/>
-              </a:rPr>
-              <a:t>여기에는 내용을 입력해요</a:t>
-            </a:r>
-            <a:endParaRPr lang="en-US" altLang="ko-KR" sz="1200">
-              <a:ln>
-                <a:solidFill>
-                  <a:srgbClr val="677787">
-                    <a:alpha val="15000"/>
-                  </a:srgbClr>
-                </a:solidFill>
-              </a:ln>
-              <a:solidFill>
-                <a:srgbClr val="677787"/>
-              </a:solidFill>
-              <a:latin typeface="나눔스퀘어" panose="020B0600000101010101" pitchFamily="50" charset="-127"/>
-              <a:ea typeface="나눔스퀘어" panose="020B0600000101010101" pitchFamily="50" charset="-127"/>
-            </a:endParaRPr>
-          </a:p>
-          <a:p>
-            <a:pPr algn="ctr"/>
-            <a:r>
-              <a:rPr lang="ko-KR" altLang="en-US" sz="1200">
-                <a:ln>
-                  <a:solidFill>
-                    <a:srgbClr val="677787">
-                      <a:alpha val="15000"/>
-                    </a:srgbClr>
-                  </a:solidFill>
-                </a:ln>
-                <a:solidFill>
-                  <a:srgbClr val="677787"/>
-                </a:solidFill>
-                <a:latin typeface="나눔스퀘어" panose="020B0600000101010101" pitchFamily="50" charset="-127"/>
-                <a:ea typeface="나눔스퀘어" panose="020B0600000101010101" pitchFamily="50" charset="-127"/>
-              </a:rPr>
-              <a:t>여기에는 내용을 입력해요</a:t>
-            </a:r>
-          </a:p>
-          <a:p>
-            <a:pPr algn="ctr"/>
-            <a:r>
-              <a:rPr lang="ko-KR" altLang="en-US" sz="1200">
-                <a:ln>
-                  <a:solidFill>
-                    <a:srgbClr val="677787">
-                      <a:alpha val="15000"/>
-                    </a:srgbClr>
-                  </a:solidFill>
-                </a:ln>
-                <a:solidFill>
-                  <a:srgbClr val="677787"/>
-                </a:solidFill>
-                <a:latin typeface="나눔스퀘어" panose="020B0600000101010101" pitchFamily="50" charset="-127"/>
-                <a:ea typeface="나눔스퀘어" panose="020B0600000101010101" pitchFamily="50" charset="-127"/>
-              </a:rPr>
-              <a:t>여기에는 내용을 입력해요</a:t>
-            </a:r>
-          </a:p>
-        </p:txBody>
-      </p:sp>
-      <p:sp>
-        <p:nvSpPr>
-          <p:cNvPr id="18" name="직사각형 17">
-            <a:extLst>
-              <a:ext uri="{FF2B5EF4-FFF2-40B4-BE49-F238E27FC236}">
-                <a16:creationId xmlns:a16="http://schemas.microsoft.com/office/drawing/2014/main" id="{BF68E5B0-44E9-4C7C-A446-1CD80BDB9A9D}"/>
-              </a:ext>
-            </a:extLst>
-          </p:cNvPr>
-          <p:cNvSpPr/>
-          <p:nvPr/>
-        </p:nvSpPr>
-        <p:spPr>
-          <a:xfrm>
-            <a:off x="9118966" y="1895475"/>
-            <a:ext cx="2305050" cy="3857625"/>
-          </a:xfrm>
-          <a:prstGeom prst="rect">
-            <a:avLst/>
-          </a:prstGeom>
-          <a:solidFill>
-            <a:srgbClr val="677787"/>
-          </a:solidFill>
-          <a:ln w="57150">
-            <a:solidFill>
-              <a:srgbClr val="677787"/>
-            </a:solidFill>
-          </a:ln>
-          <a:effectLst>
-            <a:outerShdw blurRad="50800" dist="38100" dir="2700000" algn="tl" rotWithShape="0">
-              <a:prstClr val="black">
-                <a:alpha val="40000"/>
-              </a:prstClr>
-            </a:outerShdw>
-          </a:effectLst>
-        </p:spPr>
-        <p:style>
-          <a:lnRef idx="2">
-            <a:schemeClr val="accent1">
-              <a:shade val="50000"/>
-            </a:schemeClr>
-          </a:lnRef>
-          <a:fillRef idx="1">
-            <a:schemeClr val="accent1"/>
-          </a:fillRef>
-          <a:effectRef idx="0">
-            <a:schemeClr val="accent1"/>
-          </a:effectRef>
-          <a:fontRef idx="minor">
-            <a:schemeClr val="lt1"/>
-          </a:fontRef>
-        </p:style>
-        <p:txBody>
-          <a:bodyPr rtlCol="0" anchor="ctr"/>
-          <a:lstStyle/>
-          <a:p>
-            <a:pPr algn="ctr"/>
-            <a:endParaRPr lang="ko-KR" altLang="en-US"/>
-          </a:p>
-        </p:txBody>
-      </p:sp>
-      <p:sp>
-        <p:nvSpPr>
-          <p:cNvPr id="19" name="TextBox 18">
-            <a:extLst>
-              <a:ext uri="{FF2B5EF4-FFF2-40B4-BE49-F238E27FC236}">
-                <a16:creationId xmlns:a16="http://schemas.microsoft.com/office/drawing/2014/main" id="{3C77DC4A-5370-4FAB-BC1F-92C0091FF997}"/>
-              </a:ext>
-            </a:extLst>
-          </p:cNvPr>
-          <p:cNvSpPr txBox="1"/>
-          <p:nvPr/>
-        </p:nvSpPr>
-        <p:spPr>
-          <a:xfrm>
-            <a:off x="9861763" y="2295058"/>
-            <a:ext cx="819455" cy="707886"/>
-          </a:xfrm>
-          <a:prstGeom prst="rect">
-            <a:avLst/>
-          </a:prstGeom>
-          <a:noFill/>
-        </p:spPr>
-        <p:txBody>
-          <a:bodyPr wrap="none" rtlCol="0">
-            <a:spAutoFit/>
-          </a:bodyPr>
-          <a:lstStyle/>
-          <a:p>
-            <a:r>
-              <a:rPr lang="en-US" altLang="ko-KR" sz="4000">
-                <a:solidFill>
-                  <a:schemeClr val="bg1"/>
-                </a:solidFill>
-                <a:latin typeface="나눔스퀘어 ExtraBold" panose="020B0600000101010101" pitchFamily="50" charset="-127"/>
-                <a:ea typeface="나눔스퀘어 ExtraBold" panose="020B0600000101010101" pitchFamily="50" charset="-127"/>
-              </a:rPr>
-              <a:t>04</a:t>
-            </a:r>
-            <a:endParaRPr lang="ko-KR" altLang="en-US" sz="4000">
-              <a:solidFill>
-                <a:schemeClr val="bg1"/>
-              </a:solidFill>
-              <a:latin typeface="나눔스퀘어 ExtraBold" panose="020B0600000101010101" pitchFamily="50" charset="-127"/>
-              <a:ea typeface="나눔스퀘어 ExtraBold" panose="020B0600000101010101" pitchFamily="50" charset="-127"/>
-            </a:endParaRPr>
-          </a:p>
-        </p:txBody>
-      </p:sp>
-      <p:sp>
-        <p:nvSpPr>
-          <p:cNvPr id="20" name="TextBox 19">
-            <a:extLst>
-              <a:ext uri="{FF2B5EF4-FFF2-40B4-BE49-F238E27FC236}">
-                <a16:creationId xmlns:a16="http://schemas.microsoft.com/office/drawing/2014/main" id="{073C349E-2AA0-4D41-84F8-869B2A6F6EBC}"/>
-              </a:ext>
-            </a:extLst>
-          </p:cNvPr>
-          <p:cNvSpPr txBox="1"/>
-          <p:nvPr/>
-        </p:nvSpPr>
-        <p:spPr>
-          <a:xfrm>
-            <a:off x="9595664" y="3205940"/>
-            <a:ext cx="1351652" cy="861774"/>
-          </a:xfrm>
-          <a:prstGeom prst="rect">
-            <a:avLst/>
-          </a:prstGeom>
-          <a:noFill/>
-        </p:spPr>
-        <p:txBody>
-          <a:bodyPr wrap="none" rtlCol="0">
-            <a:spAutoFit/>
-          </a:bodyPr>
-          <a:lstStyle/>
-          <a:p>
-            <a:pPr algn="ctr"/>
-            <a:r>
-              <a:rPr lang="ko-KR" altLang="en-US" sz="2500">
-                <a:solidFill>
-                  <a:schemeClr val="bg1"/>
-                </a:solidFill>
-                <a:latin typeface="나눔스퀘어 ExtraBold" panose="020B0600000101010101" pitchFamily="50" charset="-127"/>
-                <a:ea typeface="나눔스퀘어 ExtraBold" panose="020B0600000101010101" pitchFamily="50" charset="-127"/>
-              </a:rPr>
-              <a:t>내용을</a:t>
-            </a:r>
-            <a:endParaRPr lang="en-US" altLang="ko-KR" sz="2500">
-              <a:solidFill>
-                <a:schemeClr val="bg1"/>
-              </a:solidFill>
-              <a:latin typeface="나눔스퀘어 ExtraBold" panose="020B0600000101010101" pitchFamily="50" charset="-127"/>
-              <a:ea typeface="나눔스퀘어 ExtraBold" panose="020B0600000101010101" pitchFamily="50" charset="-127"/>
-            </a:endParaRPr>
-          </a:p>
-          <a:p>
-            <a:pPr algn="ctr"/>
-            <a:r>
-              <a:rPr lang="ko-KR" altLang="en-US" sz="2500">
-                <a:solidFill>
-                  <a:schemeClr val="bg1"/>
-                </a:solidFill>
-                <a:latin typeface="나눔스퀘어 ExtraBold" panose="020B0600000101010101" pitchFamily="50" charset="-127"/>
-                <a:ea typeface="나눔스퀘어 ExtraBold" panose="020B0600000101010101" pitchFamily="50" charset="-127"/>
-              </a:rPr>
-              <a:t>입력해요</a:t>
-            </a:r>
-          </a:p>
-        </p:txBody>
-      </p:sp>
-      <p:sp>
-        <p:nvSpPr>
-          <p:cNvPr id="21" name="TextBox 20">
-            <a:extLst>
-              <a:ext uri="{FF2B5EF4-FFF2-40B4-BE49-F238E27FC236}">
-                <a16:creationId xmlns:a16="http://schemas.microsoft.com/office/drawing/2014/main" id="{771A2040-F634-4127-91DF-B27FC8B6B5E9}"/>
-              </a:ext>
-            </a:extLst>
-          </p:cNvPr>
-          <p:cNvSpPr txBox="1"/>
-          <p:nvPr/>
-        </p:nvSpPr>
-        <p:spPr>
-          <a:xfrm>
-            <a:off x="9373650" y="4264075"/>
-            <a:ext cx="1795684" cy="646331"/>
-          </a:xfrm>
-          <a:prstGeom prst="rect">
-            <a:avLst/>
-          </a:prstGeom>
-          <a:noFill/>
-        </p:spPr>
-        <p:txBody>
-          <a:bodyPr wrap="none" rtlCol="0">
-            <a:spAutoFit/>
-          </a:bodyPr>
-          <a:lstStyle/>
-          <a:p>
-            <a:pPr algn="ctr"/>
-            <a:r>
-              <a:rPr lang="ko-KR" altLang="en-US" sz="1200">
-                <a:ln>
-                  <a:solidFill>
-                    <a:srgbClr val="677787">
-                      <a:alpha val="15000"/>
-                    </a:srgbClr>
-                  </a:solidFill>
-                </a:ln>
-                <a:solidFill>
-                  <a:schemeClr val="bg1"/>
-                </a:solidFill>
-                <a:latin typeface="나눔스퀘어" panose="020B0600000101010101" pitchFamily="50" charset="-127"/>
-                <a:ea typeface="나눔스퀘어" panose="020B0600000101010101" pitchFamily="50" charset="-127"/>
-              </a:rPr>
-              <a:t>여기에는 내용을 입력해요</a:t>
-            </a:r>
-            <a:endParaRPr lang="en-US" altLang="ko-KR" sz="1200">
-              <a:ln>
-                <a:solidFill>
-                  <a:srgbClr val="677787">
-                    <a:alpha val="15000"/>
-                  </a:srgbClr>
-                </a:solidFill>
-              </a:ln>
-              <a:solidFill>
-                <a:schemeClr val="bg1"/>
-              </a:solidFill>
-              <a:latin typeface="나눔스퀘어" panose="020B0600000101010101" pitchFamily="50" charset="-127"/>
-              <a:ea typeface="나눔스퀘어" panose="020B0600000101010101" pitchFamily="50" charset="-127"/>
-            </a:endParaRPr>
-          </a:p>
-          <a:p>
-            <a:pPr algn="ctr"/>
-            <a:r>
-              <a:rPr lang="ko-KR" altLang="en-US" sz="1200">
-                <a:ln>
-                  <a:solidFill>
-                    <a:srgbClr val="677787">
-                      <a:alpha val="15000"/>
-                    </a:srgbClr>
-                  </a:solidFill>
-                </a:ln>
-                <a:solidFill>
-                  <a:schemeClr val="bg1"/>
-                </a:solidFill>
-                <a:latin typeface="나눔스퀘어" panose="020B0600000101010101" pitchFamily="50" charset="-127"/>
-                <a:ea typeface="나눔스퀘어" panose="020B0600000101010101" pitchFamily="50" charset="-127"/>
-              </a:rPr>
-              <a:t>여기에는 내용을 입력해요</a:t>
-            </a:r>
-          </a:p>
-          <a:p>
-            <a:pPr algn="ctr"/>
-            <a:r>
-              <a:rPr lang="ko-KR" altLang="en-US" sz="1200">
-                <a:ln>
-                  <a:solidFill>
-                    <a:srgbClr val="677787">
-                      <a:alpha val="15000"/>
-                    </a:srgbClr>
-                  </a:solidFill>
-                </a:ln>
-                <a:solidFill>
-                  <a:schemeClr val="bg1"/>
-                </a:solidFill>
-                <a:latin typeface="나눔스퀘어" panose="020B0600000101010101" pitchFamily="50" charset="-127"/>
-                <a:ea typeface="나눔스퀘어" panose="020B0600000101010101" pitchFamily="50" charset="-127"/>
-              </a:rPr>
-              <a:t>여기에는 내용을 입력해요</a:t>
+              <a:t>감사합니다</a:t>
             </a:r>
           </a:p>
         </p:txBody>
@@ -12278,7 +7167,7 @@
     </p:spTree>
     <p:extLst>
       <p:ext uri="{BB962C8B-B14F-4D97-AF65-F5344CB8AC3E}">
-        <p14:creationId xmlns:p14="http://schemas.microsoft.com/office/powerpoint/2010/main" val="1133397799"/>
+        <p14:creationId xmlns:p14="http://schemas.microsoft.com/office/powerpoint/2010/main" val="2269681033"/>
       </p:ext>
     </p:extLst>
   </p:cSld>
@@ -12633,135 +7522,6 @@
 </a:themeOverride>
 </file>
 
-<file path=ppt/theme/themeOverride10.xml><?xml version="1.0" encoding="utf-8"?>
-<a:themeOverride xmlns:a="http://schemas.openxmlformats.org/drawingml/2006/main">
-  <a:clrScheme name="Office">
-    <a:dk1>
-      <a:sysClr val="windowText" lastClr="000000"/>
-    </a:dk1>
-    <a:lt1>
-      <a:sysClr val="window" lastClr="FFFFFF"/>
-    </a:lt1>
-    <a:dk2>
-      <a:srgbClr val="44546A"/>
-    </a:dk2>
-    <a:lt2>
-      <a:srgbClr val="E7E6E6"/>
-    </a:lt2>
-    <a:accent1>
-      <a:srgbClr val="4472C4"/>
-    </a:accent1>
-    <a:accent2>
-      <a:srgbClr val="ED7D31"/>
-    </a:accent2>
-    <a:accent3>
-      <a:srgbClr val="A5A5A5"/>
-    </a:accent3>
-    <a:accent4>
-      <a:srgbClr val="FFC000"/>
-    </a:accent4>
-    <a:accent5>
-      <a:srgbClr val="5B9BD5"/>
-    </a:accent5>
-    <a:accent6>
-      <a:srgbClr val="70AD47"/>
-    </a:accent6>
-    <a:hlink>
-      <a:srgbClr val="0563C1"/>
-    </a:hlink>
-    <a:folHlink>
-      <a:srgbClr val="954F72"/>
-    </a:folHlink>
-  </a:clrScheme>
-</a:themeOverride>
-</file>
-
-<file path=ppt/theme/themeOverride11.xml><?xml version="1.0" encoding="utf-8"?>
-<a:themeOverride xmlns:a="http://schemas.openxmlformats.org/drawingml/2006/main">
-  <a:clrScheme name="Office">
-    <a:dk1>
-      <a:sysClr val="windowText" lastClr="000000"/>
-    </a:dk1>
-    <a:lt1>
-      <a:sysClr val="window" lastClr="FFFFFF"/>
-    </a:lt1>
-    <a:dk2>
-      <a:srgbClr val="44546A"/>
-    </a:dk2>
-    <a:lt2>
-      <a:srgbClr val="E7E6E6"/>
-    </a:lt2>
-    <a:accent1>
-      <a:srgbClr val="4472C4"/>
-    </a:accent1>
-    <a:accent2>
-      <a:srgbClr val="ED7D31"/>
-    </a:accent2>
-    <a:accent3>
-      <a:srgbClr val="A5A5A5"/>
-    </a:accent3>
-    <a:accent4>
-      <a:srgbClr val="FFC000"/>
-    </a:accent4>
-    <a:accent5>
-      <a:srgbClr val="5B9BD5"/>
-    </a:accent5>
-    <a:accent6>
-      <a:srgbClr val="70AD47"/>
-    </a:accent6>
-    <a:hlink>
-      <a:srgbClr val="0563C1"/>
-    </a:hlink>
-    <a:folHlink>
-      <a:srgbClr val="954F72"/>
-    </a:folHlink>
-  </a:clrScheme>
-</a:themeOverride>
-</file>
-
-<file path=ppt/theme/themeOverride12.xml><?xml version="1.0" encoding="utf-8"?>
-<a:themeOverride xmlns:a="http://schemas.openxmlformats.org/drawingml/2006/main">
-  <a:clrScheme name="Office">
-    <a:dk1>
-      <a:sysClr val="windowText" lastClr="000000"/>
-    </a:dk1>
-    <a:lt1>
-      <a:sysClr val="window" lastClr="FFFFFF"/>
-    </a:lt1>
-    <a:dk2>
-      <a:srgbClr val="44546A"/>
-    </a:dk2>
-    <a:lt2>
-      <a:srgbClr val="E7E6E6"/>
-    </a:lt2>
-    <a:accent1>
-      <a:srgbClr val="4472C4"/>
-    </a:accent1>
-    <a:accent2>
-      <a:srgbClr val="ED7D31"/>
-    </a:accent2>
-    <a:accent3>
-      <a:srgbClr val="A5A5A5"/>
-    </a:accent3>
-    <a:accent4>
-      <a:srgbClr val="FFC000"/>
-    </a:accent4>
-    <a:accent5>
-      <a:srgbClr val="5B9BD5"/>
-    </a:accent5>
-    <a:accent6>
-      <a:srgbClr val="70AD47"/>
-    </a:accent6>
-    <a:hlink>
-      <a:srgbClr val="0563C1"/>
-    </a:hlink>
-    <a:folHlink>
-      <a:srgbClr val="954F72"/>
-    </a:folHlink>
-  </a:clrScheme>
-</a:themeOverride>
-</file>
-
 <file path=ppt/theme/themeOverride2.xml><?xml version="1.0" encoding="utf-8"?>
 <a:themeOverride xmlns:a="http://schemas.openxmlformats.org/drawingml/2006/main">
   <a:clrScheme name="Office">
@@ -13061,47 +7821,4 @@
     </a:folHlink>
   </a:clrScheme>
 </a:themeOverride>
-</file>
-
-<file path=ppt/theme/themeOverride9.xml><?xml version="1.0" encoding="utf-8"?>
-<a:themeOverride xmlns:a="http://schemas.openxmlformats.org/drawingml/2006/main">
-  <a:clrScheme name="Office">
-    <a:dk1>
-      <a:sysClr val="windowText" lastClr="000000"/>
-    </a:dk1>
-    <a:lt1>
-      <a:sysClr val="window" lastClr="FFFFFF"/>
-    </a:lt1>
-    <a:dk2>
-      <a:srgbClr val="44546A"/>
-    </a:dk2>
-    <a:lt2>
-      <a:srgbClr val="E7E6E6"/>
-    </a:lt2>
-    <a:accent1>
-      <a:srgbClr val="4472C4"/>
-    </a:accent1>
-    <a:accent2>
-      <a:srgbClr val="ED7D31"/>
-    </a:accent2>
-    <a:accent3>
-      <a:srgbClr val="A5A5A5"/>
-    </a:accent3>
-    <a:accent4>
-      <a:srgbClr val="FFC000"/>
-    </a:accent4>
-    <a:accent5>
-      <a:srgbClr val="5B9BD5"/>
-    </a:accent5>
-    <a:accent6>
-      <a:srgbClr val="70AD47"/>
-    </a:accent6>
-    <a:hlink>
-      <a:srgbClr val="0563C1"/>
-    </a:hlink>
-    <a:folHlink>
-      <a:srgbClr val="954F72"/>
-    </a:folHlink>
-  </a:clrScheme>
-</a:themeOverride>
 </file>